--- a/pptx/chap12.pptx
+++ b/pptx/chap12.pptx
@@ -2,10 +2,10 @@
 <file path=ppt/presentation.xml><?xml version="1.0" encoding="utf-8"?>
 <p:presentation xmlns:a="http://schemas.openxmlformats.org/drawingml/2006/main" xmlns:r="http://schemas.openxmlformats.org/officeDocument/2006/relationships" xmlns:p="http://schemas.openxmlformats.org/presentationml/2006/main" saveSubsetFonts="1">
   <p:sldMasterIdLst>
-    <p:sldMasterId id="2147483648" r:id="rId1"/>
+    <p:sldMasterId id="2147483660" r:id="rId1"/>
   </p:sldMasterIdLst>
   <p:sldIdLst>
-    <p:sldId id="268" r:id="rId2"/>
+    <p:sldId id="287" r:id="rId2"/>
     <p:sldId id="269" r:id="rId3"/>
     <p:sldId id="273" r:id="rId4"/>
     <p:sldId id="274" r:id="rId5"/>
@@ -17,14 +17,14 @@
     <p:sldId id="280" r:id="rId11"/>
     <p:sldId id="281" r:id="rId12"/>
   </p:sldIdLst>
-  <p:sldSz cx="9144000" cy="6858000" type="screen4x3"/>
+  <p:sldSz cx="12192000" cy="6858000"/>
   <p:notesSz cx="6858000" cy="9144000"/>
   <p:defaultTextStyle>
     <a:defPPr>
-      <a:defRPr lang="ja-JP"/>
+      <a:defRPr lang="en-US"/>
     </a:defPPr>
-    <a:lvl1pPr marL="0" algn="l" defTabSz="914400" rtl="0" eaLnBrk="1" latinLnBrk="0" hangingPunct="1">
-      <a:defRPr kumimoji="1" sz="1800" kern="1200">
+    <a:lvl1pPr marL="0" algn="l" defTabSz="457200" rtl="0" eaLnBrk="1" latinLnBrk="0" hangingPunct="1">
+      <a:defRPr sz="1800" kern="1200">
         <a:solidFill>
           <a:schemeClr val="tx1"/>
         </a:solidFill>
@@ -33,8 +33,8 @@
         <a:cs typeface="+mn-cs"/>
       </a:defRPr>
     </a:lvl1pPr>
-    <a:lvl2pPr marL="457200" algn="l" defTabSz="914400" rtl="0" eaLnBrk="1" latinLnBrk="0" hangingPunct="1">
-      <a:defRPr kumimoji="1" sz="1800" kern="1200">
+    <a:lvl2pPr marL="457200" algn="l" defTabSz="457200" rtl="0" eaLnBrk="1" latinLnBrk="0" hangingPunct="1">
+      <a:defRPr sz="1800" kern="1200">
         <a:solidFill>
           <a:schemeClr val="tx1"/>
         </a:solidFill>
@@ -43,8 +43,8 @@
         <a:cs typeface="+mn-cs"/>
       </a:defRPr>
     </a:lvl2pPr>
-    <a:lvl3pPr marL="914400" algn="l" defTabSz="914400" rtl="0" eaLnBrk="1" latinLnBrk="0" hangingPunct="1">
-      <a:defRPr kumimoji="1" sz="1800" kern="1200">
+    <a:lvl3pPr marL="914400" algn="l" defTabSz="457200" rtl="0" eaLnBrk="1" latinLnBrk="0" hangingPunct="1">
+      <a:defRPr sz="1800" kern="1200">
         <a:solidFill>
           <a:schemeClr val="tx1"/>
         </a:solidFill>
@@ -53,8 +53,8 @@
         <a:cs typeface="+mn-cs"/>
       </a:defRPr>
     </a:lvl3pPr>
-    <a:lvl4pPr marL="1371600" algn="l" defTabSz="914400" rtl="0" eaLnBrk="1" latinLnBrk="0" hangingPunct="1">
-      <a:defRPr kumimoji="1" sz="1800" kern="1200">
+    <a:lvl4pPr marL="1371600" algn="l" defTabSz="457200" rtl="0" eaLnBrk="1" latinLnBrk="0" hangingPunct="1">
+      <a:defRPr sz="1800" kern="1200">
         <a:solidFill>
           <a:schemeClr val="tx1"/>
         </a:solidFill>
@@ -63,8 +63,8 @@
         <a:cs typeface="+mn-cs"/>
       </a:defRPr>
     </a:lvl4pPr>
-    <a:lvl5pPr marL="1828800" algn="l" defTabSz="914400" rtl="0" eaLnBrk="1" latinLnBrk="0" hangingPunct="1">
-      <a:defRPr kumimoji="1" sz="1800" kern="1200">
+    <a:lvl5pPr marL="1828800" algn="l" defTabSz="457200" rtl="0" eaLnBrk="1" latinLnBrk="0" hangingPunct="1">
+      <a:defRPr sz="1800" kern="1200">
         <a:solidFill>
           <a:schemeClr val="tx1"/>
         </a:solidFill>
@@ -73,8 +73,8 @@
         <a:cs typeface="+mn-cs"/>
       </a:defRPr>
     </a:lvl5pPr>
-    <a:lvl6pPr marL="2286000" algn="l" defTabSz="914400" rtl="0" eaLnBrk="1" latinLnBrk="0" hangingPunct="1">
-      <a:defRPr kumimoji="1" sz="1800" kern="1200">
+    <a:lvl6pPr marL="2286000" algn="l" defTabSz="457200" rtl="0" eaLnBrk="1" latinLnBrk="0" hangingPunct="1">
+      <a:defRPr sz="1800" kern="1200">
         <a:solidFill>
           <a:schemeClr val="tx1"/>
         </a:solidFill>
@@ -83,8 +83,8 @@
         <a:cs typeface="+mn-cs"/>
       </a:defRPr>
     </a:lvl6pPr>
-    <a:lvl7pPr marL="2743200" algn="l" defTabSz="914400" rtl="0" eaLnBrk="1" latinLnBrk="0" hangingPunct="1">
-      <a:defRPr kumimoji="1" sz="1800" kern="1200">
+    <a:lvl7pPr marL="2743200" algn="l" defTabSz="457200" rtl="0" eaLnBrk="1" latinLnBrk="0" hangingPunct="1">
+      <a:defRPr sz="1800" kern="1200">
         <a:solidFill>
           <a:schemeClr val="tx1"/>
         </a:solidFill>
@@ -93,8 +93,8 @@
         <a:cs typeface="+mn-cs"/>
       </a:defRPr>
     </a:lvl7pPr>
-    <a:lvl8pPr marL="3200400" algn="l" defTabSz="914400" rtl="0" eaLnBrk="1" latinLnBrk="0" hangingPunct="1">
-      <a:defRPr kumimoji="1" sz="1800" kern="1200">
+    <a:lvl8pPr marL="3200400" algn="l" defTabSz="457200" rtl="0" eaLnBrk="1" latinLnBrk="0" hangingPunct="1">
+      <a:defRPr sz="1800" kern="1200">
         <a:solidFill>
           <a:schemeClr val="tx1"/>
         </a:solidFill>
@@ -103,8 +103,8 @@
         <a:cs typeface="+mn-cs"/>
       </a:defRPr>
     </a:lvl8pPr>
-    <a:lvl9pPr marL="3657600" algn="l" defTabSz="914400" rtl="0" eaLnBrk="1" latinLnBrk="0" hangingPunct="1">
-      <a:defRPr kumimoji="1" sz="1800" kern="1200">
+    <a:lvl9pPr marL="3657600" algn="l" defTabSz="457200" rtl="0" eaLnBrk="1" latinLnBrk="0" hangingPunct="1">
+      <a:defRPr sz="1800" kern="1200">
         <a:solidFill>
           <a:schemeClr val="tx1"/>
         </a:solidFill>
@@ -120,10 +120,6 @@
     </p:ext>
   </p:extLst>
 </p:presentation>
-</file>
-
-<file path=ppt/revisionInfo.xml><?xml version="1.0" encoding="utf-8"?>
-<p1510:revInfo xmlns:a="http://schemas.openxmlformats.org/drawingml/2006/main" xmlns:r="http://schemas.openxmlformats.org/officeDocument/2006/relationships" xmlns:p1510="http://schemas.microsoft.com/office/powerpoint/2015/10/main"/>
 </file>
 
 <file path=ppt/slideLayouts/slideLayout1.xml><?xml version="1.0" encoding="utf-8"?>
@@ -145,13 +141,7 @@
       </p:grpSpPr>
       <p:sp>
         <p:nvSpPr>
-          <p:cNvPr id="2" name="タイトル 1">
-            <a:extLst>
-              <a:ext uri="{FF2B5EF4-FFF2-40B4-BE49-F238E27FC236}">
-                <a16:creationId xmlns:a16="http://schemas.microsoft.com/office/drawing/2014/main" id="{490F5702-5D73-444E-8951-B738CBD0E5BE}"/>
-              </a:ext>
-            </a:extLst>
-          </p:cNvPr>
+          <p:cNvPr id="2" name="Title 1"/>
           <p:cNvSpPr>
             <a:spLocks noGrp="1"/>
           </p:cNvSpPr>
@@ -161,8 +151,8 @@
         </p:nvSpPr>
         <p:spPr>
           <a:xfrm>
-            <a:off x="1143000" y="1122363"/>
-            <a:ext cx="6858000" cy="2387600"/>
+            <a:off x="1524000" y="1122363"/>
+            <a:ext cx="9144000" cy="2387600"/>
           </a:xfrm>
         </p:spPr>
         <p:txBody>
@@ -174,21 +164,16 @@
           </a:lstStyle>
           <a:p>
             <a:r>
-              <a:rPr kumimoji="1" lang="ja-JP" altLang="en-US"/>
+              <a:rPr lang="ja-JP" altLang="en-US"/>
               <a:t>マスター タイトルの書式設定</a:t>
             </a:r>
-          </a:p>
-        </p:txBody>
-      </p:sp>
-      <p:sp>
-        <p:nvSpPr>
-          <p:cNvPr id="3" name="サブタイトル 2">
-            <a:extLst>
-              <a:ext uri="{FF2B5EF4-FFF2-40B4-BE49-F238E27FC236}">
-                <a16:creationId xmlns:a16="http://schemas.microsoft.com/office/drawing/2014/main" id="{92151FC2-914A-40A1-AFA3-889561BB0D24}"/>
-              </a:ext>
-            </a:extLst>
-          </p:cNvPr>
+            <a:endParaRPr lang="en-US" dirty="0"/>
+          </a:p>
+        </p:txBody>
+      </p:sp>
+      <p:sp>
+        <p:nvSpPr>
+          <p:cNvPr id="3" name="Subtitle 2"/>
           <p:cNvSpPr>
             <a:spLocks noGrp="1"/>
           </p:cNvSpPr>
@@ -198,8 +183,8 @@
         </p:nvSpPr>
         <p:spPr>
           <a:xfrm>
-            <a:off x="1143000" y="3602038"/>
-            <a:ext cx="6858000" cy="1655762"/>
+            <a:off x="1524000" y="3602038"/>
+            <a:ext cx="9144000" cy="1655762"/>
           </a:xfrm>
         </p:spPr>
         <p:txBody>
@@ -244,21 +229,16 @@
           </a:lstStyle>
           <a:p>
             <a:r>
-              <a:rPr kumimoji="1" lang="ja-JP" altLang="en-US"/>
+              <a:rPr lang="ja-JP" altLang="en-US"/>
               <a:t>マスター サブタイトルの書式設定</a:t>
             </a:r>
-          </a:p>
-        </p:txBody>
-      </p:sp>
-      <p:sp>
-        <p:nvSpPr>
-          <p:cNvPr id="4" name="日付プレースホルダー 3">
-            <a:extLst>
-              <a:ext uri="{FF2B5EF4-FFF2-40B4-BE49-F238E27FC236}">
-                <a16:creationId xmlns:a16="http://schemas.microsoft.com/office/drawing/2014/main" id="{A5871356-BBC6-4101-A899-68ED57221D85}"/>
-              </a:ext>
-            </a:extLst>
-          </p:cNvPr>
+            <a:endParaRPr lang="en-US" dirty="0"/>
+          </a:p>
+        </p:txBody>
+      </p:sp>
+      <p:sp>
+        <p:nvSpPr>
+          <p:cNvPr id="4" name="Date Placeholder 3"/>
           <p:cNvSpPr>
             <a:spLocks noGrp="1"/>
           </p:cNvSpPr>
@@ -273,7 +253,7 @@
           <a:p>
             <a:fld id="{BCC3470B-979D-4AC3-9CEF-E2615858CE2E}" type="datetimeFigureOut">
               <a:rPr kumimoji="1" lang="ja-JP" altLang="en-US" smtClean="0"/>
-              <a:t>2017/9/13</a:t>
+              <a:t>2023/8/25</a:t>
             </a:fld>
             <a:endParaRPr kumimoji="1" lang="ja-JP" altLang="en-US"/>
           </a:p>
@@ -281,13 +261,7 @@
       </p:sp>
       <p:sp>
         <p:nvSpPr>
-          <p:cNvPr id="5" name="フッター プレースホルダー 4">
-            <a:extLst>
-              <a:ext uri="{FF2B5EF4-FFF2-40B4-BE49-F238E27FC236}">
-                <a16:creationId xmlns:a16="http://schemas.microsoft.com/office/drawing/2014/main" id="{1A645758-572A-4888-B100-B96321DE5302}"/>
-              </a:ext>
-            </a:extLst>
-          </p:cNvPr>
+          <p:cNvPr id="5" name="Footer Placeholder 4"/>
           <p:cNvSpPr>
             <a:spLocks noGrp="1"/>
           </p:cNvSpPr>
@@ -306,13 +280,7 @@
       </p:sp>
       <p:sp>
         <p:nvSpPr>
-          <p:cNvPr id="6" name="スライド番号プレースホルダー 5">
-            <a:extLst>
-              <a:ext uri="{FF2B5EF4-FFF2-40B4-BE49-F238E27FC236}">
-                <a16:creationId xmlns:a16="http://schemas.microsoft.com/office/drawing/2014/main" id="{EDAF273E-F96B-4748-B86E-108E6C4C6FD0}"/>
-              </a:ext>
-            </a:extLst>
-          </p:cNvPr>
+          <p:cNvPr id="6" name="Slide Number Placeholder 5"/>
           <p:cNvSpPr>
             <a:spLocks noGrp="1"/>
           </p:cNvSpPr>
@@ -336,7 +304,7 @@
     </p:spTree>
     <p:extLst>
       <p:ext uri="{BB962C8B-B14F-4D97-AF65-F5344CB8AC3E}">
-        <p14:creationId xmlns:p14="http://schemas.microsoft.com/office/powerpoint/2010/main" val="816187851"/>
+        <p14:creationId xmlns:p14="http://schemas.microsoft.com/office/powerpoint/2010/main" val="2806802198"/>
       </p:ext>
     </p:extLst>
   </p:cSld>
@@ -365,13 +333,7 @@
       </p:grpSpPr>
       <p:sp>
         <p:nvSpPr>
-          <p:cNvPr id="2" name="タイトル 1">
-            <a:extLst>
-              <a:ext uri="{FF2B5EF4-FFF2-40B4-BE49-F238E27FC236}">
-                <a16:creationId xmlns:a16="http://schemas.microsoft.com/office/drawing/2014/main" id="{19326C56-05B2-4045-A427-F214C2579896}"/>
-              </a:ext>
-            </a:extLst>
-          </p:cNvPr>
+          <p:cNvPr id="2" name="Title 1"/>
           <p:cNvSpPr>
             <a:spLocks noGrp="1"/>
           </p:cNvSpPr>
@@ -385,21 +347,16 @@
           <a:lstStyle/>
           <a:p>
             <a:r>
-              <a:rPr kumimoji="1" lang="ja-JP" altLang="en-US"/>
+              <a:rPr lang="ja-JP" altLang="en-US"/>
               <a:t>マスター タイトルの書式設定</a:t>
             </a:r>
-          </a:p>
-        </p:txBody>
-      </p:sp>
-      <p:sp>
-        <p:nvSpPr>
-          <p:cNvPr id="3" name="縦書きテキスト プレースホルダー 2">
-            <a:extLst>
-              <a:ext uri="{FF2B5EF4-FFF2-40B4-BE49-F238E27FC236}">
-                <a16:creationId xmlns:a16="http://schemas.microsoft.com/office/drawing/2014/main" id="{CF53802B-347E-4462-8C96-469EB0800092}"/>
-              </a:ext>
-            </a:extLst>
-          </p:cNvPr>
+            <a:endParaRPr lang="en-US" dirty="0"/>
+          </a:p>
+        </p:txBody>
+      </p:sp>
+      <p:sp>
+        <p:nvSpPr>
+          <p:cNvPr id="3" name="Vertical Text Placeholder 2"/>
           <p:cNvSpPr>
             <a:spLocks noGrp="1"/>
           </p:cNvSpPr>
@@ -414,81 +371,76 @@
           <a:p>
             <a:pPr lvl="0"/>
             <a:r>
-              <a:rPr kumimoji="1" lang="ja-JP" altLang="en-US"/>
+              <a:rPr lang="ja-JP" altLang="en-US"/>
               <a:t>マスター テキストの書式設定</a:t>
             </a:r>
           </a:p>
           <a:p>
             <a:pPr lvl="1"/>
             <a:r>
-              <a:rPr kumimoji="1" lang="ja-JP" altLang="en-US"/>
+              <a:rPr lang="ja-JP" altLang="en-US"/>
               <a:t>第 </a:t>
             </a:r>
             <a:r>
-              <a:rPr kumimoji="1" lang="en-US" altLang="ja-JP"/>
+              <a:rPr lang="en-US" altLang="ja-JP"/>
               <a:t>2 </a:t>
             </a:r>
             <a:r>
-              <a:rPr kumimoji="1" lang="ja-JP" altLang="en-US"/>
+              <a:rPr lang="ja-JP" altLang="en-US"/>
               <a:t>レベル</a:t>
             </a:r>
           </a:p>
           <a:p>
             <a:pPr lvl="2"/>
             <a:r>
-              <a:rPr kumimoji="1" lang="ja-JP" altLang="en-US"/>
+              <a:rPr lang="ja-JP" altLang="en-US"/>
               <a:t>第 </a:t>
             </a:r>
             <a:r>
-              <a:rPr kumimoji="1" lang="en-US" altLang="ja-JP"/>
+              <a:rPr lang="en-US" altLang="ja-JP"/>
               <a:t>3 </a:t>
             </a:r>
             <a:r>
-              <a:rPr kumimoji="1" lang="ja-JP" altLang="en-US"/>
+              <a:rPr lang="ja-JP" altLang="en-US"/>
               <a:t>レベル</a:t>
             </a:r>
           </a:p>
           <a:p>
             <a:pPr lvl="3"/>
             <a:r>
-              <a:rPr kumimoji="1" lang="ja-JP" altLang="en-US"/>
+              <a:rPr lang="ja-JP" altLang="en-US"/>
               <a:t>第 </a:t>
             </a:r>
             <a:r>
-              <a:rPr kumimoji="1" lang="en-US" altLang="ja-JP"/>
+              <a:rPr lang="en-US" altLang="ja-JP"/>
               <a:t>4 </a:t>
             </a:r>
             <a:r>
-              <a:rPr kumimoji="1" lang="ja-JP" altLang="en-US"/>
+              <a:rPr lang="ja-JP" altLang="en-US"/>
               <a:t>レベル</a:t>
             </a:r>
           </a:p>
           <a:p>
             <a:pPr lvl="4"/>
             <a:r>
-              <a:rPr kumimoji="1" lang="ja-JP" altLang="en-US"/>
+              <a:rPr lang="ja-JP" altLang="en-US"/>
               <a:t>第 </a:t>
             </a:r>
             <a:r>
-              <a:rPr kumimoji="1" lang="en-US" altLang="ja-JP"/>
+              <a:rPr lang="en-US" altLang="ja-JP"/>
               <a:t>5 </a:t>
             </a:r>
             <a:r>
-              <a:rPr kumimoji="1" lang="ja-JP" altLang="en-US"/>
+              <a:rPr lang="ja-JP" altLang="en-US"/>
               <a:t>レベル</a:t>
             </a:r>
-          </a:p>
-        </p:txBody>
-      </p:sp>
-      <p:sp>
-        <p:nvSpPr>
-          <p:cNvPr id="4" name="日付プレースホルダー 3">
-            <a:extLst>
-              <a:ext uri="{FF2B5EF4-FFF2-40B4-BE49-F238E27FC236}">
-                <a16:creationId xmlns:a16="http://schemas.microsoft.com/office/drawing/2014/main" id="{8784DDE4-33A8-4813-93FC-E4AD3B1CE7AD}"/>
-              </a:ext>
-            </a:extLst>
-          </p:cNvPr>
+            <a:endParaRPr lang="en-US" dirty="0"/>
+          </a:p>
+        </p:txBody>
+      </p:sp>
+      <p:sp>
+        <p:nvSpPr>
+          <p:cNvPr id="4" name="Date Placeholder 3"/>
           <p:cNvSpPr>
             <a:spLocks noGrp="1"/>
           </p:cNvSpPr>
@@ -503,7 +455,7 @@
           <a:p>
             <a:fld id="{BCC3470B-979D-4AC3-9CEF-E2615858CE2E}" type="datetimeFigureOut">
               <a:rPr kumimoji="1" lang="ja-JP" altLang="en-US" smtClean="0"/>
-              <a:t>2017/9/13</a:t>
+              <a:t>2023/8/25</a:t>
             </a:fld>
             <a:endParaRPr kumimoji="1" lang="ja-JP" altLang="en-US"/>
           </a:p>
@@ -511,13 +463,7 @@
       </p:sp>
       <p:sp>
         <p:nvSpPr>
-          <p:cNvPr id="5" name="フッター プレースホルダー 4">
-            <a:extLst>
-              <a:ext uri="{FF2B5EF4-FFF2-40B4-BE49-F238E27FC236}">
-                <a16:creationId xmlns:a16="http://schemas.microsoft.com/office/drawing/2014/main" id="{E3502423-BA24-4C5A-B6C2-E8442A0053D1}"/>
-              </a:ext>
-            </a:extLst>
-          </p:cNvPr>
+          <p:cNvPr id="5" name="Footer Placeholder 4"/>
           <p:cNvSpPr>
             <a:spLocks noGrp="1"/>
           </p:cNvSpPr>
@@ -536,13 +482,7 @@
       </p:sp>
       <p:sp>
         <p:nvSpPr>
-          <p:cNvPr id="6" name="スライド番号プレースホルダー 5">
-            <a:extLst>
-              <a:ext uri="{FF2B5EF4-FFF2-40B4-BE49-F238E27FC236}">
-                <a16:creationId xmlns:a16="http://schemas.microsoft.com/office/drawing/2014/main" id="{F2781BD3-6ED3-44FD-8E72-04E946C69C01}"/>
-              </a:ext>
-            </a:extLst>
-          </p:cNvPr>
+          <p:cNvPr id="6" name="Slide Number Placeholder 5"/>
           <p:cNvSpPr>
             <a:spLocks noGrp="1"/>
           </p:cNvSpPr>
@@ -566,7 +506,7 @@
     </p:spTree>
     <p:extLst>
       <p:ext uri="{BB962C8B-B14F-4D97-AF65-F5344CB8AC3E}">
-        <p14:creationId xmlns:p14="http://schemas.microsoft.com/office/powerpoint/2010/main" val="397647011"/>
+        <p14:creationId xmlns:p14="http://schemas.microsoft.com/office/powerpoint/2010/main" val="722320182"/>
       </p:ext>
     </p:extLst>
   </p:cSld>
@@ -595,13 +535,7 @@
       </p:grpSpPr>
       <p:sp>
         <p:nvSpPr>
-          <p:cNvPr id="2" name="縦書きタイトル 1">
-            <a:extLst>
-              <a:ext uri="{FF2B5EF4-FFF2-40B4-BE49-F238E27FC236}">
-                <a16:creationId xmlns:a16="http://schemas.microsoft.com/office/drawing/2014/main" id="{017A9D40-9D15-450D-82F8-D655384016D5}"/>
-              </a:ext>
-            </a:extLst>
-          </p:cNvPr>
+          <p:cNvPr id="2" name="Vertical Title 1"/>
           <p:cNvSpPr>
             <a:spLocks noGrp="1"/>
           </p:cNvSpPr>
@@ -611,8 +545,8 @@
         </p:nvSpPr>
         <p:spPr>
           <a:xfrm>
-            <a:off x="6543675" y="365125"/>
-            <a:ext cx="1971675" cy="5811838"/>
+            <a:off x="8724900" y="365125"/>
+            <a:ext cx="2628900" cy="5811838"/>
           </a:xfrm>
         </p:spPr>
         <p:txBody>
@@ -620,21 +554,16 @@
           <a:lstStyle/>
           <a:p>
             <a:r>
-              <a:rPr kumimoji="1" lang="ja-JP" altLang="en-US"/>
+              <a:rPr lang="ja-JP" altLang="en-US"/>
               <a:t>マスター タイトルの書式設定</a:t>
             </a:r>
-          </a:p>
-        </p:txBody>
-      </p:sp>
-      <p:sp>
-        <p:nvSpPr>
-          <p:cNvPr id="3" name="縦書きテキスト プレースホルダー 2">
-            <a:extLst>
-              <a:ext uri="{FF2B5EF4-FFF2-40B4-BE49-F238E27FC236}">
-                <a16:creationId xmlns:a16="http://schemas.microsoft.com/office/drawing/2014/main" id="{5DAC8398-BD6E-46E7-9AD6-7AFEC6690000}"/>
-              </a:ext>
-            </a:extLst>
-          </p:cNvPr>
+            <a:endParaRPr lang="en-US" dirty="0"/>
+          </a:p>
+        </p:txBody>
+      </p:sp>
+      <p:sp>
+        <p:nvSpPr>
+          <p:cNvPr id="3" name="Vertical Text Placeholder 2"/>
           <p:cNvSpPr>
             <a:spLocks noGrp="1"/>
           </p:cNvSpPr>
@@ -644,8 +573,8 @@
         </p:nvSpPr>
         <p:spPr>
           <a:xfrm>
-            <a:off x="628650" y="365125"/>
-            <a:ext cx="5800725" cy="5811838"/>
+            <a:off x="838200" y="365125"/>
+            <a:ext cx="7734300" cy="5811838"/>
           </a:xfrm>
         </p:spPr>
         <p:txBody>
@@ -654,81 +583,76 @@
           <a:p>
             <a:pPr lvl="0"/>
             <a:r>
-              <a:rPr kumimoji="1" lang="ja-JP" altLang="en-US"/>
+              <a:rPr lang="ja-JP" altLang="en-US"/>
               <a:t>マスター テキストの書式設定</a:t>
             </a:r>
           </a:p>
           <a:p>
             <a:pPr lvl="1"/>
             <a:r>
-              <a:rPr kumimoji="1" lang="ja-JP" altLang="en-US"/>
+              <a:rPr lang="ja-JP" altLang="en-US"/>
               <a:t>第 </a:t>
             </a:r>
             <a:r>
-              <a:rPr kumimoji="1" lang="en-US" altLang="ja-JP"/>
+              <a:rPr lang="en-US" altLang="ja-JP"/>
               <a:t>2 </a:t>
             </a:r>
             <a:r>
-              <a:rPr kumimoji="1" lang="ja-JP" altLang="en-US"/>
+              <a:rPr lang="ja-JP" altLang="en-US"/>
               <a:t>レベル</a:t>
             </a:r>
           </a:p>
           <a:p>
             <a:pPr lvl="2"/>
             <a:r>
-              <a:rPr kumimoji="1" lang="ja-JP" altLang="en-US"/>
+              <a:rPr lang="ja-JP" altLang="en-US"/>
               <a:t>第 </a:t>
             </a:r>
             <a:r>
-              <a:rPr kumimoji="1" lang="en-US" altLang="ja-JP"/>
+              <a:rPr lang="en-US" altLang="ja-JP"/>
               <a:t>3 </a:t>
             </a:r>
             <a:r>
-              <a:rPr kumimoji="1" lang="ja-JP" altLang="en-US"/>
+              <a:rPr lang="ja-JP" altLang="en-US"/>
               <a:t>レベル</a:t>
             </a:r>
           </a:p>
           <a:p>
             <a:pPr lvl="3"/>
             <a:r>
-              <a:rPr kumimoji="1" lang="ja-JP" altLang="en-US"/>
+              <a:rPr lang="ja-JP" altLang="en-US"/>
               <a:t>第 </a:t>
             </a:r>
             <a:r>
-              <a:rPr kumimoji="1" lang="en-US" altLang="ja-JP"/>
+              <a:rPr lang="en-US" altLang="ja-JP"/>
               <a:t>4 </a:t>
             </a:r>
             <a:r>
-              <a:rPr kumimoji="1" lang="ja-JP" altLang="en-US"/>
+              <a:rPr lang="ja-JP" altLang="en-US"/>
               <a:t>レベル</a:t>
             </a:r>
           </a:p>
           <a:p>
             <a:pPr lvl="4"/>
             <a:r>
-              <a:rPr kumimoji="1" lang="ja-JP" altLang="en-US"/>
+              <a:rPr lang="ja-JP" altLang="en-US"/>
               <a:t>第 </a:t>
             </a:r>
             <a:r>
-              <a:rPr kumimoji="1" lang="en-US" altLang="ja-JP"/>
+              <a:rPr lang="en-US" altLang="ja-JP"/>
               <a:t>5 </a:t>
             </a:r>
             <a:r>
-              <a:rPr kumimoji="1" lang="ja-JP" altLang="en-US"/>
+              <a:rPr lang="ja-JP" altLang="en-US"/>
               <a:t>レベル</a:t>
             </a:r>
-          </a:p>
-        </p:txBody>
-      </p:sp>
-      <p:sp>
-        <p:nvSpPr>
-          <p:cNvPr id="4" name="日付プレースホルダー 3">
-            <a:extLst>
-              <a:ext uri="{FF2B5EF4-FFF2-40B4-BE49-F238E27FC236}">
-                <a16:creationId xmlns:a16="http://schemas.microsoft.com/office/drawing/2014/main" id="{6FDBFB86-749B-427D-A94D-7E724F8A4B87}"/>
-              </a:ext>
-            </a:extLst>
-          </p:cNvPr>
+            <a:endParaRPr lang="en-US" dirty="0"/>
+          </a:p>
+        </p:txBody>
+      </p:sp>
+      <p:sp>
+        <p:nvSpPr>
+          <p:cNvPr id="4" name="Date Placeholder 3"/>
           <p:cNvSpPr>
             <a:spLocks noGrp="1"/>
           </p:cNvSpPr>
@@ -743,7 +667,7 @@
           <a:p>
             <a:fld id="{BCC3470B-979D-4AC3-9CEF-E2615858CE2E}" type="datetimeFigureOut">
               <a:rPr kumimoji="1" lang="ja-JP" altLang="en-US" smtClean="0"/>
-              <a:t>2017/9/13</a:t>
+              <a:t>2023/8/25</a:t>
             </a:fld>
             <a:endParaRPr kumimoji="1" lang="ja-JP" altLang="en-US"/>
           </a:p>
@@ -751,13 +675,7 @@
       </p:sp>
       <p:sp>
         <p:nvSpPr>
-          <p:cNvPr id="5" name="フッター プレースホルダー 4">
-            <a:extLst>
-              <a:ext uri="{FF2B5EF4-FFF2-40B4-BE49-F238E27FC236}">
-                <a16:creationId xmlns:a16="http://schemas.microsoft.com/office/drawing/2014/main" id="{46D97FC8-D55E-481F-831E-8B0923FAC4A8}"/>
-              </a:ext>
-            </a:extLst>
-          </p:cNvPr>
+          <p:cNvPr id="5" name="Footer Placeholder 4"/>
           <p:cNvSpPr>
             <a:spLocks noGrp="1"/>
           </p:cNvSpPr>
@@ -776,13 +694,7 @@
       </p:sp>
       <p:sp>
         <p:nvSpPr>
-          <p:cNvPr id="6" name="スライド番号プレースホルダー 5">
-            <a:extLst>
-              <a:ext uri="{FF2B5EF4-FFF2-40B4-BE49-F238E27FC236}">
-                <a16:creationId xmlns:a16="http://schemas.microsoft.com/office/drawing/2014/main" id="{00D79B48-AC5C-4428-AC16-9C5205B7981C}"/>
-              </a:ext>
-            </a:extLst>
-          </p:cNvPr>
+          <p:cNvPr id="6" name="Slide Number Placeholder 5"/>
           <p:cNvSpPr>
             <a:spLocks noGrp="1"/>
           </p:cNvSpPr>
@@ -806,7 +718,7 @@
     </p:spTree>
     <p:extLst>
       <p:ext uri="{BB962C8B-B14F-4D97-AF65-F5344CB8AC3E}">
-        <p14:creationId xmlns:p14="http://schemas.microsoft.com/office/powerpoint/2010/main" val="1659054291"/>
+        <p14:creationId xmlns:p14="http://schemas.microsoft.com/office/powerpoint/2010/main" val="3165977888"/>
       </p:ext>
     </p:extLst>
   </p:cSld>
@@ -835,13 +747,7 @@
       </p:grpSpPr>
       <p:sp>
         <p:nvSpPr>
-          <p:cNvPr id="2" name="タイトル 1">
-            <a:extLst>
-              <a:ext uri="{FF2B5EF4-FFF2-40B4-BE49-F238E27FC236}">
-                <a16:creationId xmlns:a16="http://schemas.microsoft.com/office/drawing/2014/main" id="{758DFCA2-5DB0-4083-8B4C-8DE6F01C0D39}"/>
-              </a:ext>
-            </a:extLst>
-          </p:cNvPr>
+          <p:cNvPr id="2" name="Title 1"/>
           <p:cNvSpPr>
             <a:spLocks noGrp="1"/>
           </p:cNvSpPr>
@@ -855,21 +761,16 @@
           <a:lstStyle/>
           <a:p>
             <a:r>
-              <a:rPr kumimoji="1" lang="ja-JP" altLang="en-US"/>
+              <a:rPr lang="ja-JP" altLang="en-US"/>
               <a:t>マスター タイトルの書式設定</a:t>
             </a:r>
-          </a:p>
-        </p:txBody>
-      </p:sp>
-      <p:sp>
-        <p:nvSpPr>
-          <p:cNvPr id="3" name="コンテンツ プレースホルダー 2">
-            <a:extLst>
-              <a:ext uri="{FF2B5EF4-FFF2-40B4-BE49-F238E27FC236}">
-                <a16:creationId xmlns:a16="http://schemas.microsoft.com/office/drawing/2014/main" id="{FFBDDB16-CBD2-4229-9A15-50C8AE44729F}"/>
-              </a:ext>
-            </a:extLst>
-          </p:cNvPr>
+            <a:endParaRPr lang="en-US" dirty="0"/>
+          </a:p>
+        </p:txBody>
+      </p:sp>
+      <p:sp>
+        <p:nvSpPr>
+          <p:cNvPr id="3" name="Content Placeholder 2"/>
           <p:cNvSpPr>
             <a:spLocks noGrp="1"/>
           </p:cNvSpPr>
@@ -884,81 +785,76 @@
           <a:p>
             <a:pPr lvl="0"/>
             <a:r>
-              <a:rPr kumimoji="1" lang="ja-JP" altLang="en-US"/>
+              <a:rPr lang="ja-JP" altLang="en-US"/>
               <a:t>マスター テキストの書式設定</a:t>
             </a:r>
           </a:p>
           <a:p>
             <a:pPr lvl="1"/>
             <a:r>
-              <a:rPr kumimoji="1" lang="ja-JP" altLang="en-US"/>
+              <a:rPr lang="ja-JP" altLang="en-US"/>
               <a:t>第 </a:t>
             </a:r>
             <a:r>
-              <a:rPr kumimoji="1" lang="en-US" altLang="ja-JP"/>
+              <a:rPr lang="en-US" altLang="ja-JP"/>
               <a:t>2 </a:t>
             </a:r>
             <a:r>
-              <a:rPr kumimoji="1" lang="ja-JP" altLang="en-US"/>
+              <a:rPr lang="ja-JP" altLang="en-US"/>
               <a:t>レベル</a:t>
             </a:r>
           </a:p>
           <a:p>
             <a:pPr lvl="2"/>
             <a:r>
-              <a:rPr kumimoji="1" lang="ja-JP" altLang="en-US"/>
+              <a:rPr lang="ja-JP" altLang="en-US"/>
               <a:t>第 </a:t>
             </a:r>
             <a:r>
-              <a:rPr kumimoji="1" lang="en-US" altLang="ja-JP"/>
+              <a:rPr lang="en-US" altLang="ja-JP"/>
               <a:t>3 </a:t>
             </a:r>
             <a:r>
-              <a:rPr kumimoji="1" lang="ja-JP" altLang="en-US"/>
+              <a:rPr lang="ja-JP" altLang="en-US"/>
               <a:t>レベル</a:t>
             </a:r>
           </a:p>
           <a:p>
             <a:pPr lvl="3"/>
             <a:r>
-              <a:rPr kumimoji="1" lang="ja-JP" altLang="en-US"/>
+              <a:rPr lang="ja-JP" altLang="en-US"/>
               <a:t>第 </a:t>
             </a:r>
             <a:r>
-              <a:rPr kumimoji="1" lang="en-US" altLang="ja-JP"/>
+              <a:rPr lang="en-US" altLang="ja-JP"/>
               <a:t>4 </a:t>
             </a:r>
             <a:r>
-              <a:rPr kumimoji="1" lang="ja-JP" altLang="en-US"/>
+              <a:rPr lang="ja-JP" altLang="en-US"/>
               <a:t>レベル</a:t>
             </a:r>
           </a:p>
           <a:p>
             <a:pPr lvl="4"/>
             <a:r>
-              <a:rPr kumimoji="1" lang="ja-JP" altLang="en-US"/>
+              <a:rPr lang="ja-JP" altLang="en-US"/>
               <a:t>第 </a:t>
             </a:r>
             <a:r>
-              <a:rPr kumimoji="1" lang="en-US" altLang="ja-JP"/>
+              <a:rPr lang="en-US" altLang="ja-JP"/>
               <a:t>5 </a:t>
             </a:r>
             <a:r>
-              <a:rPr kumimoji="1" lang="ja-JP" altLang="en-US"/>
+              <a:rPr lang="ja-JP" altLang="en-US"/>
               <a:t>レベル</a:t>
             </a:r>
-          </a:p>
-        </p:txBody>
-      </p:sp>
-      <p:sp>
-        <p:nvSpPr>
-          <p:cNvPr id="4" name="日付プレースホルダー 3">
-            <a:extLst>
-              <a:ext uri="{FF2B5EF4-FFF2-40B4-BE49-F238E27FC236}">
-                <a16:creationId xmlns:a16="http://schemas.microsoft.com/office/drawing/2014/main" id="{66DBD40E-5A76-4B4A-929F-470B9C12BFEE}"/>
-              </a:ext>
-            </a:extLst>
-          </p:cNvPr>
+            <a:endParaRPr lang="en-US" dirty="0"/>
+          </a:p>
+        </p:txBody>
+      </p:sp>
+      <p:sp>
+        <p:nvSpPr>
+          <p:cNvPr id="4" name="Date Placeholder 3"/>
           <p:cNvSpPr>
             <a:spLocks noGrp="1"/>
           </p:cNvSpPr>
@@ -973,7 +869,7 @@
           <a:p>
             <a:fld id="{BCC3470B-979D-4AC3-9CEF-E2615858CE2E}" type="datetimeFigureOut">
               <a:rPr kumimoji="1" lang="ja-JP" altLang="en-US" smtClean="0"/>
-              <a:t>2017/9/13</a:t>
+              <a:t>2023/8/25</a:t>
             </a:fld>
             <a:endParaRPr kumimoji="1" lang="ja-JP" altLang="en-US"/>
           </a:p>
@@ -981,13 +877,7 @@
       </p:sp>
       <p:sp>
         <p:nvSpPr>
-          <p:cNvPr id="5" name="フッター プレースホルダー 4">
-            <a:extLst>
-              <a:ext uri="{FF2B5EF4-FFF2-40B4-BE49-F238E27FC236}">
-                <a16:creationId xmlns:a16="http://schemas.microsoft.com/office/drawing/2014/main" id="{C4CE8CE3-F56A-499A-9503-84B870215EF8}"/>
-              </a:ext>
-            </a:extLst>
-          </p:cNvPr>
+          <p:cNvPr id="5" name="Footer Placeholder 4"/>
           <p:cNvSpPr>
             <a:spLocks noGrp="1"/>
           </p:cNvSpPr>
@@ -1006,13 +896,7 @@
       </p:sp>
       <p:sp>
         <p:nvSpPr>
-          <p:cNvPr id="6" name="スライド番号プレースホルダー 5">
-            <a:extLst>
-              <a:ext uri="{FF2B5EF4-FFF2-40B4-BE49-F238E27FC236}">
-                <a16:creationId xmlns:a16="http://schemas.microsoft.com/office/drawing/2014/main" id="{D922B388-1193-4540-9148-7A8F8D10B037}"/>
-              </a:ext>
-            </a:extLst>
-          </p:cNvPr>
+          <p:cNvPr id="6" name="Slide Number Placeholder 5"/>
           <p:cNvSpPr>
             <a:spLocks noGrp="1"/>
           </p:cNvSpPr>
@@ -1036,7 +920,7 @@
     </p:spTree>
     <p:extLst>
       <p:ext uri="{BB962C8B-B14F-4D97-AF65-F5344CB8AC3E}">
-        <p14:creationId xmlns:p14="http://schemas.microsoft.com/office/powerpoint/2010/main" val="3885293980"/>
+        <p14:creationId xmlns:p14="http://schemas.microsoft.com/office/powerpoint/2010/main" val="2234563605"/>
       </p:ext>
     </p:extLst>
   </p:cSld>
@@ -1065,13 +949,7 @@
       </p:grpSpPr>
       <p:sp>
         <p:nvSpPr>
-          <p:cNvPr id="2" name="タイトル 1">
-            <a:extLst>
-              <a:ext uri="{FF2B5EF4-FFF2-40B4-BE49-F238E27FC236}">
-                <a16:creationId xmlns:a16="http://schemas.microsoft.com/office/drawing/2014/main" id="{08E6B0ED-6C85-42C7-A913-4B82433E7B70}"/>
-              </a:ext>
-            </a:extLst>
-          </p:cNvPr>
+          <p:cNvPr id="2" name="Title 1"/>
           <p:cNvSpPr>
             <a:spLocks noGrp="1"/>
           </p:cNvSpPr>
@@ -1081,8 +959,8 @@
         </p:nvSpPr>
         <p:spPr>
           <a:xfrm>
-            <a:off x="623888" y="1709739"/>
-            <a:ext cx="7886700" cy="2852737"/>
+            <a:off x="831850" y="1709738"/>
+            <a:ext cx="10515600" cy="2852737"/>
           </a:xfrm>
         </p:spPr>
         <p:txBody>
@@ -1094,21 +972,16 @@
           </a:lstStyle>
           <a:p>
             <a:r>
-              <a:rPr kumimoji="1" lang="ja-JP" altLang="en-US"/>
+              <a:rPr lang="ja-JP" altLang="en-US"/>
               <a:t>マスター タイトルの書式設定</a:t>
             </a:r>
-          </a:p>
-        </p:txBody>
-      </p:sp>
-      <p:sp>
-        <p:nvSpPr>
-          <p:cNvPr id="3" name="テキスト プレースホルダー 2">
-            <a:extLst>
-              <a:ext uri="{FF2B5EF4-FFF2-40B4-BE49-F238E27FC236}">
-                <a16:creationId xmlns:a16="http://schemas.microsoft.com/office/drawing/2014/main" id="{246121B5-1DE4-4D5A-91F2-C7E49C42F30B}"/>
-              </a:ext>
-            </a:extLst>
-          </p:cNvPr>
+            <a:endParaRPr lang="en-US" dirty="0"/>
+          </a:p>
+        </p:txBody>
+      </p:sp>
+      <p:sp>
+        <p:nvSpPr>
+          <p:cNvPr id="3" name="Text Placeholder 2"/>
           <p:cNvSpPr>
             <a:spLocks noGrp="1"/>
           </p:cNvSpPr>
@@ -1118,8 +991,8 @@
         </p:nvSpPr>
         <p:spPr>
           <a:xfrm>
-            <a:off x="623888" y="4589464"/>
-            <a:ext cx="7886700" cy="1500187"/>
+            <a:off x="831850" y="4589463"/>
+            <a:ext cx="10515600" cy="1500187"/>
           </a:xfrm>
         </p:spPr>
         <p:txBody>
@@ -1219,7 +1092,7 @@
           <a:p>
             <a:pPr lvl="0"/>
             <a:r>
-              <a:rPr kumimoji="1" lang="ja-JP" altLang="en-US"/>
+              <a:rPr lang="ja-JP" altLang="en-US"/>
               <a:t>マスター テキストの書式設定</a:t>
             </a:r>
           </a:p>
@@ -1227,13 +1100,7 @@
       </p:sp>
       <p:sp>
         <p:nvSpPr>
-          <p:cNvPr id="4" name="日付プレースホルダー 3">
-            <a:extLst>
-              <a:ext uri="{FF2B5EF4-FFF2-40B4-BE49-F238E27FC236}">
-                <a16:creationId xmlns:a16="http://schemas.microsoft.com/office/drawing/2014/main" id="{554E865C-62F8-48F9-B5FF-DA5BC3EF1A2F}"/>
-              </a:ext>
-            </a:extLst>
-          </p:cNvPr>
+          <p:cNvPr id="4" name="Date Placeholder 3"/>
           <p:cNvSpPr>
             <a:spLocks noGrp="1"/>
           </p:cNvSpPr>
@@ -1248,7 +1115,7 @@
           <a:p>
             <a:fld id="{BCC3470B-979D-4AC3-9CEF-E2615858CE2E}" type="datetimeFigureOut">
               <a:rPr kumimoji="1" lang="ja-JP" altLang="en-US" smtClean="0"/>
-              <a:t>2017/9/13</a:t>
+              <a:t>2023/8/25</a:t>
             </a:fld>
             <a:endParaRPr kumimoji="1" lang="ja-JP" altLang="en-US"/>
           </a:p>
@@ -1256,13 +1123,7 @@
       </p:sp>
       <p:sp>
         <p:nvSpPr>
-          <p:cNvPr id="5" name="フッター プレースホルダー 4">
-            <a:extLst>
-              <a:ext uri="{FF2B5EF4-FFF2-40B4-BE49-F238E27FC236}">
-                <a16:creationId xmlns:a16="http://schemas.microsoft.com/office/drawing/2014/main" id="{01BA77F4-B8A8-433C-946F-4ABCE1772AC8}"/>
-              </a:ext>
-            </a:extLst>
-          </p:cNvPr>
+          <p:cNvPr id="5" name="Footer Placeholder 4"/>
           <p:cNvSpPr>
             <a:spLocks noGrp="1"/>
           </p:cNvSpPr>
@@ -1281,13 +1142,7 @@
       </p:sp>
       <p:sp>
         <p:nvSpPr>
-          <p:cNvPr id="6" name="スライド番号プレースホルダー 5">
-            <a:extLst>
-              <a:ext uri="{FF2B5EF4-FFF2-40B4-BE49-F238E27FC236}">
-                <a16:creationId xmlns:a16="http://schemas.microsoft.com/office/drawing/2014/main" id="{9E6B1CEE-CC91-4610-81F7-D40D5BF90C69}"/>
-              </a:ext>
-            </a:extLst>
-          </p:cNvPr>
+          <p:cNvPr id="6" name="Slide Number Placeholder 5"/>
           <p:cNvSpPr>
             <a:spLocks noGrp="1"/>
           </p:cNvSpPr>
@@ -1311,7 +1166,7 @@
     </p:spTree>
     <p:extLst>
       <p:ext uri="{BB962C8B-B14F-4D97-AF65-F5344CB8AC3E}">
-        <p14:creationId xmlns:p14="http://schemas.microsoft.com/office/powerpoint/2010/main" val="3050166243"/>
+        <p14:creationId xmlns:p14="http://schemas.microsoft.com/office/powerpoint/2010/main" val="153950271"/>
       </p:ext>
     </p:extLst>
   </p:cSld>
@@ -1340,13 +1195,7 @@
       </p:grpSpPr>
       <p:sp>
         <p:nvSpPr>
-          <p:cNvPr id="2" name="タイトル 1">
-            <a:extLst>
-              <a:ext uri="{FF2B5EF4-FFF2-40B4-BE49-F238E27FC236}">
-                <a16:creationId xmlns:a16="http://schemas.microsoft.com/office/drawing/2014/main" id="{6DF9C5A6-3160-47E1-9F76-C0517AE74B65}"/>
-              </a:ext>
-            </a:extLst>
-          </p:cNvPr>
+          <p:cNvPr id="2" name="Title 1"/>
           <p:cNvSpPr>
             <a:spLocks noGrp="1"/>
           </p:cNvSpPr>
@@ -1360,21 +1209,16 @@
           <a:lstStyle/>
           <a:p>
             <a:r>
-              <a:rPr kumimoji="1" lang="ja-JP" altLang="en-US"/>
+              <a:rPr lang="ja-JP" altLang="en-US"/>
               <a:t>マスター タイトルの書式設定</a:t>
             </a:r>
-          </a:p>
-        </p:txBody>
-      </p:sp>
-      <p:sp>
-        <p:nvSpPr>
-          <p:cNvPr id="3" name="コンテンツ プレースホルダー 2">
-            <a:extLst>
-              <a:ext uri="{FF2B5EF4-FFF2-40B4-BE49-F238E27FC236}">
-                <a16:creationId xmlns:a16="http://schemas.microsoft.com/office/drawing/2014/main" id="{E1CFB188-D041-4220-AC8D-BC555D2B95A5}"/>
-              </a:ext>
-            </a:extLst>
-          </p:cNvPr>
+            <a:endParaRPr lang="en-US" dirty="0"/>
+          </a:p>
+        </p:txBody>
+      </p:sp>
+      <p:sp>
+        <p:nvSpPr>
+          <p:cNvPr id="3" name="Content Placeholder 2"/>
           <p:cNvSpPr>
             <a:spLocks noGrp="1"/>
           </p:cNvSpPr>
@@ -1384,8 +1228,8 @@
         </p:nvSpPr>
         <p:spPr>
           <a:xfrm>
-            <a:off x="628650" y="1825625"/>
-            <a:ext cx="3886200" cy="4351338"/>
+            <a:off x="838200" y="1825625"/>
+            <a:ext cx="5181600" cy="4351338"/>
           </a:xfrm>
         </p:spPr>
         <p:txBody>
@@ -1394,81 +1238,76 @@
           <a:p>
             <a:pPr lvl="0"/>
             <a:r>
-              <a:rPr kumimoji="1" lang="ja-JP" altLang="en-US"/>
+              <a:rPr lang="ja-JP" altLang="en-US"/>
               <a:t>マスター テキストの書式設定</a:t>
             </a:r>
           </a:p>
           <a:p>
             <a:pPr lvl="1"/>
             <a:r>
-              <a:rPr kumimoji="1" lang="ja-JP" altLang="en-US"/>
+              <a:rPr lang="ja-JP" altLang="en-US"/>
               <a:t>第 </a:t>
             </a:r>
             <a:r>
-              <a:rPr kumimoji="1" lang="en-US" altLang="ja-JP"/>
+              <a:rPr lang="en-US" altLang="ja-JP"/>
               <a:t>2 </a:t>
             </a:r>
             <a:r>
-              <a:rPr kumimoji="1" lang="ja-JP" altLang="en-US"/>
+              <a:rPr lang="ja-JP" altLang="en-US"/>
               <a:t>レベル</a:t>
             </a:r>
           </a:p>
           <a:p>
             <a:pPr lvl="2"/>
             <a:r>
-              <a:rPr kumimoji="1" lang="ja-JP" altLang="en-US"/>
+              <a:rPr lang="ja-JP" altLang="en-US"/>
               <a:t>第 </a:t>
             </a:r>
             <a:r>
-              <a:rPr kumimoji="1" lang="en-US" altLang="ja-JP"/>
+              <a:rPr lang="en-US" altLang="ja-JP"/>
               <a:t>3 </a:t>
             </a:r>
             <a:r>
-              <a:rPr kumimoji="1" lang="ja-JP" altLang="en-US"/>
+              <a:rPr lang="ja-JP" altLang="en-US"/>
               <a:t>レベル</a:t>
             </a:r>
           </a:p>
           <a:p>
             <a:pPr lvl="3"/>
             <a:r>
-              <a:rPr kumimoji="1" lang="ja-JP" altLang="en-US"/>
+              <a:rPr lang="ja-JP" altLang="en-US"/>
               <a:t>第 </a:t>
             </a:r>
             <a:r>
-              <a:rPr kumimoji="1" lang="en-US" altLang="ja-JP"/>
+              <a:rPr lang="en-US" altLang="ja-JP"/>
               <a:t>4 </a:t>
             </a:r>
             <a:r>
-              <a:rPr kumimoji="1" lang="ja-JP" altLang="en-US"/>
+              <a:rPr lang="ja-JP" altLang="en-US"/>
               <a:t>レベル</a:t>
             </a:r>
           </a:p>
           <a:p>
             <a:pPr lvl="4"/>
             <a:r>
-              <a:rPr kumimoji="1" lang="ja-JP" altLang="en-US"/>
+              <a:rPr lang="ja-JP" altLang="en-US"/>
               <a:t>第 </a:t>
             </a:r>
             <a:r>
-              <a:rPr kumimoji="1" lang="en-US" altLang="ja-JP"/>
+              <a:rPr lang="en-US" altLang="ja-JP"/>
               <a:t>5 </a:t>
             </a:r>
             <a:r>
-              <a:rPr kumimoji="1" lang="ja-JP" altLang="en-US"/>
+              <a:rPr lang="ja-JP" altLang="en-US"/>
               <a:t>レベル</a:t>
             </a:r>
-          </a:p>
-        </p:txBody>
-      </p:sp>
-      <p:sp>
-        <p:nvSpPr>
-          <p:cNvPr id="4" name="コンテンツ プレースホルダー 3">
-            <a:extLst>
-              <a:ext uri="{FF2B5EF4-FFF2-40B4-BE49-F238E27FC236}">
-                <a16:creationId xmlns:a16="http://schemas.microsoft.com/office/drawing/2014/main" id="{BB0DA848-D05A-4CC8-88F9-8978C8AEF3F2}"/>
-              </a:ext>
-            </a:extLst>
-          </p:cNvPr>
+            <a:endParaRPr lang="en-US" dirty="0"/>
+          </a:p>
+        </p:txBody>
+      </p:sp>
+      <p:sp>
+        <p:nvSpPr>
+          <p:cNvPr id="4" name="Content Placeholder 3"/>
           <p:cNvSpPr>
             <a:spLocks noGrp="1"/>
           </p:cNvSpPr>
@@ -1478,8 +1317,8 @@
         </p:nvSpPr>
         <p:spPr>
           <a:xfrm>
-            <a:off x="4629150" y="1825625"/>
-            <a:ext cx="3886200" cy="4351338"/>
+            <a:off x="6172200" y="1825625"/>
+            <a:ext cx="5181600" cy="4351338"/>
           </a:xfrm>
         </p:spPr>
         <p:txBody>
@@ -1488,81 +1327,76 @@
           <a:p>
             <a:pPr lvl="0"/>
             <a:r>
-              <a:rPr kumimoji="1" lang="ja-JP" altLang="en-US"/>
+              <a:rPr lang="ja-JP" altLang="en-US"/>
               <a:t>マスター テキストの書式設定</a:t>
             </a:r>
           </a:p>
           <a:p>
             <a:pPr lvl="1"/>
             <a:r>
-              <a:rPr kumimoji="1" lang="ja-JP" altLang="en-US"/>
+              <a:rPr lang="ja-JP" altLang="en-US"/>
               <a:t>第 </a:t>
             </a:r>
             <a:r>
-              <a:rPr kumimoji="1" lang="en-US" altLang="ja-JP"/>
+              <a:rPr lang="en-US" altLang="ja-JP"/>
               <a:t>2 </a:t>
             </a:r>
             <a:r>
-              <a:rPr kumimoji="1" lang="ja-JP" altLang="en-US"/>
+              <a:rPr lang="ja-JP" altLang="en-US"/>
               <a:t>レベル</a:t>
             </a:r>
           </a:p>
           <a:p>
             <a:pPr lvl="2"/>
             <a:r>
-              <a:rPr kumimoji="1" lang="ja-JP" altLang="en-US"/>
+              <a:rPr lang="ja-JP" altLang="en-US"/>
               <a:t>第 </a:t>
             </a:r>
             <a:r>
-              <a:rPr kumimoji="1" lang="en-US" altLang="ja-JP"/>
+              <a:rPr lang="en-US" altLang="ja-JP"/>
               <a:t>3 </a:t>
             </a:r>
             <a:r>
-              <a:rPr kumimoji="1" lang="ja-JP" altLang="en-US"/>
+              <a:rPr lang="ja-JP" altLang="en-US"/>
               <a:t>レベル</a:t>
             </a:r>
           </a:p>
           <a:p>
             <a:pPr lvl="3"/>
             <a:r>
-              <a:rPr kumimoji="1" lang="ja-JP" altLang="en-US"/>
+              <a:rPr lang="ja-JP" altLang="en-US"/>
               <a:t>第 </a:t>
             </a:r>
             <a:r>
-              <a:rPr kumimoji="1" lang="en-US" altLang="ja-JP"/>
+              <a:rPr lang="en-US" altLang="ja-JP"/>
               <a:t>4 </a:t>
             </a:r>
             <a:r>
-              <a:rPr kumimoji="1" lang="ja-JP" altLang="en-US"/>
+              <a:rPr lang="ja-JP" altLang="en-US"/>
               <a:t>レベル</a:t>
             </a:r>
           </a:p>
           <a:p>
             <a:pPr lvl="4"/>
             <a:r>
-              <a:rPr kumimoji="1" lang="ja-JP" altLang="en-US"/>
+              <a:rPr lang="ja-JP" altLang="en-US"/>
               <a:t>第 </a:t>
             </a:r>
             <a:r>
-              <a:rPr kumimoji="1" lang="en-US" altLang="ja-JP"/>
+              <a:rPr lang="en-US" altLang="ja-JP"/>
               <a:t>5 </a:t>
             </a:r>
             <a:r>
-              <a:rPr kumimoji="1" lang="ja-JP" altLang="en-US"/>
+              <a:rPr lang="ja-JP" altLang="en-US"/>
               <a:t>レベル</a:t>
             </a:r>
-          </a:p>
-        </p:txBody>
-      </p:sp>
-      <p:sp>
-        <p:nvSpPr>
-          <p:cNvPr id="5" name="日付プレースホルダー 4">
-            <a:extLst>
-              <a:ext uri="{FF2B5EF4-FFF2-40B4-BE49-F238E27FC236}">
-                <a16:creationId xmlns:a16="http://schemas.microsoft.com/office/drawing/2014/main" id="{840C054F-E256-4364-8C3B-BC6BBFAFEAC5}"/>
-              </a:ext>
-            </a:extLst>
-          </p:cNvPr>
+            <a:endParaRPr lang="en-US" dirty="0"/>
+          </a:p>
+        </p:txBody>
+      </p:sp>
+      <p:sp>
+        <p:nvSpPr>
+          <p:cNvPr id="5" name="Date Placeholder 4"/>
           <p:cNvSpPr>
             <a:spLocks noGrp="1"/>
           </p:cNvSpPr>
@@ -1577,7 +1411,7 @@
           <a:p>
             <a:fld id="{BCC3470B-979D-4AC3-9CEF-E2615858CE2E}" type="datetimeFigureOut">
               <a:rPr kumimoji="1" lang="ja-JP" altLang="en-US" smtClean="0"/>
-              <a:t>2017/9/13</a:t>
+              <a:t>2023/8/25</a:t>
             </a:fld>
             <a:endParaRPr kumimoji="1" lang="ja-JP" altLang="en-US"/>
           </a:p>
@@ -1585,13 +1419,7 @@
       </p:sp>
       <p:sp>
         <p:nvSpPr>
-          <p:cNvPr id="6" name="フッター プレースホルダー 5">
-            <a:extLst>
-              <a:ext uri="{FF2B5EF4-FFF2-40B4-BE49-F238E27FC236}">
-                <a16:creationId xmlns:a16="http://schemas.microsoft.com/office/drawing/2014/main" id="{F04279D4-EDFB-458F-8F75-2B792679193B}"/>
-              </a:ext>
-            </a:extLst>
-          </p:cNvPr>
+          <p:cNvPr id="6" name="Footer Placeholder 5"/>
           <p:cNvSpPr>
             <a:spLocks noGrp="1"/>
           </p:cNvSpPr>
@@ -1610,13 +1438,7 @@
       </p:sp>
       <p:sp>
         <p:nvSpPr>
-          <p:cNvPr id="7" name="スライド番号プレースホルダー 6">
-            <a:extLst>
-              <a:ext uri="{FF2B5EF4-FFF2-40B4-BE49-F238E27FC236}">
-                <a16:creationId xmlns:a16="http://schemas.microsoft.com/office/drawing/2014/main" id="{330EFC22-26C8-43E2-9D75-36E84925B9F2}"/>
-              </a:ext>
-            </a:extLst>
-          </p:cNvPr>
+          <p:cNvPr id="7" name="Slide Number Placeholder 6"/>
           <p:cNvSpPr>
             <a:spLocks noGrp="1"/>
           </p:cNvSpPr>
@@ -1640,7 +1462,7 @@
     </p:spTree>
     <p:extLst>
       <p:ext uri="{BB962C8B-B14F-4D97-AF65-F5344CB8AC3E}">
-        <p14:creationId xmlns:p14="http://schemas.microsoft.com/office/powerpoint/2010/main" val="3052735013"/>
+        <p14:creationId xmlns:p14="http://schemas.microsoft.com/office/powerpoint/2010/main" val="4001992296"/>
       </p:ext>
     </p:extLst>
   </p:cSld>
@@ -1669,13 +1491,7 @@
       </p:grpSpPr>
       <p:sp>
         <p:nvSpPr>
-          <p:cNvPr id="2" name="タイトル 1">
-            <a:extLst>
-              <a:ext uri="{FF2B5EF4-FFF2-40B4-BE49-F238E27FC236}">
-                <a16:creationId xmlns:a16="http://schemas.microsoft.com/office/drawing/2014/main" id="{1F5067ED-0838-4E65-BD26-8B88ADE57E81}"/>
-              </a:ext>
-            </a:extLst>
-          </p:cNvPr>
+          <p:cNvPr id="2" name="Title 1"/>
           <p:cNvSpPr>
             <a:spLocks noGrp="1"/>
           </p:cNvSpPr>
@@ -1685,8 +1501,8 @@
         </p:nvSpPr>
         <p:spPr>
           <a:xfrm>
-            <a:off x="629841" y="365126"/>
-            <a:ext cx="7886700" cy="1325563"/>
+            <a:off x="839788" y="365125"/>
+            <a:ext cx="10515600" cy="1325563"/>
           </a:xfrm>
         </p:spPr>
         <p:txBody>
@@ -1694,21 +1510,16 @@
           <a:lstStyle/>
           <a:p>
             <a:r>
-              <a:rPr kumimoji="1" lang="ja-JP" altLang="en-US"/>
+              <a:rPr lang="ja-JP" altLang="en-US"/>
               <a:t>マスター タイトルの書式設定</a:t>
             </a:r>
-          </a:p>
-        </p:txBody>
-      </p:sp>
-      <p:sp>
-        <p:nvSpPr>
-          <p:cNvPr id="3" name="テキスト プレースホルダー 2">
-            <a:extLst>
-              <a:ext uri="{FF2B5EF4-FFF2-40B4-BE49-F238E27FC236}">
-                <a16:creationId xmlns:a16="http://schemas.microsoft.com/office/drawing/2014/main" id="{9CE39B44-D81E-4092-8FCA-BD64DB707D9B}"/>
-              </a:ext>
-            </a:extLst>
-          </p:cNvPr>
+            <a:endParaRPr lang="en-US" dirty="0"/>
+          </a:p>
+        </p:txBody>
+      </p:sp>
+      <p:sp>
+        <p:nvSpPr>
+          <p:cNvPr id="3" name="Text Placeholder 2"/>
           <p:cNvSpPr>
             <a:spLocks noGrp="1"/>
           </p:cNvSpPr>
@@ -1718,8 +1529,8 @@
         </p:nvSpPr>
         <p:spPr>
           <a:xfrm>
-            <a:off x="629842" y="1681163"/>
-            <a:ext cx="3868340" cy="823912"/>
+            <a:off x="839788" y="1681163"/>
+            <a:ext cx="5157787" cy="823912"/>
           </a:xfrm>
         </p:spPr>
         <p:txBody>
@@ -1765,7 +1576,7 @@
           <a:p>
             <a:pPr lvl="0"/>
             <a:r>
-              <a:rPr kumimoji="1" lang="ja-JP" altLang="en-US"/>
+              <a:rPr lang="ja-JP" altLang="en-US"/>
               <a:t>マスター テキストの書式設定</a:t>
             </a:r>
           </a:p>
@@ -1773,13 +1584,7 @@
       </p:sp>
       <p:sp>
         <p:nvSpPr>
-          <p:cNvPr id="4" name="コンテンツ プレースホルダー 3">
-            <a:extLst>
-              <a:ext uri="{FF2B5EF4-FFF2-40B4-BE49-F238E27FC236}">
-                <a16:creationId xmlns:a16="http://schemas.microsoft.com/office/drawing/2014/main" id="{F964C5E1-E238-4DB8-831C-92C909C7BBD6}"/>
-              </a:ext>
-            </a:extLst>
-          </p:cNvPr>
+          <p:cNvPr id="4" name="Content Placeholder 3"/>
           <p:cNvSpPr>
             <a:spLocks noGrp="1"/>
           </p:cNvSpPr>
@@ -1789,8 +1594,8 @@
         </p:nvSpPr>
         <p:spPr>
           <a:xfrm>
-            <a:off x="629842" y="2505075"/>
-            <a:ext cx="3868340" cy="3684588"/>
+            <a:off x="839788" y="2505075"/>
+            <a:ext cx="5157787" cy="3684588"/>
           </a:xfrm>
         </p:spPr>
         <p:txBody>
@@ -1799,81 +1604,76 @@
           <a:p>
             <a:pPr lvl="0"/>
             <a:r>
-              <a:rPr kumimoji="1" lang="ja-JP" altLang="en-US"/>
+              <a:rPr lang="ja-JP" altLang="en-US"/>
               <a:t>マスター テキストの書式設定</a:t>
             </a:r>
           </a:p>
           <a:p>
             <a:pPr lvl="1"/>
             <a:r>
-              <a:rPr kumimoji="1" lang="ja-JP" altLang="en-US"/>
+              <a:rPr lang="ja-JP" altLang="en-US"/>
               <a:t>第 </a:t>
             </a:r>
             <a:r>
-              <a:rPr kumimoji="1" lang="en-US" altLang="ja-JP"/>
+              <a:rPr lang="en-US" altLang="ja-JP"/>
               <a:t>2 </a:t>
             </a:r>
             <a:r>
-              <a:rPr kumimoji="1" lang="ja-JP" altLang="en-US"/>
+              <a:rPr lang="ja-JP" altLang="en-US"/>
               <a:t>レベル</a:t>
             </a:r>
           </a:p>
           <a:p>
             <a:pPr lvl="2"/>
             <a:r>
-              <a:rPr kumimoji="1" lang="ja-JP" altLang="en-US"/>
+              <a:rPr lang="ja-JP" altLang="en-US"/>
               <a:t>第 </a:t>
             </a:r>
             <a:r>
-              <a:rPr kumimoji="1" lang="en-US" altLang="ja-JP"/>
+              <a:rPr lang="en-US" altLang="ja-JP"/>
               <a:t>3 </a:t>
             </a:r>
             <a:r>
-              <a:rPr kumimoji="1" lang="ja-JP" altLang="en-US"/>
+              <a:rPr lang="ja-JP" altLang="en-US"/>
               <a:t>レベル</a:t>
             </a:r>
           </a:p>
           <a:p>
             <a:pPr lvl="3"/>
             <a:r>
-              <a:rPr kumimoji="1" lang="ja-JP" altLang="en-US"/>
+              <a:rPr lang="ja-JP" altLang="en-US"/>
               <a:t>第 </a:t>
             </a:r>
             <a:r>
-              <a:rPr kumimoji="1" lang="en-US" altLang="ja-JP"/>
+              <a:rPr lang="en-US" altLang="ja-JP"/>
               <a:t>4 </a:t>
             </a:r>
             <a:r>
-              <a:rPr kumimoji="1" lang="ja-JP" altLang="en-US"/>
+              <a:rPr lang="ja-JP" altLang="en-US"/>
               <a:t>レベル</a:t>
             </a:r>
           </a:p>
           <a:p>
             <a:pPr lvl="4"/>
             <a:r>
-              <a:rPr kumimoji="1" lang="ja-JP" altLang="en-US"/>
+              <a:rPr lang="ja-JP" altLang="en-US"/>
               <a:t>第 </a:t>
             </a:r>
             <a:r>
-              <a:rPr kumimoji="1" lang="en-US" altLang="ja-JP"/>
+              <a:rPr lang="en-US" altLang="ja-JP"/>
               <a:t>5 </a:t>
             </a:r>
             <a:r>
-              <a:rPr kumimoji="1" lang="ja-JP" altLang="en-US"/>
+              <a:rPr lang="ja-JP" altLang="en-US"/>
               <a:t>レベル</a:t>
             </a:r>
-          </a:p>
-        </p:txBody>
-      </p:sp>
-      <p:sp>
-        <p:nvSpPr>
-          <p:cNvPr id="5" name="テキスト プレースホルダー 4">
-            <a:extLst>
-              <a:ext uri="{FF2B5EF4-FFF2-40B4-BE49-F238E27FC236}">
-                <a16:creationId xmlns:a16="http://schemas.microsoft.com/office/drawing/2014/main" id="{50A464FE-14E8-4CD3-A5FB-3E837627C2B7}"/>
-              </a:ext>
-            </a:extLst>
-          </p:cNvPr>
+            <a:endParaRPr lang="en-US" dirty="0"/>
+          </a:p>
+        </p:txBody>
+      </p:sp>
+      <p:sp>
+        <p:nvSpPr>
+          <p:cNvPr id="5" name="Text Placeholder 4"/>
           <p:cNvSpPr>
             <a:spLocks noGrp="1"/>
           </p:cNvSpPr>
@@ -1883,8 +1683,8 @@
         </p:nvSpPr>
         <p:spPr>
           <a:xfrm>
-            <a:off x="4629150" y="1681163"/>
-            <a:ext cx="3887391" cy="823912"/>
+            <a:off x="6172200" y="1681163"/>
+            <a:ext cx="5183188" cy="823912"/>
           </a:xfrm>
         </p:spPr>
         <p:txBody>
@@ -1930,7 +1730,7 @@
           <a:p>
             <a:pPr lvl="0"/>
             <a:r>
-              <a:rPr kumimoji="1" lang="ja-JP" altLang="en-US"/>
+              <a:rPr lang="ja-JP" altLang="en-US"/>
               <a:t>マスター テキストの書式設定</a:t>
             </a:r>
           </a:p>
@@ -1938,13 +1738,7 @@
       </p:sp>
       <p:sp>
         <p:nvSpPr>
-          <p:cNvPr id="6" name="コンテンツ プレースホルダー 5">
-            <a:extLst>
-              <a:ext uri="{FF2B5EF4-FFF2-40B4-BE49-F238E27FC236}">
-                <a16:creationId xmlns:a16="http://schemas.microsoft.com/office/drawing/2014/main" id="{FD529878-3AA1-495B-AF8C-2446DFB6BD0A}"/>
-              </a:ext>
-            </a:extLst>
-          </p:cNvPr>
+          <p:cNvPr id="6" name="Content Placeholder 5"/>
           <p:cNvSpPr>
             <a:spLocks noGrp="1"/>
           </p:cNvSpPr>
@@ -1954,8 +1748,8 @@
         </p:nvSpPr>
         <p:spPr>
           <a:xfrm>
-            <a:off x="4629150" y="2505075"/>
-            <a:ext cx="3887391" cy="3684588"/>
+            <a:off x="6172200" y="2505075"/>
+            <a:ext cx="5183188" cy="3684588"/>
           </a:xfrm>
         </p:spPr>
         <p:txBody>
@@ -1964,81 +1758,76 @@
           <a:p>
             <a:pPr lvl="0"/>
             <a:r>
-              <a:rPr kumimoji="1" lang="ja-JP" altLang="en-US"/>
+              <a:rPr lang="ja-JP" altLang="en-US"/>
               <a:t>マスター テキストの書式設定</a:t>
             </a:r>
           </a:p>
           <a:p>
             <a:pPr lvl="1"/>
             <a:r>
-              <a:rPr kumimoji="1" lang="ja-JP" altLang="en-US"/>
+              <a:rPr lang="ja-JP" altLang="en-US"/>
               <a:t>第 </a:t>
             </a:r>
             <a:r>
-              <a:rPr kumimoji="1" lang="en-US" altLang="ja-JP"/>
+              <a:rPr lang="en-US" altLang="ja-JP"/>
               <a:t>2 </a:t>
             </a:r>
             <a:r>
-              <a:rPr kumimoji="1" lang="ja-JP" altLang="en-US"/>
+              <a:rPr lang="ja-JP" altLang="en-US"/>
               <a:t>レベル</a:t>
             </a:r>
           </a:p>
           <a:p>
             <a:pPr lvl="2"/>
             <a:r>
-              <a:rPr kumimoji="1" lang="ja-JP" altLang="en-US"/>
+              <a:rPr lang="ja-JP" altLang="en-US"/>
               <a:t>第 </a:t>
             </a:r>
             <a:r>
-              <a:rPr kumimoji="1" lang="en-US" altLang="ja-JP"/>
+              <a:rPr lang="en-US" altLang="ja-JP"/>
               <a:t>3 </a:t>
             </a:r>
             <a:r>
-              <a:rPr kumimoji="1" lang="ja-JP" altLang="en-US"/>
+              <a:rPr lang="ja-JP" altLang="en-US"/>
               <a:t>レベル</a:t>
             </a:r>
           </a:p>
           <a:p>
             <a:pPr lvl="3"/>
             <a:r>
-              <a:rPr kumimoji="1" lang="ja-JP" altLang="en-US"/>
+              <a:rPr lang="ja-JP" altLang="en-US"/>
               <a:t>第 </a:t>
             </a:r>
             <a:r>
-              <a:rPr kumimoji="1" lang="en-US" altLang="ja-JP"/>
+              <a:rPr lang="en-US" altLang="ja-JP"/>
               <a:t>4 </a:t>
             </a:r>
             <a:r>
-              <a:rPr kumimoji="1" lang="ja-JP" altLang="en-US"/>
+              <a:rPr lang="ja-JP" altLang="en-US"/>
               <a:t>レベル</a:t>
             </a:r>
           </a:p>
           <a:p>
             <a:pPr lvl="4"/>
             <a:r>
-              <a:rPr kumimoji="1" lang="ja-JP" altLang="en-US"/>
+              <a:rPr lang="ja-JP" altLang="en-US"/>
               <a:t>第 </a:t>
             </a:r>
             <a:r>
-              <a:rPr kumimoji="1" lang="en-US" altLang="ja-JP"/>
+              <a:rPr lang="en-US" altLang="ja-JP"/>
               <a:t>5 </a:t>
             </a:r>
             <a:r>
-              <a:rPr kumimoji="1" lang="ja-JP" altLang="en-US"/>
+              <a:rPr lang="ja-JP" altLang="en-US"/>
               <a:t>レベル</a:t>
             </a:r>
-          </a:p>
-        </p:txBody>
-      </p:sp>
-      <p:sp>
-        <p:nvSpPr>
-          <p:cNvPr id="7" name="日付プレースホルダー 6">
-            <a:extLst>
-              <a:ext uri="{FF2B5EF4-FFF2-40B4-BE49-F238E27FC236}">
-                <a16:creationId xmlns:a16="http://schemas.microsoft.com/office/drawing/2014/main" id="{FA5144D1-CDBF-4195-AECA-AD06E108486E}"/>
-              </a:ext>
-            </a:extLst>
-          </p:cNvPr>
+            <a:endParaRPr lang="en-US" dirty="0"/>
+          </a:p>
+        </p:txBody>
+      </p:sp>
+      <p:sp>
+        <p:nvSpPr>
+          <p:cNvPr id="7" name="Date Placeholder 6"/>
           <p:cNvSpPr>
             <a:spLocks noGrp="1"/>
           </p:cNvSpPr>
@@ -2053,7 +1842,7 @@
           <a:p>
             <a:fld id="{BCC3470B-979D-4AC3-9CEF-E2615858CE2E}" type="datetimeFigureOut">
               <a:rPr kumimoji="1" lang="ja-JP" altLang="en-US" smtClean="0"/>
-              <a:t>2017/9/13</a:t>
+              <a:t>2023/8/25</a:t>
             </a:fld>
             <a:endParaRPr kumimoji="1" lang="ja-JP" altLang="en-US"/>
           </a:p>
@@ -2061,13 +1850,7 @@
       </p:sp>
       <p:sp>
         <p:nvSpPr>
-          <p:cNvPr id="8" name="フッター プレースホルダー 7">
-            <a:extLst>
-              <a:ext uri="{FF2B5EF4-FFF2-40B4-BE49-F238E27FC236}">
-                <a16:creationId xmlns:a16="http://schemas.microsoft.com/office/drawing/2014/main" id="{A4CC6E82-D470-49A1-B2E2-2F0CE2B1A445}"/>
-              </a:ext>
-            </a:extLst>
-          </p:cNvPr>
+          <p:cNvPr id="8" name="Footer Placeholder 7"/>
           <p:cNvSpPr>
             <a:spLocks noGrp="1"/>
           </p:cNvSpPr>
@@ -2086,13 +1869,7 @@
       </p:sp>
       <p:sp>
         <p:nvSpPr>
-          <p:cNvPr id="9" name="スライド番号プレースホルダー 8">
-            <a:extLst>
-              <a:ext uri="{FF2B5EF4-FFF2-40B4-BE49-F238E27FC236}">
-                <a16:creationId xmlns:a16="http://schemas.microsoft.com/office/drawing/2014/main" id="{62C52876-658A-42FB-9DD7-77BCB77F43CC}"/>
-              </a:ext>
-            </a:extLst>
-          </p:cNvPr>
+          <p:cNvPr id="9" name="Slide Number Placeholder 8"/>
           <p:cNvSpPr>
             <a:spLocks noGrp="1"/>
           </p:cNvSpPr>
@@ -2116,7 +1893,7 @@
     </p:spTree>
     <p:extLst>
       <p:ext uri="{BB962C8B-B14F-4D97-AF65-F5344CB8AC3E}">
-        <p14:creationId xmlns:p14="http://schemas.microsoft.com/office/powerpoint/2010/main" val="2498931311"/>
+        <p14:creationId xmlns:p14="http://schemas.microsoft.com/office/powerpoint/2010/main" val="1034978864"/>
       </p:ext>
     </p:extLst>
   </p:cSld>
@@ -2145,13 +1922,7 @@
       </p:grpSpPr>
       <p:sp>
         <p:nvSpPr>
-          <p:cNvPr id="2" name="タイトル 1">
-            <a:extLst>
-              <a:ext uri="{FF2B5EF4-FFF2-40B4-BE49-F238E27FC236}">
-                <a16:creationId xmlns:a16="http://schemas.microsoft.com/office/drawing/2014/main" id="{79FF38F5-536E-47BE-9249-EE31E17A586F}"/>
-              </a:ext>
-            </a:extLst>
-          </p:cNvPr>
+          <p:cNvPr id="2" name="Title 1"/>
           <p:cNvSpPr>
             <a:spLocks noGrp="1"/>
           </p:cNvSpPr>
@@ -2165,21 +1936,16 @@
           <a:lstStyle/>
           <a:p>
             <a:r>
-              <a:rPr kumimoji="1" lang="ja-JP" altLang="en-US"/>
+              <a:rPr lang="ja-JP" altLang="en-US"/>
               <a:t>マスター タイトルの書式設定</a:t>
             </a:r>
-          </a:p>
-        </p:txBody>
-      </p:sp>
-      <p:sp>
-        <p:nvSpPr>
-          <p:cNvPr id="3" name="日付プレースホルダー 2">
-            <a:extLst>
-              <a:ext uri="{FF2B5EF4-FFF2-40B4-BE49-F238E27FC236}">
-                <a16:creationId xmlns:a16="http://schemas.microsoft.com/office/drawing/2014/main" id="{07CB3045-FB54-46B7-B046-4F9A3B847F2B}"/>
-              </a:ext>
-            </a:extLst>
-          </p:cNvPr>
+            <a:endParaRPr lang="en-US" dirty="0"/>
+          </a:p>
+        </p:txBody>
+      </p:sp>
+      <p:sp>
+        <p:nvSpPr>
+          <p:cNvPr id="3" name="Date Placeholder 2"/>
           <p:cNvSpPr>
             <a:spLocks noGrp="1"/>
           </p:cNvSpPr>
@@ -2194,7 +1960,7 @@
           <a:p>
             <a:fld id="{BCC3470B-979D-4AC3-9CEF-E2615858CE2E}" type="datetimeFigureOut">
               <a:rPr kumimoji="1" lang="ja-JP" altLang="en-US" smtClean="0"/>
-              <a:t>2017/9/13</a:t>
+              <a:t>2023/8/25</a:t>
             </a:fld>
             <a:endParaRPr kumimoji="1" lang="ja-JP" altLang="en-US"/>
           </a:p>
@@ -2202,13 +1968,7 @@
       </p:sp>
       <p:sp>
         <p:nvSpPr>
-          <p:cNvPr id="4" name="フッター プレースホルダー 3">
-            <a:extLst>
-              <a:ext uri="{FF2B5EF4-FFF2-40B4-BE49-F238E27FC236}">
-                <a16:creationId xmlns:a16="http://schemas.microsoft.com/office/drawing/2014/main" id="{5ECED15D-9C74-469C-8E3C-B91843A74D4B}"/>
-              </a:ext>
-            </a:extLst>
-          </p:cNvPr>
+          <p:cNvPr id="4" name="Footer Placeholder 3"/>
           <p:cNvSpPr>
             <a:spLocks noGrp="1"/>
           </p:cNvSpPr>
@@ -2227,13 +1987,7 @@
       </p:sp>
       <p:sp>
         <p:nvSpPr>
-          <p:cNvPr id="5" name="スライド番号プレースホルダー 4">
-            <a:extLst>
-              <a:ext uri="{FF2B5EF4-FFF2-40B4-BE49-F238E27FC236}">
-                <a16:creationId xmlns:a16="http://schemas.microsoft.com/office/drawing/2014/main" id="{AAF8A85A-1042-46F4-93FA-E8F4AB4AB7F6}"/>
-              </a:ext>
-            </a:extLst>
-          </p:cNvPr>
+          <p:cNvPr id="5" name="Slide Number Placeholder 4"/>
           <p:cNvSpPr>
             <a:spLocks noGrp="1"/>
           </p:cNvSpPr>
@@ -2257,7 +2011,7 @@
     </p:spTree>
     <p:extLst>
       <p:ext uri="{BB962C8B-B14F-4D97-AF65-F5344CB8AC3E}">
-        <p14:creationId xmlns:p14="http://schemas.microsoft.com/office/powerpoint/2010/main" val="732835344"/>
+        <p14:creationId xmlns:p14="http://schemas.microsoft.com/office/powerpoint/2010/main" val="1862517251"/>
       </p:ext>
     </p:extLst>
   </p:cSld>
@@ -2286,13 +2040,7 @@
       </p:grpSpPr>
       <p:sp>
         <p:nvSpPr>
-          <p:cNvPr id="2" name="日付プレースホルダー 1">
-            <a:extLst>
-              <a:ext uri="{FF2B5EF4-FFF2-40B4-BE49-F238E27FC236}">
-                <a16:creationId xmlns:a16="http://schemas.microsoft.com/office/drawing/2014/main" id="{FCB3A632-2E6D-47AA-9D41-B542EB614177}"/>
-              </a:ext>
-            </a:extLst>
-          </p:cNvPr>
+          <p:cNvPr id="2" name="Date Placeholder 1"/>
           <p:cNvSpPr>
             <a:spLocks noGrp="1"/>
           </p:cNvSpPr>
@@ -2307,7 +2055,7 @@
           <a:p>
             <a:fld id="{BCC3470B-979D-4AC3-9CEF-E2615858CE2E}" type="datetimeFigureOut">
               <a:rPr kumimoji="1" lang="ja-JP" altLang="en-US" smtClean="0"/>
-              <a:t>2017/9/13</a:t>
+              <a:t>2023/8/25</a:t>
             </a:fld>
             <a:endParaRPr kumimoji="1" lang="ja-JP" altLang="en-US"/>
           </a:p>
@@ -2315,13 +2063,7 @@
       </p:sp>
       <p:sp>
         <p:nvSpPr>
-          <p:cNvPr id="3" name="フッター プレースホルダー 2">
-            <a:extLst>
-              <a:ext uri="{FF2B5EF4-FFF2-40B4-BE49-F238E27FC236}">
-                <a16:creationId xmlns:a16="http://schemas.microsoft.com/office/drawing/2014/main" id="{51DE58E0-D604-44D9-AB0A-579CF23A7F38}"/>
-              </a:ext>
-            </a:extLst>
-          </p:cNvPr>
+          <p:cNvPr id="3" name="Footer Placeholder 2"/>
           <p:cNvSpPr>
             <a:spLocks noGrp="1"/>
           </p:cNvSpPr>
@@ -2340,13 +2082,7 @@
       </p:sp>
       <p:sp>
         <p:nvSpPr>
-          <p:cNvPr id="4" name="スライド番号プレースホルダー 3">
-            <a:extLst>
-              <a:ext uri="{FF2B5EF4-FFF2-40B4-BE49-F238E27FC236}">
-                <a16:creationId xmlns:a16="http://schemas.microsoft.com/office/drawing/2014/main" id="{8E3B1122-36C1-4EF6-B192-4791749ADDC8}"/>
-              </a:ext>
-            </a:extLst>
-          </p:cNvPr>
+          <p:cNvPr id="4" name="Slide Number Placeholder 3"/>
           <p:cNvSpPr>
             <a:spLocks noGrp="1"/>
           </p:cNvSpPr>
@@ -2370,7 +2106,7 @@
     </p:spTree>
     <p:extLst>
       <p:ext uri="{BB962C8B-B14F-4D97-AF65-F5344CB8AC3E}">
-        <p14:creationId xmlns:p14="http://schemas.microsoft.com/office/powerpoint/2010/main" val="2554930808"/>
+        <p14:creationId xmlns:p14="http://schemas.microsoft.com/office/powerpoint/2010/main" val="784580305"/>
       </p:ext>
     </p:extLst>
   </p:cSld>
@@ -2399,13 +2135,7 @@
       </p:grpSpPr>
       <p:sp>
         <p:nvSpPr>
-          <p:cNvPr id="2" name="タイトル 1">
-            <a:extLst>
-              <a:ext uri="{FF2B5EF4-FFF2-40B4-BE49-F238E27FC236}">
-                <a16:creationId xmlns:a16="http://schemas.microsoft.com/office/drawing/2014/main" id="{32EB93E2-742C-40DA-A8F0-09D81B36FCED}"/>
-              </a:ext>
-            </a:extLst>
-          </p:cNvPr>
+          <p:cNvPr id="2" name="Title 1"/>
           <p:cNvSpPr>
             <a:spLocks noGrp="1"/>
           </p:cNvSpPr>
@@ -2415,8 +2145,8 @@
         </p:nvSpPr>
         <p:spPr>
           <a:xfrm>
-            <a:off x="629841" y="457200"/>
-            <a:ext cx="2949178" cy="1600200"/>
+            <a:off x="839788" y="457200"/>
+            <a:ext cx="3932237" cy="1600200"/>
           </a:xfrm>
         </p:spPr>
         <p:txBody>
@@ -2428,21 +2158,16 @@
           </a:lstStyle>
           <a:p>
             <a:r>
-              <a:rPr kumimoji="1" lang="ja-JP" altLang="en-US"/>
+              <a:rPr lang="ja-JP" altLang="en-US"/>
               <a:t>マスター タイトルの書式設定</a:t>
             </a:r>
-          </a:p>
-        </p:txBody>
-      </p:sp>
-      <p:sp>
-        <p:nvSpPr>
-          <p:cNvPr id="3" name="コンテンツ プレースホルダー 2">
-            <a:extLst>
-              <a:ext uri="{FF2B5EF4-FFF2-40B4-BE49-F238E27FC236}">
-                <a16:creationId xmlns:a16="http://schemas.microsoft.com/office/drawing/2014/main" id="{AC474D4D-1C0D-458D-9FF6-A1A57723BB58}"/>
-              </a:ext>
-            </a:extLst>
-          </p:cNvPr>
+            <a:endParaRPr lang="en-US" dirty="0"/>
+          </a:p>
+        </p:txBody>
+      </p:sp>
+      <p:sp>
+        <p:nvSpPr>
+          <p:cNvPr id="3" name="Content Placeholder 2"/>
           <p:cNvSpPr>
             <a:spLocks noGrp="1"/>
           </p:cNvSpPr>
@@ -2452,8 +2177,8 @@
         </p:nvSpPr>
         <p:spPr>
           <a:xfrm>
-            <a:off x="3887391" y="987426"/>
-            <a:ext cx="4629150" cy="4873625"/>
+            <a:off x="5183188" y="987425"/>
+            <a:ext cx="6172200" cy="4873625"/>
           </a:xfrm>
         </p:spPr>
         <p:txBody>
@@ -2490,81 +2215,76 @@
           <a:p>
             <a:pPr lvl="0"/>
             <a:r>
-              <a:rPr kumimoji="1" lang="ja-JP" altLang="en-US"/>
+              <a:rPr lang="ja-JP" altLang="en-US"/>
               <a:t>マスター テキストの書式設定</a:t>
             </a:r>
           </a:p>
           <a:p>
             <a:pPr lvl="1"/>
             <a:r>
-              <a:rPr kumimoji="1" lang="ja-JP" altLang="en-US"/>
+              <a:rPr lang="ja-JP" altLang="en-US"/>
               <a:t>第 </a:t>
             </a:r>
             <a:r>
-              <a:rPr kumimoji="1" lang="en-US" altLang="ja-JP"/>
+              <a:rPr lang="en-US" altLang="ja-JP"/>
               <a:t>2 </a:t>
             </a:r>
             <a:r>
-              <a:rPr kumimoji="1" lang="ja-JP" altLang="en-US"/>
+              <a:rPr lang="ja-JP" altLang="en-US"/>
               <a:t>レベル</a:t>
             </a:r>
           </a:p>
           <a:p>
             <a:pPr lvl="2"/>
             <a:r>
-              <a:rPr kumimoji="1" lang="ja-JP" altLang="en-US"/>
+              <a:rPr lang="ja-JP" altLang="en-US"/>
               <a:t>第 </a:t>
             </a:r>
             <a:r>
-              <a:rPr kumimoji="1" lang="en-US" altLang="ja-JP"/>
+              <a:rPr lang="en-US" altLang="ja-JP"/>
               <a:t>3 </a:t>
             </a:r>
             <a:r>
-              <a:rPr kumimoji="1" lang="ja-JP" altLang="en-US"/>
+              <a:rPr lang="ja-JP" altLang="en-US"/>
               <a:t>レベル</a:t>
             </a:r>
           </a:p>
           <a:p>
             <a:pPr lvl="3"/>
             <a:r>
-              <a:rPr kumimoji="1" lang="ja-JP" altLang="en-US"/>
+              <a:rPr lang="ja-JP" altLang="en-US"/>
               <a:t>第 </a:t>
             </a:r>
             <a:r>
-              <a:rPr kumimoji="1" lang="en-US" altLang="ja-JP"/>
+              <a:rPr lang="en-US" altLang="ja-JP"/>
               <a:t>4 </a:t>
             </a:r>
             <a:r>
-              <a:rPr kumimoji="1" lang="ja-JP" altLang="en-US"/>
+              <a:rPr lang="ja-JP" altLang="en-US"/>
               <a:t>レベル</a:t>
             </a:r>
           </a:p>
           <a:p>
             <a:pPr lvl="4"/>
             <a:r>
-              <a:rPr kumimoji="1" lang="ja-JP" altLang="en-US"/>
+              <a:rPr lang="ja-JP" altLang="en-US"/>
               <a:t>第 </a:t>
             </a:r>
             <a:r>
-              <a:rPr kumimoji="1" lang="en-US" altLang="ja-JP"/>
+              <a:rPr lang="en-US" altLang="ja-JP"/>
               <a:t>5 </a:t>
             </a:r>
             <a:r>
-              <a:rPr kumimoji="1" lang="ja-JP" altLang="en-US"/>
+              <a:rPr lang="ja-JP" altLang="en-US"/>
               <a:t>レベル</a:t>
             </a:r>
-          </a:p>
-        </p:txBody>
-      </p:sp>
-      <p:sp>
-        <p:nvSpPr>
-          <p:cNvPr id="4" name="テキスト プレースホルダー 3">
-            <a:extLst>
-              <a:ext uri="{FF2B5EF4-FFF2-40B4-BE49-F238E27FC236}">
-                <a16:creationId xmlns:a16="http://schemas.microsoft.com/office/drawing/2014/main" id="{D59A0723-E6D5-4A19-818C-2CC237DCE793}"/>
-              </a:ext>
-            </a:extLst>
-          </p:cNvPr>
+            <a:endParaRPr lang="en-US" dirty="0"/>
+          </a:p>
+        </p:txBody>
+      </p:sp>
+      <p:sp>
+        <p:nvSpPr>
+          <p:cNvPr id="4" name="Text Placeholder 3"/>
           <p:cNvSpPr>
             <a:spLocks noGrp="1"/>
           </p:cNvSpPr>
@@ -2574,8 +2294,8 @@
         </p:nvSpPr>
         <p:spPr>
           <a:xfrm>
-            <a:off x="629841" y="2057400"/>
-            <a:ext cx="2949178" cy="3811588"/>
+            <a:off x="839788" y="2057400"/>
+            <a:ext cx="3932237" cy="3811588"/>
           </a:xfrm>
         </p:spPr>
         <p:txBody>
@@ -2621,7 +2341,7 @@
           <a:p>
             <a:pPr lvl="0"/>
             <a:r>
-              <a:rPr kumimoji="1" lang="ja-JP" altLang="en-US"/>
+              <a:rPr lang="ja-JP" altLang="en-US"/>
               <a:t>マスター テキストの書式設定</a:t>
             </a:r>
           </a:p>
@@ -2629,13 +2349,7 @@
       </p:sp>
       <p:sp>
         <p:nvSpPr>
-          <p:cNvPr id="5" name="日付プレースホルダー 4">
-            <a:extLst>
-              <a:ext uri="{FF2B5EF4-FFF2-40B4-BE49-F238E27FC236}">
-                <a16:creationId xmlns:a16="http://schemas.microsoft.com/office/drawing/2014/main" id="{EC8AFEC2-77A9-4086-B939-E2C58F4BF6C5}"/>
-              </a:ext>
-            </a:extLst>
-          </p:cNvPr>
+          <p:cNvPr id="5" name="Date Placeholder 4"/>
           <p:cNvSpPr>
             <a:spLocks noGrp="1"/>
           </p:cNvSpPr>
@@ -2650,7 +2364,7 @@
           <a:p>
             <a:fld id="{BCC3470B-979D-4AC3-9CEF-E2615858CE2E}" type="datetimeFigureOut">
               <a:rPr kumimoji="1" lang="ja-JP" altLang="en-US" smtClean="0"/>
-              <a:t>2017/9/13</a:t>
+              <a:t>2023/8/25</a:t>
             </a:fld>
             <a:endParaRPr kumimoji="1" lang="ja-JP" altLang="en-US"/>
           </a:p>
@@ -2658,13 +2372,7 @@
       </p:sp>
       <p:sp>
         <p:nvSpPr>
-          <p:cNvPr id="6" name="フッター プレースホルダー 5">
-            <a:extLst>
-              <a:ext uri="{FF2B5EF4-FFF2-40B4-BE49-F238E27FC236}">
-                <a16:creationId xmlns:a16="http://schemas.microsoft.com/office/drawing/2014/main" id="{CCCE669C-F3A1-498F-87BB-AFC7E57A09BB}"/>
-              </a:ext>
-            </a:extLst>
-          </p:cNvPr>
+          <p:cNvPr id="6" name="Footer Placeholder 5"/>
           <p:cNvSpPr>
             <a:spLocks noGrp="1"/>
           </p:cNvSpPr>
@@ -2683,13 +2391,7 @@
       </p:sp>
       <p:sp>
         <p:nvSpPr>
-          <p:cNvPr id="7" name="スライド番号プレースホルダー 6">
-            <a:extLst>
-              <a:ext uri="{FF2B5EF4-FFF2-40B4-BE49-F238E27FC236}">
-                <a16:creationId xmlns:a16="http://schemas.microsoft.com/office/drawing/2014/main" id="{D25A9716-FF4B-4EE9-93B4-F37325C18E42}"/>
-              </a:ext>
-            </a:extLst>
-          </p:cNvPr>
+          <p:cNvPr id="7" name="Slide Number Placeholder 6"/>
           <p:cNvSpPr>
             <a:spLocks noGrp="1"/>
           </p:cNvSpPr>
@@ -2713,7 +2415,7 @@
     </p:spTree>
     <p:extLst>
       <p:ext uri="{BB962C8B-B14F-4D97-AF65-F5344CB8AC3E}">
-        <p14:creationId xmlns:p14="http://schemas.microsoft.com/office/powerpoint/2010/main" val="1651372392"/>
+        <p14:creationId xmlns:p14="http://schemas.microsoft.com/office/powerpoint/2010/main" val="1077559719"/>
       </p:ext>
     </p:extLst>
   </p:cSld>
@@ -2742,13 +2444,7 @@
       </p:grpSpPr>
       <p:sp>
         <p:nvSpPr>
-          <p:cNvPr id="2" name="タイトル 1">
-            <a:extLst>
-              <a:ext uri="{FF2B5EF4-FFF2-40B4-BE49-F238E27FC236}">
-                <a16:creationId xmlns:a16="http://schemas.microsoft.com/office/drawing/2014/main" id="{F6BE48DE-0EBA-4D97-9DBF-1EC753EBE759}"/>
-              </a:ext>
-            </a:extLst>
-          </p:cNvPr>
+          <p:cNvPr id="2" name="Title 1"/>
           <p:cNvSpPr>
             <a:spLocks noGrp="1"/>
           </p:cNvSpPr>
@@ -2758,8 +2454,8 @@
         </p:nvSpPr>
         <p:spPr>
           <a:xfrm>
-            <a:off x="629841" y="457200"/>
-            <a:ext cx="2949178" cy="1600200"/>
+            <a:off x="839788" y="457200"/>
+            <a:ext cx="3932237" cy="1600200"/>
           </a:xfrm>
         </p:spPr>
         <p:txBody>
@@ -2771,23 +2467,18 @@
           </a:lstStyle>
           <a:p>
             <a:r>
-              <a:rPr kumimoji="1" lang="ja-JP" altLang="en-US"/>
+              <a:rPr lang="ja-JP" altLang="en-US"/>
               <a:t>マスター タイトルの書式設定</a:t>
             </a:r>
-          </a:p>
-        </p:txBody>
-      </p:sp>
-      <p:sp>
-        <p:nvSpPr>
-          <p:cNvPr id="3" name="図プレースホルダー 2">
-            <a:extLst>
-              <a:ext uri="{FF2B5EF4-FFF2-40B4-BE49-F238E27FC236}">
-                <a16:creationId xmlns:a16="http://schemas.microsoft.com/office/drawing/2014/main" id="{2B35F2B9-EF3E-4AC9-8F35-B559A54EBBA6}"/>
-              </a:ext>
-            </a:extLst>
-          </p:cNvPr>
+            <a:endParaRPr lang="en-US" dirty="0"/>
+          </a:p>
+        </p:txBody>
+      </p:sp>
+      <p:sp>
+        <p:nvSpPr>
+          <p:cNvPr id="3" name="Picture Placeholder 2"/>
           <p:cNvSpPr>
-            <a:spLocks noGrp="1"/>
+            <a:spLocks noGrp="1" noChangeAspect="1"/>
           </p:cNvSpPr>
           <p:nvPr>
             <p:ph type="pic" idx="1"/>
@@ -2795,12 +2486,12 @@
         </p:nvSpPr>
         <p:spPr>
           <a:xfrm>
-            <a:off x="3887391" y="987426"/>
-            <a:ext cx="4629150" cy="4873625"/>
-          </a:xfrm>
-        </p:spPr>
-        <p:txBody>
-          <a:bodyPr/>
+            <a:off x="5183188" y="987425"/>
+            <a:ext cx="6172200" cy="4873625"/>
+          </a:xfrm>
+        </p:spPr>
+        <p:txBody>
+          <a:bodyPr anchor="t"/>
           <a:lstStyle>
             <a:lvl1pPr marL="0" indent="0">
               <a:buNone/>
@@ -2840,19 +2531,17 @@
             </a:lvl9pPr>
           </a:lstStyle>
           <a:p>
-            <a:endParaRPr kumimoji="1" lang="ja-JP" altLang="en-US"/>
-          </a:p>
-        </p:txBody>
-      </p:sp>
-      <p:sp>
-        <p:nvSpPr>
-          <p:cNvPr id="4" name="テキスト プレースホルダー 3">
-            <a:extLst>
-              <a:ext uri="{FF2B5EF4-FFF2-40B4-BE49-F238E27FC236}">
-                <a16:creationId xmlns:a16="http://schemas.microsoft.com/office/drawing/2014/main" id="{C7480445-5168-40B5-ABFE-461FF3C35C05}"/>
-              </a:ext>
-            </a:extLst>
-          </p:cNvPr>
+            <a:r>
+              <a:rPr lang="ja-JP" altLang="en-US"/>
+              <a:t>アイコンをクリックして図を追加</a:t>
+            </a:r>
+            <a:endParaRPr lang="en-US" dirty="0"/>
+          </a:p>
+        </p:txBody>
+      </p:sp>
+      <p:sp>
+        <p:nvSpPr>
+          <p:cNvPr id="4" name="Text Placeholder 3"/>
           <p:cNvSpPr>
             <a:spLocks noGrp="1"/>
           </p:cNvSpPr>
@@ -2862,8 +2551,8 @@
         </p:nvSpPr>
         <p:spPr>
           <a:xfrm>
-            <a:off x="629841" y="2057400"/>
-            <a:ext cx="2949178" cy="3811588"/>
+            <a:off x="839788" y="2057400"/>
+            <a:ext cx="3932237" cy="3811588"/>
           </a:xfrm>
         </p:spPr>
         <p:txBody>
@@ -2909,7 +2598,7 @@
           <a:p>
             <a:pPr lvl="0"/>
             <a:r>
-              <a:rPr kumimoji="1" lang="ja-JP" altLang="en-US"/>
+              <a:rPr lang="ja-JP" altLang="en-US"/>
               <a:t>マスター テキストの書式設定</a:t>
             </a:r>
           </a:p>
@@ -2917,13 +2606,7 @@
       </p:sp>
       <p:sp>
         <p:nvSpPr>
-          <p:cNvPr id="5" name="日付プレースホルダー 4">
-            <a:extLst>
-              <a:ext uri="{FF2B5EF4-FFF2-40B4-BE49-F238E27FC236}">
-                <a16:creationId xmlns:a16="http://schemas.microsoft.com/office/drawing/2014/main" id="{521ECF7E-BD91-4A78-BA11-C7AA653C7969}"/>
-              </a:ext>
-            </a:extLst>
-          </p:cNvPr>
+          <p:cNvPr id="5" name="Date Placeholder 4"/>
           <p:cNvSpPr>
             <a:spLocks noGrp="1"/>
           </p:cNvSpPr>
@@ -2938,7 +2621,7 @@
           <a:p>
             <a:fld id="{BCC3470B-979D-4AC3-9CEF-E2615858CE2E}" type="datetimeFigureOut">
               <a:rPr kumimoji="1" lang="ja-JP" altLang="en-US" smtClean="0"/>
-              <a:t>2017/9/13</a:t>
+              <a:t>2023/8/25</a:t>
             </a:fld>
             <a:endParaRPr kumimoji="1" lang="ja-JP" altLang="en-US"/>
           </a:p>
@@ -2946,13 +2629,7 @@
       </p:sp>
       <p:sp>
         <p:nvSpPr>
-          <p:cNvPr id="6" name="フッター プレースホルダー 5">
-            <a:extLst>
-              <a:ext uri="{FF2B5EF4-FFF2-40B4-BE49-F238E27FC236}">
-                <a16:creationId xmlns:a16="http://schemas.microsoft.com/office/drawing/2014/main" id="{837EC663-4A4A-43E3-884F-DFCBF1673EEA}"/>
-              </a:ext>
-            </a:extLst>
-          </p:cNvPr>
+          <p:cNvPr id="6" name="Footer Placeholder 5"/>
           <p:cNvSpPr>
             <a:spLocks noGrp="1"/>
           </p:cNvSpPr>
@@ -2971,13 +2648,7 @@
       </p:sp>
       <p:sp>
         <p:nvSpPr>
-          <p:cNvPr id="7" name="スライド番号プレースホルダー 6">
-            <a:extLst>
-              <a:ext uri="{FF2B5EF4-FFF2-40B4-BE49-F238E27FC236}">
-                <a16:creationId xmlns:a16="http://schemas.microsoft.com/office/drawing/2014/main" id="{C39F6F37-892C-4014-A0C6-77EF3492C846}"/>
-              </a:ext>
-            </a:extLst>
-          </p:cNvPr>
+          <p:cNvPr id="7" name="Slide Number Placeholder 6"/>
           <p:cNvSpPr>
             <a:spLocks noGrp="1"/>
           </p:cNvSpPr>
@@ -3001,7 +2672,7 @@
     </p:spTree>
     <p:extLst>
       <p:ext uri="{BB962C8B-B14F-4D97-AF65-F5344CB8AC3E}">
-        <p14:creationId xmlns:p14="http://schemas.microsoft.com/office/powerpoint/2010/main" val="764307389"/>
+        <p14:creationId xmlns:p14="http://schemas.microsoft.com/office/powerpoint/2010/main" val="289985457"/>
       </p:ext>
     </p:extLst>
   </p:cSld>
@@ -3035,13 +2706,7 @@
       </p:grpSpPr>
       <p:sp>
         <p:nvSpPr>
-          <p:cNvPr id="2" name="タイトル プレースホルダー 1">
-            <a:extLst>
-              <a:ext uri="{FF2B5EF4-FFF2-40B4-BE49-F238E27FC236}">
-                <a16:creationId xmlns:a16="http://schemas.microsoft.com/office/drawing/2014/main" id="{DB27D74D-F45C-4C91-B82A-E0A4952D99BC}"/>
-              </a:ext>
-            </a:extLst>
-          </p:cNvPr>
+          <p:cNvPr id="2" name="Title Placeholder 1"/>
           <p:cNvSpPr>
             <a:spLocks noGrp="1"/>
           </p:cNvSpPr>
@@ -3051,8 +2716,8 @@
         </p:nvSpPr>
         <p:spPr>
           <a:xfrm>
-            <a:off x="628650" y="365126"/>
-            <a:ext cx="7886700" cy="1325563"/>
+            <a:off x="838200" y="365125"/>
+            <a:ext cx="10515600" cy="1325563"/>
           </a:xfrm>
           <a:prstGeom prst="rect">
             <a:avLst/>
@@ -3065,21 +2730,16 @@
           <a:lstStyle/>
           <a:p>
             <a:r>
-              <a:rPr kumimoji="1" lang="ja-JP" altLang="en-US"/>
+              <a:rPr lang="ja-JP" altLang="en-US"/>
               <a:t>マスター タイトルの書式設定</a:t>
             </a:r>
-          </a:p>
-        </p:txBody>
-      </p:sp>
-      <p:sp>
-        <p:nvSpPr>
-          <p:cNvPr id="3" name="テキスト プレースホルダー 2">
-            <a:extLst>
-              <a:ext uri="{FF2B5EF4-FFF2-40B4-BE49-F238E27FC236}">
-                <a16:creationId xmlns:a16="http://schemas.microsoft.com/office/drawing/2014/main" id="{C0B8D245-CCE6-404F-82D7-72BA357D8D7E}"/>
-              </a:ext>
-            </a:extLst>
-          </p:cNvPr>
+            <a:endParaRPr lang="en-US" dirty="0"/>
+          </a:p>
+        </p:txBody>
+      </p:sp>
+      <p:sp>
+        <p:nvSpPr>
+          <p:cNvPr id="3" name="Text Placeholder 2"/>
           <p:cNvSpPr>
             <a:spLocks noGrp="1"/>
           </p:cNvSpPr>
@@ -3089,8 +2749,8 @@
         </p:nvSpPr>
         <p:spPr>
           <a:xfrm>
-            <a:off x="628650" y="1825625"/>
-            <a:ext cx="7886700" cy="4351338"/>
+            <a:off x="838200" y="1825625"/>
+            <a:ext cx="10515600" cy="4351338"/>
           </a:xfrm>
           <a:prstGeom prst="rect">
             <a:avLst/>
@@ -3104,81 +2764,76 @@
           <a:p>
             <a:pPr lvl="0"/>
             <a:r>
-              <a:rPr kumimoji="1" lang="ja-JP" altLang="en-US"/>
+              <a:rPr lang="ja-JP" altLang="en-US"/>
               <a:t>マスター テキストの書式設定</a:t>
             </a:r>
           </a:p>
           <a:p>
             <a:pPr lvl="1"/>
             <a:r>
-              <a:rPr kumimoji="1" lang="ja-JP" altLang="en-US"/>
+              <a:rPr lang="ja-JP" altLang="en-US"/>
               <a:t>第 </a:t>
             </a:r>
             <a:r>
-              <a:rPr kumimoji="1" lang="en-US" altLang="ja-JP"/>
+              <a:rPr lang="en-US" altLang="ja-JP"/>
               <a:t>2 </a:t>
             </a:r>
             <a:r>
-              <a:rPr kumimoji="1" lang="ja-JP" altLang="en-US"/>
+              <a:rPr lang="ja-JP" altLang="en-US"/>
               <a:t>レベル</a:t>
             </a:r>
           </a:p>
           <a:p>
             <a:pPr lvl="2"/>
             <a:r>
-              <a:rPr kumimoji="1" lang="ja-JP" altLang="en-US"/>
+              <a:rPr lang="ja-JP" altLang="en-US"/>
               <a:t>第 </a:t>
             </a:r>
             <a:r>
-              <a:rPr kumimoji="1" lang="en-US" altLang="ja-JP"/>
+              <a:rPr lang="en-US" altLang="ja-JP"/>
               <a:t>3 </a:t>
             </a:r>
             <a:r>
-              <a:rPr kumimoji="1" lang="ja-JP" altLang="en-US"/>
+              <a:rPr lang="ja-JP" altLang="en-US"/>
               <a:t>レベル</a:t>
             </a:r>
           </a:p>
           <a:p>
             <a:pPr lvl="3"/>
             <a:r>
-              <a:rPr kumimoji="1" lang="ja-JP" altLang="en-US"/>
+              <a:rPr lang="ja-JP" altLang="en-US"/>
               <a:t>第 </a:t>
             </a:r>
             <a:r>
-              <a:rPr kumimoji="1" lang="en-US" altLang="ja-JP"/>
+              <a:rPr lang="en-US" altLang="ja-JP"/>
               <a:t>4 </a:t>
             </a:r>
             <a:r>
-              <a:rPr kumimoji="1" lang="ja-JP" altLang="en-US"/>
+              <a:rPr lang="ja-JP" altLang="en-US"/>
               <a:t>レベル</a:t>
             </a:r>
           </a:p>
           <a:p>
             <a:pPr lvl="4"/>
             <a:r>
-              <a:rPr kumimoji="1" lang="ja-JP" altLang="en-US"/>
+              <a:rPr lang="ja-JP" altLang="en-US"/>
               <a:t>第 </a:t>
             </a:r>
             <a:r>
-              <a:rPr kumimoji="1" lang="en-US" altLang="ja-JP"/>
+              <a:rPr lang="en-US" altLang="ja-JP"/>
               <a:t>5 </a:t>
             </a:r>
             <a:r>
-              <a:rPr kumimoji="1" lang="ja-JP" altLang="en-US"/>
+              <a:rPr lang="ja-JP" altLang="en-US"/>
               <a:t>レベル</a:t>
             </a:r>
-          </a:p>
-        </p:txBody>
-      </p:sp>
-      <p:sp>
-        <p:nvSpPr>
-          <p:cNvPr id="4" name="日付プレースホルダー 3">
-            <a:extLst>
-              <a:ext uri="{FF2B5EF4-FFF2-40B4-BE49-F238E27FC236}">
-                <a16:creationId xmlns:a16="http://schemas.microsoft.com/office/drawing/2014/main" id="{70295F89-3A91-48EB-9192-772ADF1B5864}"/>
-              </a:ext>
-            </a:extLst>
-          </p:cNvPr>
+            <a:endParaRPr lang="en-US" dirty="0"/>
+          </a:p>
+        </p:txBody>
+      </p:sp>
+      <p:sp>
+        <p:nvSpPr>
+          <p:cNvPr id="4" name="Date Placeholder 3"/>
           <p:cNvSpPr>
             <a:spLocks noGrp="1"/>
           </p:cNvSpPr>
@@ -3188,8 +2843,8 @@
         </p:nvSpPr>
         <p:spPr>
           <a:xfrm>
-            <a:off x="628650" y="6356351"/>
-            <a:ext cx="2057400" cy="365125"/>
+            <a:off x="838200" y="6356350"/>
+            <a:ext cx="2743200" cy="365125"/>
           </a:xfrm>
           <a:prstGeom prst="rect">
             <a:avLst/>
@@ -3211,7 +2866,7 @@
           <a:p>
             <a:fld id="{BCC3470B-979D-4AC3-9CEF-E2615858CE2E}" type="datetimeFigureOut">
               <a:rPr kumimoji="1" lang="ja-JP" altLang="en-US" smtClean="0"/>
-              <a:t>2017/9/13</a:t>
+              <a:t>2023/8/25</a:t>
             </a:fld>
             <a:endParaRPr kumimoji="1" lang="ja-JP" altLang="en-US"/>
           </a:p>
@@ -3219,13 +2874,7 @@
       </p:sp>
       <p:sp>
         <p:nvSpPr>
-          <p:cNvPr id="5" name="フッター プレースホルダー 4">
-            <a:extLst>
-              <a:ext uri="{FF2B5EF4-FFF2-40B4-BE49-F238E27FC236}">
-                <a16:creationId xmlns:a16="http://schemas.microsoft.com/office/drawing/2014/main" id="{E47E0B0A-84E7-454B-8F60-7C126E1EDC76}"/>
-              </a:ext>
-            </a:extLst>
-          </p:cNvPr>
+          <p:cNvPr id="5" name="Footer Placeholder 4"/>
           <p:cNvSpPr>
             <a:spLocks noGrp="1"/>
           </p:cNvSpPr>
@@ -3235,8 +2884,8 @@
         </p:nvSpPr>
         <p:spPr>
           <a:xfrm>
-            <a:off x="3028950" y="6356351"/>
-            <a:ext cx="3086100" cy="365125"/>
+            <a:off x="4038600" y="6356350"/>
+            <a:ext cx="4114800" cy="365125"/>
           </a:xfrm>
           <a:prstGeom prst="rect">
             <a:avLst/>
@@ -3262,13 +2911,7 @@
       </p:sp>
       <p:sp>
         <p:nvSpPr>
-          <p:cNvPr id="6" name="スライド番号プレースホルダー 5">
-            <a:extLst>
-              <a:ext uri="{FF2B5EF4-FFF2-40B4-BE49-F238E27FC236}">
-                <a16:creationId xmlns:a16="http://schemas.microsoft.com/office/drawing/2014/main" id="{84A3534F-9767-433C-9943-7509C1C58129}"/>
-              </a:ext>
-            </a:extLst>
-          </p:cNvPr>
+          <p:cNvPr id="6" name="Slide Number Placeholder 5"/>
           <p:cNvSpPr>
             <a:spLocks noGrp="1"/>
           </p:cNvSpPr>
@@ -3278,8 +2921,8 @@
         </p:nvSpPr>
         <p:spPr>
           <a:xfrm>
-            <a:off x="6457950" y="6356351"/>
-            <a:ext cx="2057400" cy="365125"/>
+            <a:off x="8610600" y="6356350"/>
+            <a:ext cx="2743200" cy="365125"/>
           </a:xfrm>
           <a:prstGeom prst="rect">
             <a:avLst/>
@@ -3310,23 +2953,23 @@
     </p:spTree>
     <p:extLst>
       <p:ext uri="{BB962C8B-B14F-4D97-AF65-F5344CB8AC3E}">
-        <p14:creationId xmlns:p14="http://schemas.microsoft.com/office/powerpoint/2010/main" val="554696255"/>
+        <p14:creationId xmlns:p14="http://schemas.microsoft.com/office/powerpoint/2010/main" val="2761714358"/>
       </p:ext>
     </p:extLst>
   </p:cSld>
   <p:clrMap bg1="lt1" tx1="dk1" bg2="lt2" tx2="dk2" accent1="accent1" accent2="accent2" accent3="accent3" accent4="accent4" accent5="accent5" accent6="accent6" hlink="hlink" folHlink="folHlink"/>
   <p:sldLayoutIdLst>
-    <p:sldLayoutId id="2147483649" r:id="rId1"/>
-    <p:sldLayoutId id="2147483650" r:id="rId2"/>
-    <p:sldLayoutId id="2147483651" r:id="rId3"/>
-    <p:sldLayoutId id="2147483652" r:id="rId4"/>
-    <p:sldLayoutId id="2147483653" r:id="rId5"/>
-    <p:sldLayoutId id="2147483654" r:id="rId6"/>
-    <p:sldLayoutId id="2147483655" r:id="rId7"/>
-    <p:sldLayoutId id="2147483656" r:id="rId8"/>
-    <p:sldLayoutId id="2147483657" r:id="rId9"/>
-    <p:sldLayoutId id="2147483658" r:id="rId10"/>
-    <p:sldLayoutId id="2147483659" r:id="rId11"/>
+    <p:sldLayoutId id="2147483661" r:id="rId1"/>
+    <p:sldLayoutId id="2147483662" r:id="rId2"/>
+    <p:sldLayoutId id="2147483663" r:id="rId3"/>
+    <p:sldLayoutId id="2147483664" r:id="rId4"/>
+    <p:sldLayoutId id="2147483665" r:id="rId5"/>
+    <p:sldLayoutId id="2147483666" r:id="rId6"/>
+    <p:sldLayoutId id="2147483667" r:id="rId7"/>
+    <p:sldLayoutId id="2147483668" r:id="rId8"/>
+    <p:sldLayoutId id="2147483669" r:id="rId9"/>
+    <p:sldLayoutId id="2147483670" r:id="rId10"/>
+    <p:sldLayoutId id="2147483671" r:id="rId11"/>
   </p:sldLayoutIdLst>
   <p:txStyles>
     <p:titleStyle>
@@ -3338,7 +2981,7 @@
           <a:spcPct val="0"/>
         </a:spcBef>
         <a:buNone/>
-        <a:defRPr kumimoji="1" sz="4400" kern="1200">
+        <a:defRPr sz="4400" kern="1200">
           <a:solidFill>
             <a:schemeClr val="tx1"/>
           </a:solidFill>
@@ -3358,7 +3001,7 @@
         </a:spcBef>
         <a:buFont typeface="Arial" panose="020B0604020202020204" pitchFamily="34" charset="0"/>
         <a:buChar char="•"/>
-        <a:defRPr kumimoji="1" sz="2800" kern="1200">
+        <a:defRPr sz="2800" kern="1200">
           <a:solidFill>
             <a:schemeClr val="tx1"/>
           </a:solidFill>
@@ -3376,7 +3019,7 @@
         </a:spcBef>
         <a:buFont typeface="Arial" panose="020B0604020202020204" pitchFamily="34" charset="0"/>
         <a:buChar char="•"/>
-        <a:defRPr kumimoji="1" sz="2400" kern="1200">
+        <a:defRPr sz="2400" kern="1200">
           <a:solidFill>
             <a:schemeClr val="tx1"/>
           </a:solidFill>
@@ -3394,7 +3037,7 @@
         </a:spcBef>
         <a:buFont typeface="Arial" panose="020B0604020202020204" pitchFamily="34" charset="0"/>
         <a:buChar char="•"/>
-        <a:defRPr kumimoji="1" sz="2000" kern="1200">
+        <a:defRPr sz="2000" kern="1200">
           <a:solidFill>
             <a:schemeClr val="tx1"/>
           </a:solidFill>
@@ -3412,7 +3055,7 @@
         </a:spcBef>
         <a:buFont typeface="Arial" panose="020B0604020202020204" pitchFamily="34" charset="0"/>
         <a:buChar char="•"/>
-        <a:defRPr kumimoji="1" sz="1800" kern="1200">
+        <a:defRPr sz="1800" kern="1200">
           <a:solidFill>
             <a:schemeClr val="tx1"/>
           </a:solidFill>
@@ -3430,7 +3073,7 @@
         </a:spcBef>
         <a:buFont typeface="Arial" panose="020B0604020202020204" pitchFamily="34" charset="0"/>
         <a:buChar char="•"/>
-        <a:defRPr kumimoji="1" sz="1800" kern="1200">
+        <a:defRPr sz="1800" kern="1200">
           <a:solidFill>
             <a:schemeClr val="tx1"/>
           </a:solidFill>
@@ -3448,7 +3091,7 @@
         </a:spcBef>
         <a:buFont typeface="Arial" panose="020B0604020202020204" pitchFamily="34" charset="0"/>
         <a:buChar char="•"/>
-        <a:defRPr kumimoji="1" sz="1800" kern="1200">
+        <a:defRPr sz="1800" kern="1200">
           <a:solidFill>
             <a:schemeClr val="tx1"/>
           </a:solidFill>
@@ -3466,7 +3109,7 @@
         </a:spcBef>
         <a:buFont typeface="Arial" panose="020B0604020202020204" pitchFamily="34" charset="0"/>
         <a:buChar char="•"/>
-        <a:defRPr kumimoji="1" sz="1800" kern="1200">
+        <a:defRPr sz="1800" kern="1200">
           <a:solidFill>
             <a:schemeClr val="tx1"/>
           </a:solidFill>
@@ -3484,7 +3127,7 @@
         </a:spcBef>
         <a:buFont typeface="Arial" panose="020B0604020202020204" pitchFamily="34" charset="0"/>
         <a:buChar char="•"/>
-        <a:defRPr kumimoji="1" sz="1800" kern="1200">
+        <a:defRPr sz="1800" kern="1200">
           <a:solidFill>
             <a:schemeClr val="tx1"/>
           </a:solidFill>
@@ -3502,7 +3145,7 @@
         </a:spcBef>
         <a:buFont typeface="Arial" panose="020B0604020202020204" pitchFamily="34" charset="0"/>
         <a:buChar char="•"/>
-        <a:defRPr kumimoji="1" sz="1800" kern="1200">
+        <a:defRPr sz="1800" kern="1200">
           <a:solidFill>
             <a:schemeClr val="tx1"/>
           </a:solidFill>
@@ -3514,10 +3157,10 @@
     </p:bodyStyle>
     <p:otherStyle>
       <a:defPPr>
-        <a:defRPr lang="ja-JP"/>
+        <a:defRPr lang="en-US"/>
       </a:defPPr>
       <a:lvl1pPr marL="0" algn="l" defTabSz="914400" rtl="0" eaLnBrk="1" latinLnBrk="0" hangingPunct="1">
-        <a:defRPr kumimoji="1" sz="1800" kern="1200">
+        <a:defRPr sz="1800" kern="1200">
           <a:solidFill>
             <a:schemeClr val="tx1"/>
           </a:solidFill>
@@ -3527,7 +3170,7 @@
         </a:defRPr>
       </a:lvl1pPr>
       <a:lvl2pPr marL="457200" algn="l" defTabSz="914400" rtl="0" eaLnBrk="1" latinLnBrk="0" hangingPunct="1">
-        <a:defRPr kumimoji="1" sz="1800" kern="1200">
+        <a:defRPr sz="1800" kern="1200">
           <a:solidFill>
             <a:schemeClr val="tx1"/>
           </a:solidFill>
@@ -3537,7 +3180,7 @@
         </a:defRPr>
       </a:lvl2pPr>
       <a:lvl3pPr marL="914400" algn="l" defTabSz="914400" rtl="0" eaLnBrk="1" latinLnBrk="0" hangingPunct="1">
-        <a:defRPr kumimoji="1" sz="1800" kern="1200">
+        <a:defRPr sz="1800" kern="1200">
           <a:solidFill>
             <a:schemeClr val="tx1"/>
           </a:solidFill>
@@ -3547,7 +3190,7 @@
         </a:defRPr>
       </a:lvl3pPr>
       <a:lvl4pPr marL="1371600" algn="l" defTabSz="914400" rtl="0" eaLnBrk="1" latinLnBrk="0" hangingPunct="1">
-        <a:defRPr kumimoji="1" sz="1800" kern="1200">
+        <a:defRPr sz="1800" kern="1200">
           <a:solidFill>
             <a:schemeClr val="tx1"/>
           </a:solidFill>
@@ -3557,7 +3200,7 @@
         </a:defRPr>
       </a:lvl4pPr>
       <a:lvl5pPr marL="1828800" algn="l" defTabSz="914400" rtl="0" eaLnBrk="1" latinLnBrk="0" hangingPunct="1">
-        <a:defRPr kumimoji="1" sz="1800" kern="1200">
+        <a:defRPr sz="1800" kern="1200">
           <a:solidFill>
             <a:schemeClr val="tx1"/>
           </a:solidFill>
@@ -3567,7 +3210,7 @@
         </a:defRPr>
       </a:lvl5pPr>
       <a:lvl6pPr marL="2286000" algn="l" defTabSz="914400" rtl="0" eaLnBrk="1" latinLnBrk="0" hangingPunct="1">
-        <a:defRPr kumimoji="1" sz="1800" kern="1200">
+        <a:defRPr sz="1800" kern="1200">
           <a:solidFill>
             <a:schemeClr val="tx1"/>
           </a:solidFill>
@@ -3577,7 +3220,7 @@
         </a:defRPr>
       </a:lvl6pPr>
       <a:lvl7pPr marL="2743200" algn="l" defTabSz="914400" rtl="0" eaLnBrk="1" latinLnBrk="0" hangingPunct="1">
-        <a:defRPr kumimoji="1" sz="1800" kern="1200">
+        <a:defRPr sz="1800" kern="1200">
           <a:solidFill>
             <a:schemeClr val="tx1"/>
           </a:solidFill>
@@ -3587,7 +3230,7 @@
         </a:defRPr>
       </a:lvl7pPr>
       <a:lvl8pPr marL="3200400" algn="l" defTabSz="914400" rtl="0" eaLnBrk="1" latinLnBrk="0" hangingPunct="1">
-        <a:defRPr kumimoji="1" sz="1800" kern="1200">
+        <a:defRPr sz="1800" kern="1200">
           <a:solidFill>
             <a:schemeClr val="tx1"/>
           </a:solidFill>
@@ -3597,7 +3240,7 @@
         </a:defRPr>
       </a:lvl8pPr>
       <a:lvl9pPr marL="3657600" algn="l" defTabSz="914400" rtl="0" eaLnBrk="1" latinLnBrk="0" hangingPunct="1">
-        <a:defRPr kumimoji="1" sz="1800" kern="1200">
+        <a:defRPr sz="1800" kern="1200">
           <a:solidFill>
             <a:schemeClr val="tx1"/>
           </a:solidFill>
@@ -3628,12 +3271,48 @@
           <a:chExt cx="0" cy="0"/>
         </a:xfrm>
       </p:grpSpPr>
+      <p:pic>
+        <p:nvPicPr>
+          <p:cNvPr id="4" name="図 3">
+            <a:extLst>
+              <a:ext uri="{FF2B5EF4-FFF2-40B4-BE49-F238E27FC236}">
+                <a16:creationId xmlns:a16="http://schemas.microsoft.com/office/drawing/2014/main" id="{007DE556-E44B-9A62-71F5-C7D4FE7F5D9B}"/>
+              </a:ext>
+            </a:extLst>
+          </p:cNvPr>
+          <p:cNvPicPr>
+            <a:picLocks noChangeAspect="1"/>
+          </p:cNvPicPr>
+          <p:nvPr/>
+        </p:nvPicPr>
+        <p:blipFill>
+          <a:blip r:embed="rId2">
+            <a:extLst>
+              <a:ext uri="{28A0092B-C50C-407E-A947-70E740481C1C}">
+                <a14:useLocalDpi xmlns:a14="http://schemas.microsoft.com/office/drawing/2010/main" val="0"/>
+              </a:ext>
+            </a:extLst>
+          </a:blip>
+          <a:stretch>
+            <a:fillRect/>
+          </a:stretch>
+        </p:blipFill>
+        <p:spPr>
+          <a:xfrm>
+            <a:off x="4192306" y="1090164"/>
+            <a:ext cx="3650543" cy="3975749"/>
+          </a:xfrm>
+          <a:prstGeom prst="rect">
+            <a:avLst/>
+          </a:prstGeom>
+        </p:spPr>
+      </p:pic>
       <p:sp>
         <p:nvSpPr>
           <p:cNvPr id="2" name="タイトル 1">
             <a:extLst>
               <a:ext uri="{FF2B5EF4-FFF2-40B4-BE49-F238E27FC236}">
-                <a16:creationId xmlns:a16="http://schemas.microsoft.com/office/drawing/2014/main" id="{35515236-1D2B-4347-A5FC-45A6A49B8E05}"/>
+                <a16:creationId xmlns:a16="http://schemas.microsoft.com/office/drawing/2014/main" id="{F9A1451B-504E-4EAC-B7E4-07A4B7A2A9F5}"/>
               </a:ext>
             </a:extLst>
           </p:cNvPr>
@@ -3644,7 +3323,12 @@
             <p:ph type="title"/>
           </p:nvPr>
         </p:nvSpPr>
-        <p:spPr/>
+        <p:spPr>
+          <a:xfrm>
+            <a:off x="384657" y="347011"/>
+            <a:ext cx="10515600" cy="829494"/>
+          </a:xfrm>
+        </p:spPr>
         <p:txBody>
           <a:bodyPr>
             <a:normAutofit/>
@@ -3652,7 +3336,7 @@
           <a:lstStyle/>
           <a:p>
             <a:r>
-              <a:rPr lang="en-US" altLang="ja-JP">
+              <a:rPr lang="en-US" altLang="ja-JP" sz="4000" dirty="0">
                 <a:solidFill>
                   <a:schemeClr val="accent1"/>
                 </a:solidFill>
@@ -3662,7 +3346,7 @@
               <a:t>12. </a:t>
             </a:r>
             <a:r>
-              <a:rPr lang="ja-JP" altLang="en-US">
+              <a:rPr lang="ja-JP" altLang="en-US" sz="4000" dirty="0">
                 <a:solidFill>
                   <a:schemeClr val="accent1"/>
                 </a:solidFill>
@@ -3671,22 +3355,149 @@
               </a:rPr>
               <a:t>意味・意図の解析</a:t>
             </a:r>
-            <a:endParaRPr kumimoji="1" lang="ja-JP" altLang="en-US">
-              <a:solidFill>
-                <a:schemeClr val="accent1"/>
-              </a:solidFill>
-              <a:latin typeface="メイリオ" panose="020B0604030504040204" pitchFamily="50" charset="-128"/>
-              <a:ea typeface="メイリオ" panose="020B0604030504040204" pitchFamily="50" charset="-128"/>
-            </a:endParaRPr>
-          </a:p>
-        </p:txBody>
-      </p:sp>
-      <p:sp>
-        <p:nvSpPr>
-          <p:cNvPr id="3" name="コンテンツ プレースホルダー 2">
+          </a:p>
+        </p:txBody>
+      </p:sp>
+      <p:sp>
+        <p:nvSpPr>
+          <p:cNvPr id="5" name="テキスト ボックス 4">
             <a:extLst>
               <a:ext uri="{FF2B5EF4-FFF2-40B4-BE49-F238E27FC236}">
-                <a16:creationId xmlns:a16="http://schemas.microsoft.com/office/drawing/2014/main" id="{21EA1C30-15D2-4245-9EC1-A1F70158B79E}"/>
+                <a16:creationId xmlns:a16="http://schemas.microsoft.com/office/drawing/2014/main" id="{E979BD5E-4176-A88C-DBED-0029D8B05292}"/>
+              </a:ext>
+            </a:extLst>
+          </p:cNvPr>
+          <p:cNvSpPr txBox="1"/>
+          <p:nvPr/>
+        </p:nvSpPr>
+        <p:spPr>
+          <a:xfrm>
+            <a:off x="7453506" y="5211575"/>
+            <a:ext cx="4559053" cy="1077218"/>
+          </a:xfrm>
+          <a:prstGeom prst="rect">
+            <a:avLst/>
+          </a:prstGeom>
+          <a:noFill/>
+        </p:spPr>
+        <p:txBody>
+          <a:bodyPr wrap="square" rtlCol="0">
+            <a:spAutoFit/>
+          </a:bodyPr>
+          <a:lstStyle/>
+          <a:p>
+            <a:pPr marL="285750" indent="-285750">
+              <a:spcBef>
+                <a:spcPts val="600"/>
+              </a:spcBef>
+              <a:buFont typeface="Arial" panose="020B0604020202020204" pitchFamily="34" charset="0"/>
+              <a:buChar char="•"/>
+            </a:pPr>
+            <a:r>
+              <a:rPr lang="ja-JP" altLang="en-US" dirty="0"/>
+              <a:t>荒木雅弘</a:t>
+            </a:r>
+            <a:r>
+              <a:rPr lang="en-US" altLang="ja-JP" dirty="0"/>
+              <a:t> :『</a:t>
+            </a:r>
+            <a:r>
+              <a:rPr lang="ja-JP" altLang="en-US" dirty="0"/>
+              <a:t>イラストで学ぶ音声認識</a:t>
+            </a:r>
+            <a:r>
+              <a:rPr lang="en-US" altLang="ja-JP" dirty="0"/>
+              <a:t>』</a:t>
+            </a:r>
+          </a:p>
+          <a:p>
+            <a:pPr>
+              <a:spcBef>
+                <a:spcPts val="600"/>
+              </a:spcBef>
+            </a:pPr>
+            <a:r>
+              <a:rPr lang="ja-JP" altLang="en-US" dirty="0"/>
+              <a:t>　（講談社</a:t>
+            </a:r>
+            <a:r>
+              <a:rPr lang="en-US" altLang="ja-JP" dirty="0"/>
+              <a:t>,</a:t>
+            </a:r>
+            <a:r>
+              <a:rPr lang="ja-JP" altLang="en-US" dirty="0"/>
+              <a:t> </a:t>
+            </a:r>
+            <a:r>
+              <a:rPr lang="en-US" altLang="ja-JP" dirty="0"/>
+              <a:t>2015</a:t>
+            </a:r>
+            <a:r>
+              <a:rPr lang="ja-JP" altLang="en-US" dirty="0"/>
+              <a:t>年）</a:t>
+            </a:r>
+            <a:endParaRPr lang="en-US" altLang="ja-JP" dirty="0"/>
+          </a:p>
+          <a:p>
+            <a:pPr marL="285750" indent="-285750">
+              <a:spcBef>
+                <a:spcPts val="600"/>
+              </a:spcBef>
+              <a:buFont typeface="Arial" panose="020B0604020202020204" pitchFamily="34" charset="0"/>
+              <a:buChar char="•"/>
+            </a:pPr>
+            <a:r>
+              <a:rPr lang="ja-JP" altLang="en-US" dirty="0">
+                <a:hlinkClick r:id="rId3"/>
+              </a:rPr>
+              <a:t>サポートページ</a:t>
+            </a:r>
+            <a:endParaRPr lang="en-US" dirty="0"/>
+          </a:p>
+        </p:txBody>
+      </p:sp>
+      <p:pic>
+        <p:nvPicPr>
+          <p:cNvPr id="3" name="図 2">
+            <a:extLst>
+              <a:ext uri="{FF2B5EF4-FFF2-40B4-BE49-F238E27FC236}">
+                <a16:creationId xmlns:a16="http://schemas.microsoft.com/office/drawing/2014/main" id="{F7698FEA-6294-08A1-296D-5D1B60E2FCC4}"/>
+              </a:ext>
+            </a:extLst>
+          </p:cNvPr>
+          <p:cNvPicPr>
+            <a:picLocks noChangeAspect="1"/>
+          </p:cNvPicPr>
+          <p:nvPr/>
+        </p:nvPicPr>
+        <p:blipFill>
+          <a:blip r:embed="rId4">
+            <a:extLst>
+              <a:ext uri="{28A0092B-C50C-407E-A947-70E740481C1C}">
+                <a14:useLocalDpi xmlns:a14="http://schemas.microsoft.com/office/drawing/2010/main" val="0"/>
+              </a:ext>
+            </a:extLst>
+          </a:blip>
+          <a:stretch>
+            <a:fillRect/>
+          </a:stretch>
+        </p:blipFill>
+        <p:spPr>
+          <a:xfrm>
+            <a:off x="8366615" y="1053081"/>
+            <a:ext cx="2725188" cy="3867171"/>
+          </a:xfrm>
+          <a:prstGeom prst="rect">
+            <a:avLst/>
+          </a:prstGeom>
+        </p:spPr>
+      </p:pic>
+      <p:sp>
+        <p:nvSpPr>
+          <p:cNvPr id="7" name="コンテンツ プレースホルダー 2">
+            <a:extLst>
+              <a:ext uri="{FF2B5EF4-FFF2-40B4-BE49-F238E27FC236}">
+                <a16:creationId xmlns:a16="http://schemas.microsoft.com/office/drawing/2014/main" id="{1BBBF547-AFA4-E491-EC8F-36D566715F6A}"/>
               </a:ext>
             </a:extLst>
           </p:cNvPr>
@@ -3697,23 +3508,30 @@
             <p:ph idx="1"/>
           </p:nvPr>
         </p:nvSpPr>
-        <p:spPr/>
-        <p:txBody>
-          <a:bodyPr/>
+        <p:spPr>
+          <a:xfrm>
+            <a:off x="384657" y="4286707"/>
+            <a:ext cx="6934427" cy="2282343"/>
+          </a:xfrm>
+        </p:spPr>
+        <p:txBody>
+          <a:bodyPr>
+            <a:normAutofit/>
+          </a:bodyPr>
           <a:lstStyle/>
           <a:p>
             <a:pPr marL="0" indent="0">
               <a:buNone/>
             </a:pPr>
             <a:r>
-              <a:rPr kumimoji="1" lang="en-US" altLang="ja-JP">
+              <a:rPr kumimoji="1" lang="en-US" altLang="ja-JP" sz="2400" dirty="0">
                 <a:latin typeface="メイリオ" panose="020B0604030504040204" pitchFamily="50" charset="-128"/>
                 <a:ea typeface="メイリオ" panose="020B0604030504040204" pitchFamily="50" charset="-128"/>
               </a:rPr>
               <a:t>12.1 </a:t>
             </a:r>
             <a:r>
-              <a:rPr kumimoji="1" lang="ja-JP" altLang="en-US">
+              <a:rPr kumimoji="1" lang="ja-JP" altLang="en-US" sz="2400" dirty="0">
                 <a:latin typeface="メイリオ" panose="020B0604030504040204" pitchFamily="50" charset="-128"/>
                 <a:ea typeface="メイリオ" panose="020B0604030504040204" pitchFamily="50" charset="-128"/>
               </a:rPr>
@@ -3725,20 +3543,20 @@
               <a:buNone/>
             </a:pPr>
             <a:r>
-              <a:rPr kumimoji="1" lang="en-US" altLang="ja-JP">
+              <a:rPr kumimoji="1" lang="en-US" altLang="ja-JP" sz="2400" dirty="0">
                 <a:latin typeface="メイリオ" panose="020B0604030504040204" pitchFamily="50" charset="-128"/>
                 <a:ea typeface="メイリオ" panose="020B0604030504040204" pitchFamily="50" charset="-128"/>
               </a:rPr>
               <a:t>12.2 </a:t>
             </a:r>
             <a:r>
-              <a:rPr kumimoji="1" lang="ja-JP" altLang="en-US">
+              <a:rPr kumimoji="1" lang="ja-JP" altLang="en-US" sz="2400" dirty="0">
                 <a:latin typeface="メイリオ" panose="020B0604030504040204" pitchFamily="50" charset="-128"/>
                 <a:ea typeface="メイリオ" panose="020B0604030504040204" pitchFamily="50" charset="-128"/>
               </a:rPr>
               <a:t>規則による意味解析処理</a:t>
             </a:r>
-            <a:endParaRPr kumimoji="1" lang="en-US" altLang="ja-JP">
+            <a:endParaRPr kumimoji="1" lang="en-US" altLang="ja-JP" sz="2400" dirty="0">
               <a:latin typeface="メイリオ" panose="020B0604030504040204" pitchFamily="50" charset="-128"/>
               <a:ea typeface="メイリオ" panose="020B0604030504040204" pitchFamily="50" charset="-128"/>
             </a:endParaRPr>
@@ -3748,20 +3566,20 @@
               <a:buNone/>
             </a:pPr>
             <a:r>
-              <a:rPr kumimoji="1" lang="en-US" altLang="ja-JP">
+              <a:rPr kumimoji="1" lang="en-US" altLang="ja-JP" sz="2400" dirty="0">
                 <a:latin typeface="メイリオ" panose="020B0604030504040204" pitchFamily="50" charset="-128"/>
                 <a:ea typeface="メイリオ" panose="020B0604030504040204" pitchFamily="50" charset="-128"/>
               </a:rPr>
               <a:t>12.3 </a:t>
             </a:r>
             <a:r>
-              <a:rPr kumimoji="1" lang="ja-JP" altLang="en-US">
+              <a:rPr kumimoji="1" lang="ja-JP" altLang="en-US" sz="2400" dirty="0">
                 <a:latin typeface="メイリオ" panose="020B0604030504040204" pitchFamily="50" charset="-128"/>
                 <a:ea typeface="メイリオ" panose="020B0604030504040204" pitchFamily="50" charset="-128"/>
               </a:rPr>
               <a:t>統計的な意味解析処理</a:t>
             </a:r>
-            <a:endParaRPr kumimoji="1" lang="en-US" altLang="ja-JP">
+            <a:endParaRPr kumimoji="1" lang="en-US" altLang="ja-JP" sz="2400" dirty="0">
               <a:latin typeface="メイリオ" panose="020B0604030504040204" pitchFamily="50" charset="-128"/>
               <a:ea typeface="メイリオ" panose="020B0604030504040204" pitchFamily="50" charset="-128"/>
             </a:endParaRPr>
@@ -3771,20 +3589,20 @@
               <a:buNone/>
             </a:pPr>
             <a:r>
-              <a:rPr kumimoji="1" lang="en-US" altLang="ja-JP">
+              <a:rPr kumimoji="1" lang="en-US" altLang="ja-JP" sz="2400" dirty="0">
                 <a:latin typeface="メイリオ" panose="020B0604030504040204" pitchFamily="50" charset="-128"/>
                 <a:ea typeface="メイリオ" panose="020B0604030504040204" pitchFamily="50" charset="-128"/>
               </a:rPr>
               <a:t>12.4 </a:t>
             </a:r>
             <a:r>
-              <a:rPr kumimoji="1" lang="ja-JP" altLang="en-US">
+              <a:rPr kumimoji="1" lang="ja-JP" altLang="en-US" sz="2400" dirty="0">
                 <a:latin typeface="メイリオ" panose="020B0604030504040204" pitchFamily="50" charset="-128"/>
                 <a:ea typeface="メイリオ" panose="020B0604030504040204" pitchFamily="50" charset="-128"/>
               </a:rPr>
               <a:t>スマートフォンでの音声サービス</a:t>
             </a:r>
-            <a:endParaRPr kumimoji="1" lang="en-US" altLang="ja-JP">
+            <a:endParaRPr kumimoji="1" lang="en-US" altLang="ja-JP" sz="2400" dirty="0">
               <a:latin typeface="メイリオ" panose="020B0604030504040204" pitchFamily="50" charset="-128"/>
               <a:ea typeface="メイリオ" panose="020B0604030504040204" pitchFamily="50" charset="-128"/>
             </a:endParaRPr>
@@ -3794,28 +3612,19 @@
               <a:buNone/>
             </a:pPr>
             <a:r>
-              <a:rPr lang="ja-JP" altLang="en-US">
+              <a:rPr lang="ja-JP" altLang="en-US" sz="2400" dirty="0">
                 <a:latin typeface="メイリオ" panose="020B0604030504040204" pitchFamily="50" charset="-128"/>
                 <a:ea typeface="メイリオ" panose="020B0604030504040204" pitchFamily="50" charset="-128"/>
               </a:rPr>
               <a:t>ニューラルネットワークによる意味解析</a:t>
             </a:r>
-          </a:p>
-          <a:p>
-            <a:pPr marL="0" indent="0">
-              <a:buNone/>
-            </a:pPr>
-            <a:endParaRPr kumimoji="1" lang="ja-JP" altLang="en-US">
-              <a:latin typeface="メイリオ" panose="020B0604030504040204" pitchFamily="50" charset="-128"/>
-              <a:ea typeface="メイリオ" panose="020B0604030504040204" pitchFamily="50" charset="-128"/>
-            </a:endParaRPr>
           </a:p>
         </p:txBody>
       </p:sp>
     </p:spTree>
     <p:extLst>
       <p:ext uri="{BB962C8B-B14F-4D97-AF65-F5344CB8AC3E}">
-        <p14:creationId xmlns:p14="http://schemas.microsoft.com/office/powerpoint/2010/main" val="2140320194"/>
+        <p14:creationId xmlns:p14="http://schemas.microsoft.com/office/powerpoint/2010/main" val="144594472"/>
       </p:ext>
     </p:extLst>
   </p:cSld>
@@ -3860,7 +3669,7 @@
         </p:nvSpPr>
         <p:spPr>
           <a:xfrm>
-            <a:off x="628650" y="365127"/>
+            <a:off x="550621" y="364830"/>
             <a:ext cx="7886700" cy="841582"/>
           </a:xfrm>
         </p:spPr>
@@ -3871,7 +3680,7 @@
           <a:lstStyle/>
           <a:p>
             <a:r>
-              <a:rPr lang="en-US" altLang="ja-JP" sz="3200">
+              <a:rPr lang="en-US" altLang="ja-JP" sz="3200" dirty="0">
                 <a:solidFill>
                   <a:schemeClr val="accent1"/>
                 </a:solidFill>
@@ -3881,7 +3690,7 @@
               <a:t>12.4 </a:t>
             </a:r>
             <a:r>
-              <a:rPr lang="ja-JP" altLang="en-US" sz="3200">
+              <a:rPr lang="ja-JP" altLang="en-US" sz="3200" dirty="0">
                 <a:solidFill>
                   <a:schemeClr val="accent1"/>
                 </a:solidFill>
@@ -3890,13 +3699,6 @@
               </a:rPr>
               <a:t>スマートフォンでの音声サービス</a:t>
             </a:r>
-            <a:endParaRPr kumimoji="1" lang="ja-JP" altLang="en-US" sz="3200">
-              <a:solidFill>
-                <a:schemeClr val="accent1"/>
-              </a:solidFill>
-              <a:latin typeface="メイリオ" panose="020B0604030504040204" pitchFamily="50" charset="-128"/>
-              <a:ea typeface="メイリオ" panose="020B0604030504040204" pitchFamily="50" charset="-128"/>
-            </a:endParaRPr>
           </a:p>
         </p:txBody>
       </p:sp>
@@ -3918,8 +3720,8 @@
         </p:nvSpPr>
         <p:spPr>
           <a:xfrm>
-            <a:off x="422813" y="1206709"/>
-            <a:ext cx="8298374" cy="4898353"/>
+            <a:off x="848563" y="1206710"/>
+            <a:ext cx="10628986" cy="4898353"/>
           </a:xfrm>
         </p:spPr>
         <p:txBody>
@@ -3930,15 +3732,21 @@
               <a:lnSpc>
                 <a:spcPct val="100000"/>
               </a:lnSpc>
+              <a:spcBef>
+                <a:spcPts val="600"/>
+              </a:spcBef>
+              <a:spcAft>
+                <a:spcPts val="600"/>
+              </a:spcAft>
             </a:pPr>
             <a:r>
-              <a:rPr kumimoji="1" lang="ja-JP" altLang="en-US">
+              <a:rPr kumimoji="1" lang="ja-JP" altLang="en-US" dirty="0">
                 <a:latin typeface="メイリオ" panose="020B0604030504040204" pitchFamily="50" charset="-128"/>
                 <a:ea typeface="メイリオ" panose="020B0604030504040204" pitchFamily="50" charset="-128"/>
               </a:rPr>
               <a:t>「参照の揺れ」の問題</a:t>
             </a:r>
-            <a:endParaRPr kumimoji="1" lang="en-US" altLang="ja-JP">
+            <a:endParaRPr kumimoji="1" lang="en-US" altLang="ja-JP" dirty="0">
               <a:latin typeface="メイリオ" panose="020B0604030504040204" pitchFamily="50" charset="-128"/>
               <a:ea typeface="メイリオ" panose="020B0604030504040204" pitchFamily="50" charset="-128"/>
             </a:endParaRPr>
@@ -3948,15 +3756,21 @@
               <a:lnSpc>
                 <a:spcPct val="100000"/>
               </a:lnSpc>
+              <a:spcBef>
+                <a:spcPts val="600"/>
+              </a:spcBef>
+              <a:spcAft>
+                <a:spcPts val="600"/>
+              </a:spcAft>
             </a:pPr>
             <a:r>
-              <a:rPr kumimoji="1" lang="ja-JP" altLang="en-US">
+              <a:rPr kumimoji="1" lang="ja-JP" altLang="en-US" dirty="0">
                 <a:latin typeface="メイリオ" panose="020B0604030504040204" pitchFamily="50" charset="-128"/>
                 <a:ea typeface="メイリオ" panose="020B0604030504040204" pitchFamily="50" charset="-128"/>
               </a:rPr>
               <a:t>検索対象に対して、略語・通称など、正式名称以外で参照された場合でも対象を特定する必要がある</a:t>
             </a:r>
-            <a:endParaRPr kumimoji="1" lang="en-US" altLang="ja-JP">
+            <a:endParaRPr kumimoji="1" lang="en-US" altLang="ja-JP" dirty="0">
               <a:latin typeface="メイリオ" panose="020B0604030504040204" pitchFamily="50" charset="-128"/>
               <a:ea typeface="メイリオ" panose="020B0604030504040204" pitchFamily="50" charset="-128"/>
             </a:endParaRPr>
@@ -3966,9 +3780,15 @@
               <a:lnSpc>
                 <a:spcPct val="100000"/>
               </a:lnSpc>
+              <a:spcBef>
+                <a:spcPts val="600"/>
+              </a:spcBef>
+              <a:spcAft>
+                <a:spcPts val="600"/>
+              </a:spcAft>
             </a:pPr>
             <a:r>
-              <a:rPr kumimoji="1" lang="ja-JP" altLang="en-US">
+              <a:rPr kumimoji="1" lang="ja-JP" altLang="en-US" dirty="0">
                 <a:latin typeface="メイリオ" panose="020B0604030504040204" pitchFamily="50" charset="-128"/>
                 <a:ea typeface="メイリオ" panose="020B0604030504040204" pitchFamily="50" charset="-128"/>
               </a:rPr>
@@ -4025,7 +3845,7 @@
         </p:nvSpPr>
         <p:spPr>
           <a:xfrm>
-            <a:off x="628650" y="365127"/>
+            <a:off x="492099" y="377974"/>
             <a:ext cx="7886700" cy="841582"/>
           </a:xfrm>
         </p:spPr>
@@ -4036,7 +3856,7 @@
           <a:lstStyle/>
           <a:p>
             <a:r>
-              <a:rPr lang="ja-JP" altLang="en-US" sz="3200">
+              <a:rPr lang="ja-JP" altLang="en-US" sz="3200" dirty="0">
                 <a:solidFill>
                   <a:schemeClr val="accent1"/>
                 </a:solidFill>
@@ -4045,13 +3865,6 @@
               </a:rPr>
               <a:t>ニューラルネットワークによる意味解析</a:t>
             </a:r>
-            <a:endParaRPr kumimoji="1" lang="ja-JP" altLang="en-US" sz="3200">
-              <a:solidFill>
-                <a:schemeClr val="accent1"/>
-              </a:solidFill>
-              <a:latin typeface="メイリオ" panose="020B0604030504040204" pitchFamily="50" charset="-128"/>
-              <a:ea typeface="メイリオ" panose="020B0604030504040204" pitchFamily="50" charset="-128"/>
-            </a:endParaRPr>
           </a:p>
         </p:txBody>
       </p:sp>
@@ -4073,7 +3886,7 @@
         </p:nvSpPr>
         <p:spPr>
           <a:xfrm>
-            <a:off x="422813" y="1206709"/>
+            <a:off x="695914" y="1207989"/>
             <a:ext cx="8298374" cy="4898353"/>
           </a:xfrm>
         </p:spPr>
@@ -4087,33 +3900,47 @@
               </a:lnSpc>
             </a:pPr>
             <a:r>
-              <a:rPr kumimoji="1" lang="en-US" altLang="ja-JP">
+              <a:rPr kumimoji="1" lang="en-US" altLang="ja-JP" dirty="0">
                 <a:latin typeface="メイリオ" panose="020B0604030504040204" pitchFamily="50" charset="-128"/>
                 <a:ea typeface="メイリオ" panose="020B0604030504040204" pitchFamily="50" charset="-128"/>
               </a:rPr>
               <a:t>Encoder-Decoder</a:t>
             </a:r>
             <a:r>
-              <a:rPr kumimoji="1" lang="ja-JP" altLang="en-US">
+              <a:rPr kumimoji="1" lang="ja-JP" altLang="en-US" dirty="0">
                 <a:latin typeface="メイリオ" panose="020B0604030504040204" pitchFamily="50" charset="-128"/>
                 <a:ea typeface="メイリオ" panose="020B0604030504040204" pitchFamily="50" charset="-128"/>
               </a:rPr>
               <a:t>ネットワークによる系列変換</a:t>
             </a:r>
             <a:br>
-              <a:rPr kumimoji="1" lang="en-US" altLang="ja-JP">
+              <a:rPr kumimoji="1" lang="en-US" altLang="ja-JP" dirty="0">
                 <a:latin typeface="メイリオ" panose="020B0604030504040204" pitchFamily="50" charset="-128"/>
                 <a:ea typeface="メイリオ" panose="020B0604030504040204" pitchFamily="50" charset="-128"/>
               </a:rPr>
             </a:br>
             <a:r>
-              <a:rPr kumimoji="1" lang="en-US" altLang="ja-JP" sz="2000">
+              <a:rPr lang="en-US" altLang="ja-JP" sz="2000" dirty="0">
                 <a:latin typeface="メイリオ" panose="020B0604030504040204" pitchFamily="50" charset="-128"/>
                 <a:ea typeface="メイリオ" panose="020B0604030504040204" pitchFamily="50" charset="-128"/>
               </a:rPr>
-              <a:t>[Kurata+ 2016]</a:t>
-            </a:r>
-            <a:endParaRPr kumimoji="1" lang="ja-JP" altLang="en-US">
+              <a:t>[</a:t>
+            </a:r>
+            <a:r>
+              <a:rPr lang="en-US" altLang="ja-JP" sz="2000" dirty="0" err="1">
+                <a:latin typeface="メイリオ" panose="020B0604030504040204" pitchFamily="50" charset="-128"/>
+                <a:ea typeface="メイリオ" panose="020B0604030504040204" pitchFamily="50" charset="-128"/>
+              </a:rPr>
+              <a:t>Kurata</a:t>
+            </a:r>
+            <a:r>
+              <a:rPr lang="en-US" altLang="ja-JP" sz="2000" dirty="0">
+                <a:latin typeface="メイリオ" panose="020B0604030504040204" pitchFamily="50" charset="-128"/>
+                <a:ea typeface="メイリオ" panose="020B0604030504040204" pitchFamily="50" charset="-128"/>
+              </a:rPr>
+              <a:t>+ 2016]</a:t>
+            </a:r>
+            <a:endParaRPr kumimoji="1" lang="ja-JP" altLang="en-US" dirty="0">
               <a:latin typeface="メイリオ" panose="020B0604030504040204" pitchFamily="50" charset="-128"/>
               <a:ea typeface="メイリオ" panose="020B0604030504040204" pitchFamily="50" charset="-128"/>
             </a:endParaRPr>
@@ -4134,7 +3961,7 @@
         </p:nvSpPr>
         <p:spPr>
           <a:xfrm>
-            <a:off x="549428" y="4645828"/>
+            <a:off x="2073428" y="4645829"/>
             <a:ext cx="914400" cy="412229"/>
           </a:xfrm>
           <a:prstGeom prst="rect">
@@ -4164,14 +3991,14 @@
           <a:p>
             <a:pPr algn="ctr"/>
             <a:r>
-              <a:rPr kumimoji="1" lang="en-US" altLang="ja-JP">
+              <a:rPr lang="en-US" altLang="ja-JP">
                 <a:solidFill>
                   <a:schemeClr val="tx1"/>
                 </a:solidFill>
               </a:rPr>
               <a:t>Emb</a:t>
             </a:r>
-            <a:endParaRPr kumimoji="1" lang="ja-JP" altLang="en-US">
+            <a:endParaRPr lang="ja-JP" altLang="en-US">
               <a:solidFill>
                 <a:schemeClr val="tx1"/>
               </a:solidFill>
@@ -4193,7 +4020,7 @@
         </p:nvSpPr>
         <p:spPr>
           <a:xfrm>
-            <a:off x="549428" y="3468782"/>
+            <a:off x="2073428" y="3468783"/>
             <a:ext cx="914400" cy="412229"/>
           </a:xfrm>
           <a:prstGeom prst="rect">
@@ -4223,14 +4050,14 @@
           <a:p>
             <a:pPr algn="ctr"/>
             <a:r>
-              <a:rPr kumimoji="1" lang="en-US" altLang="ja-JP">
+              <a:rPr lang="en-US" altLang="ja-JP">
                 <a:solidFill>
                   <a:schemeClr val="tx1"/>
                 </a:solidFill>
               </a:rPr>
               <a:t>LSTM</a:t>
             </a:r>
-            <a:endParaRPr kumimoji="1" lang="ja-JP" altLang="en-US">
+            <a:endParaRPr lang="ja-JP" altLang="en-US">
               <a:solidFill>
                 <a:schemeClr val="tx1"/>
               </a:solidFill>
@@ -4256,7 +4083,7 @@
         </p:nvCxnSpPr>
         <p:spPr>
           <a:xfrm flipV="1">
-            <a:off x="1006628" y="3881011"/>
+            <a:off x="2530628" y="3881012"/>
             <a:ext cx="0" cy="764817"/>
           </a:xfrm>
           <a:prstGeom prst="straightConnector1">
@@ -4301,7 +4128,7 @@
         </p:nvCxnSpPr>
         <p:spPr>
           <a:xfrm flipV="1">
-            <a:off x="1006628" y="2907350"/>
+            <a:off x="2530628" y="2907350"/>
             <a:ext cx="0" cy="561432"/>
           </a:xfrm>
           <a:prstGeom prst="straightConnector1">
@@ -4345,7 +4172,7 @@
         </p:nvCxnSpPr>
         <p:spPr>
           <a:xfrm flipV="1">
-            <a:off x="1006628" y="5058057"/>
+            <a:off x="2530628" y="5058057"/>
             <a:ext cx="0" cy="561432"/>
           </a:xfrm>
           <a:prstGeom prst="straightConnector1">
@@ -4387,7 +4214,7 @@
         </p:nvSpPr>
         <p:spPr>
           <a:xfrm>
-            <a:off x="880632" y="5727452"/>
+            <a:off x="2404632" y="5727452"/>
             <a:ext cx="251992" cy="369332"/>
           </a:xfrm>
           <a:prstGeom prst="rect">
@@ -4402,10 +4229,10 @@
           <a:lstStyle/>
           <a:p>
             <a:r>
-              <a:rPr kumimoji="1" lang="en-US" altLang="ja-JP"/>
+              <a:rPr lang="en-US" altLang="ja-JP"/>
               <a:t>I</a:t>
             </a:r>
-            <a:endParaRPr kumimoji="1" lang="ja-JP" altLang="en-US"/>
+            <a:endParaRPr lang="ja-JP" altLang="en-US"/>
           </a:p>
         </p:txBody>
       </p:sp>
@@ -4423,7 +4250,7 @@
         </p:nvSpPr>
         <p:spPr>
           <a:xfrm>
-            <a:off x="834138" y="2525786"/>
+            <a:off x="2358138" y="2525786"/>
             <a:ext cx="352982" cy="369332"/>
           </a:xfrm>
           <a:prstGeom prst="rect">
@@ -4438,10 +4265,10 @@
           <a:lstStyle/>
           <a:p>
             <a:r>
-              <a:rPr kumimoji="1" lang="en-US" altLang="ja-JP"/>
+              <a:rPr lang="en-US" altLang="ja-JP"/>
               <a:t>O</a:t>
             </a:r>
-            <a:endParaRPr kumimoji="1" lang="ja-JP" altLang="en-US"/>
+            <a:endParaRPr lang="ja-JP" altLang="en-US"/>
           </a:p>
         </p:txBody>
       </p:sp>
@@ -4459,7 +4286,7 @@
         </p:nvSpPr>
         <p:spPr>
           <a:xfrm>
-            <a:off x="1877878" y="4640024"/>
+            <a:off x="3401878" y="4640025"/>
             <a:ext cx="914400" cy="412229"/>
           </a:xfrm>
           <a:prstGeom prst="rect">
@@ -4489,14 +4316,14 @@
           <a:p>
             <a:pPr algn="ctr"/>
             <a:r>
-              <a:rPr kumimoji="1" lang="en-US" altLang="ja-JP">
+              <a:rPr lang="en-US" altLang="ja-JP">
                 <a:solidFill>
                   <a:schemeClr val="tx1"/>
                 </a:solidFill>
               </a:rPr>
               <a:t>Emb</a:t>
             </a:r>
-            <a:endParaRPr kumimoji="1" lang="ja-JP" altLang="en-US">
+            <a:endParaRPr lang="ja-JP" altLang="en-US">
               <a:solidFill>
                 <a:schemeClr val="tx1"/>
               </a:solidFill>
@@ -4518,7 +4345,7 @@
         </p:nvSpPr>
         <p:spPr>
           <a:xfrm>
-            <a:off x="1876542" y="3462978"/>
+            <a:off x="3400542" y="3462979"/>
             <a:ext cx="915736" cy="412229"/>
           </a:xfrm>
           <a:prstGeom prst="rect">
@@ -4548,14 +4375,14 @@
           <a:p>
             <a:pPr algn="ctr"/>
             <a:r>
-              <a:rPr kumimoji="1" lang="en-US" altLang="ja-JP">
+              <a:rPr lang="en-US" altLang="ja-JP">
                 <a:solidFill>
                   <a:schemeClr val="tx1"/>
                 </a:solidFill>
               </a:rPr>
               <a:t>LSTM</a:t>
             </a:r>
-            <a:endParaRPr kumimoji="1" lang="ja-JP" altLang="en-US">
+            <a:endParaRPr lang="ja-JP" altLang="en-US">
               <a:solidFill>
                 <a:schemeClr val="tx1"/>
               </a:solidFill>
@@ -4581,7 +4408,7 @@
         </p:nvCxnSpPr>
         <p:spPr>
           <a:xfrm flipH="1" flipV="1">
-            <a:off x="2334410" y="3875207"/>
+            <a:off x="3858410" y="3875208"/>
             <a:ext cx="668" cy="764817"/>
           </a:xfrm>
           <a:prstGeom prst="straightConnector1">
@@ -4626,7 +4453,7 @@
         </p:nvCxnSpPr>
         <p:spPr>
           <a:xfrm flipV="1">
-            <a:off x="2334410" y="2901546"/>
+            <a:off x="3858410" y="2901546"/>
             <a:ext cx="668" cy="561432"/>
           </a:xfrm>
           <a:prstGeom prst="straightConnector1">
@@ -4670,7 +4497,7 @@
         </p:nvCxnSpPr>
         <p:spPr>
           <a:xfrm flipV="1">
-            <a:off x="2335078" y="5052253"/>
+            <a:off x="3859078" y="5052253"/>
             <a:ext cx="0" cy="561432"/>
           </a:xfrm>
           <a:prstGeom prst="straightConnector1">
@@ -4712,7 +4539,7 @@
         </p:nvSpPr>
         <p:spPr>
           <a:xfrm>
-            <a:off x="1952020" y="5721648"/>
+            <a:off x="3476020" y="5721648"/>
             <a:ext cx="708848" cy="369332"/>
           </a:xfrm>
           <a:prstGeom prst="rect">
@@ -4727,10 +4554,10 @@
           <a:lstStyle/>
           <a:p>
             <a:r>
-              <a:rPr kumimoji="1" lang="en-US" altLang="ja-JP"/>
+              <a:rPr lang="en-US" altLang="ja-JP"/>
               <a:t>need</a:t>
             </a:r>
-            <a:endParaRPr kumimoji="1" lang="ja-JP" altLang="en-US"/>
+            <a:endParaRPr lang="ja-JP" altLang="en-US"/>
           </a:p>
         </p:txBody>
       </p:sp>
@@ -4748,7 +4575,7 @@
         </p:nvSpPr>
         <p:spPr>
           <a:xfrm>
-            <a:off x="2162588" y="2519982"/>
+            <a:off x="3686588" y="2519982"/>
             <a:ext cx="352982" cy="369332"/>
           </a:xfrm>
           <a:prstGeom prst="rect">
@@ -4763,10 +4590,10 @@
           <a:lstStyle/>
           <a:p>
             <a:r>
-              <a:rPr kumimoji="1" lang="en-US" altLang="ja-JP"/>
+              <a:rPr lang="en-US" altLang="ja-JP"/>
               <a:t>O</a:t>
             </a:r>
-            <a:endParaRPr kumimoji="1" lang="ja-JP" altLang="en-US"/>
+            <a:endParaRPr lang="ja-JP" altLang="en-US"/>
           </a:p>
         </p:txBody>
       </p:sp>
@@ -4786,7 +4613,7 @@
         </p:nvCxnSpPr>
         <p:spPr>
           <a:xfrm flipV="1">
-            <a:off x="2790942" y="3692341"/>
+            <a:off x="4314942" y="3692341"/>
             <a:ext cx="412714" cy="5804"/>
           </a:xfrm>
           <a:prstGeom prst="straightConnector1">
@@ -4830,7 +4657,7 @@
         </p:nvCxnSpPr>
         <p:spPr>
           <a:xfrm flipV="1">
-            <a:off x="2790942" y="4869387"/>
+            <a:off x="4314942" y="4869387"/>
             <a:ext cx="414050" cy="5804"/>
           </a:xfrm>
           <a:prstGeom prst="straightConnector1">
@@ -4874,7 +4701,7 @@
         </p:nvCxnSpPr>
         <p:spPr>
           <a:xfrm flipV="1">
-            <a:off x="1440583" y="3689439"/>
+            <a:off x="2964583" y="3689439"/>
             <a:ext cx="412714" cy="5804"/>
           </a:xfrm>
           <a:prstGeom prst="straightConnector1">
@@ -4918,7 +4745,7 @@
         </p:nvCxnSpPr>
         <p:spPr>
           <a:xfrm flipV="1">
-            <a:off x="1440583" y="4866485"/>
+            <a:off x="2964583" y="4866485"/>
             <a:ext cx="414050" cy="5804"/>
           </a:xfrm>
           <a:prstGeom prst="straightConnector1">
@@ -4960,7 +4787,7 @@
         </p:nvSpPr>
         <p:spPr>
           <a:xfrm>
-            <a:off x="3204921" y="4640024"/>
+            <a:off x="4728921" y="4640025"/>
             <a:ext cx="914400" cy="412229"/>
           </a:xfrm>
           <a:prstGeom prst="rect">
@@ -4990,14 +4817,14 @@
           <a:p>
             <a:pPr algn="ctr"/>
             <a:r>
-              <a:rPr kumimoji="1" lang="en-US" altLang="ja-JP">
+              <a:rPr lang="en-US" altLang="ja-JP">
                 <a:solidFill>
                   <a:schemeClr val="tx1"/>
                 </a:solidFill>
               </a:rPr>
               <a:t>Emb</a:t>
             </a:r>
-            <a:endParaRPr kumimoji="1" lang="ja-JP" altLang="en-US">
+            <a:endParaRPr lang="ja-JP" altLang="en-US">
               <a:solidFill>
                 <a:schemeClr val="tx1"/>
               </a:solidFill>
@@ -5019,7 +4846,7 @@
         </p:nvSpPr>
         <p:spPr>
           <a:xfrm>
-            <a:off x="3204921" y="3462978"/>
+            <a:off x="4728921" y="3462979"/>
             <a:ext cx="914400" cy="412229"/>
           </a:xfrm>
           <a:prstGeom prst="rect">
@@ -5049,14 +4876,14 @@
           <a:p>
             <a:pPr algn="ctr"/>
             <a:r>
-              <a:rPr kumimoji="1" lang="en-US" altLang="ja-JP">
+              <a:rPr lang="en-US" altLang="ja-JP">
                 <a:solidFill>
                   <a:schemeClr val="tx1"/>
                 </a:solidFill>
               </a:rPr>
               <a:t>LSTM</a:t>
             </a:r>
-            <a:endParaRPr kumimoji="1" lang="ja-JP" altLang="en-US">
+            <a:endParaRPr lang="ja-JP" altLang="en-US">
               <a:solidFill>
                 <a:schemeClr val="tx1"/>
               </a:solidFill>
@@ -5082,7 +4909,7 @@
         </p:nvCxnSpPr>
         <p:spPr>
           <a:xfrm flipV="1">
-            <a:off x="3662121" y="3875207"/>
+            <a:off x="5186121" y="3875208"/>
             <a:ext cx="0" cy="764817"/>
           </a:xfrm>
           <a:prstGeom prst="straightConnector1">
@@ -5127,7 +4954,7 @@
         </p:nvCxnSpPr>
         <p:spPr>
           <a:xfrm flipV="1">
-            <a:off x="3662121" y="2901546"/>
+            <a:off x="5186121" y="2901546"/>
             <a:ext cx="0" cy="561432"/>
           </a:xfrm>
           <a:prstGeom prst="straightConnector1">
@@ -5171,7 +4998,7 @@
         </p:nvCxnSpPr>
         <p:spPr>
           <a:xfrm flipV="1">
-            <a:off x="3662121" y="5052253"/>
+            <a:off x="5186121" y="5052253"/>
             <a:ext cx="0" cy="561432"/>
           </a:xfrm>
           <a:prstGeom prst="straightConnector1">
@@ -5213,7 +5040,7 @@
         </p:nvSpPr>
         <p:spPr>
           <a:xfrm>
-            <a:off x="3536125" y="5721648"/>
+            <a:off x="5060125" y="5721648"/>
             <a:ext cx="312906" cy="369332"/>
           </a:xfrm>
           <a:prstGeom prst="rect">
@@ -5228,10 +5055,10 @@
           <a:lstStyle/>
           <a:p>
             <a:r>
-              <a:rPr kumimoji="1" lang="en-US" altLang="ja-JP"/>
+              <a:rPr lang="en-US" altLang="ja-JP"/>
               <a:t>a</a:t>
             </a:r>
-            <a:endParaRPr kumimoji="1" lang="ja-JP" altLang="en-US"/>
+            <a:endParaRPr lang="ja-JP" altLang="en-US"/>
           </a:p>
         </p:txBody>
       </p:sp>
@@ -5249,7 +5076,7 @@
         </p:nvSpPr>
         <p:spPr>
           <a:xfrm>
-            <a:off x="3489631" y="2519982"/>
+            <a:off x="5013631" y="2519982"/>
             <a:ext cx="352982" cy="369332"/>
           </a:xfrm>
           <a:prstGeom prst="rect">
@@ -5264,10 +5091,10 @@
           <a:lstStyle/>
           <a:p>
             <a:r>
-              <a:rPr kumimoji="1" lang="en-US" altLang="ja-JP"/>
+              <a:rPr lang="en-US" altLang="ja-JP"/>
               <a:t>O</a:t>
             </a:r>
-            <a:endParaRPr kumimoji="1" lang="ja-JP" altLang="en-US"/>
+            <a:endParaRPr lang="ja-JP" altLang="en-US"/>
           </a:p>
         </p:txBody>
       </p:sp>
@@ -5285,7 +5112,7 @@
         </p:nvSpPr>
         <p:spPr>
           <a:xfrm>
-            <a:off x="4533371" y="4634220"/>
+            <a:off x="6057371" y="4634221"/>
             <a:ext cx="914400" cy="412229"/>
           </a:xfrm>
           <a:prstGeom prst="rect">
@@ -5315,14 +5142,14 @@
           <a:p>
             <a:pPr algn="ctr"/>
             <a:r>
-              <a:rPr kumimoji="1" lang="en-US" altLang="ja-JP">
+              <a:rPr lang="en-US" altLang="ja-JP">
                 <a:solidFill>
                   <a:schemeClr val="tx1"/>
                 </a:solidFill>
               </a:rPr>
               <a:t>Emb</a:t>
             </a:r>
-            <a:endParaRPr kumimoji="1" lang="ja-JP" altLang="en-US">
+            <a:endParaRPr lang="ja-JP" altLang="en-US">
               <a:solidFill>
                 <a:schemeClr val="tx1"/>
               </a:solidFill>
@@ -5344,7 +5171,7 @@
         </p:nvSpPr>
         <p:spPr>
           <a:xfrm>
-            <a:off x="4532035" y="3457174"/>
+            <a:off x="6056035" y="3457175"/>
             <a:ext cx="915736" cy="412229"/>
           </a:xfrm>
           <a:prstGeom prst="rect">
@@ -5374,14 +5201,14 @@
           <a:p>
             <a:pPr algn="ctr"/>
             <a:r>
-              <a:rPr kumimoji="1" lang="en-US" altLang="ja-JP">
+              <a:rPr lang="en-US" altLang="ja-JP">
                 <a:solidFill>
                   <a:schemeClr val="tx1"/>
                 </a:solidFill>
               </a:rPr>
               <a:t>LSTM</a:t>
             </a:r>
-            <a:endParaRPr kumimoji="1" lang="ja-JP" altLang="en-US">
+            <a:endParaRPr lang="ja-JP" altLang="en-US">
               <a:solidFill>
                 <a:schemeClr val="tx1"/>
               </a:solidFill>
@@ -5407,7 +5234,7 @@
         </p:nvCxnSpPr>
         <p:spPr>
           <a:xfrm flipH="1" flipV="1">
-            <a:off x="4989903" y="3869403"/>
+            <a:off x="6513903" y="3869404"/>
             <a:ext cx="668" cy="764817"/>
           </a:xfrm>
           <a:prstGeom prst="straightConnector1">
@@ -5452,7 +5279,7 @@
         </p:nvCxnSpPr>
         <p:spPr>
           <a:xfrm flipV="1">
-            <a:off x="4989903" y="2895742"/>
+            <a:off x="6513903" y="2895742"/>
             <a:ext cx="668" cy="561432"/>
           </a:xfrm>
           <a:prstGeom prst="straightConnector1">
@@ -5496,7 +5323,7 @@
         </p:nvCxnSpPr>
         <p:spPr>
           <a:xfrm flipV="1">
-            <a:off x="4990571" y="5046449"/>
+            <a:off x="6514571" y="5046449"/>
             <a:ext cx="0" cy="561432"/>
           </a:xfrm>
           <a:prstGeom prst="straightConnector1">
@@ -5538,7 +5365,7 @@
         </p:nvSpPr>
         <p:spPr>
           <a:xfrm>
-            <a:off x="4639849" y="5715844"/>
+            <a:off x="6163850" y="5715844"/>
             <a:ext cx="777777" cy="369332"/>
           </a:xfrm>
           <a:prstGeom prst="rect">
@@ -5553,10 +5380,10 @@
           <a:lstStyle/>
           <a:p>
             <a:r>
-              <a:rPr kumimoji="1" lang="en-US" altLang="ja-JP"/>
+              <a:rPr lang="en-US" altLang="ja-JP"/>
               <a:t>ticket</a:t>
             </a:r>
-            <a:endParaRPr kumimoji="1" lang="ja-JP" altLang="en-US"/>
+            <a:endParaRPr lang="ja-JP" altLang="en-US"/>
           </a:p>
         </p:txBody>
       </p:sp>
@@ -5574,7 +5401,7 @@
         </p:nvSpPr>
         <p:spPr>
           <a:xfrm>
-            <a:off x="4818081" y="2514178"/>
+            <a:off x="6342081" y="2514178"/>
             <a:ext cx="352982" cy="369332"/>
           </a:xfrm>
           <a:prstGeom prst="rect">
@@ -5589,10 +5416,10 @@
           <a:lstStyle/>
           <a:p>
             <a:r>
-              <a:rPr kumimoji="1" lang="en-US" altLang="ja-JP"/>
+              <a:rPr lang="en-US" altLang="ja-JP"/>
               <a:t>O</a:t>
             </a:r>
-            <a:endParaRPr kumimoji="1" lang="ja-JP" altLang="en-US"/>
+            <a:endParaRPr lang="ja-JP" altLang="en-US"/>
           </a:p>
         </p:txBody>
       </p:sp>
@@ -5612,7 +5439,7 @@
         </p:nvCxnSpPr>
         <p:spPr>
           <a:xfrm flipV="1">
-            <a:off x="5446435" y="3686537"/>
+            <a:off x="6970435" y="3686537"/>
             <a:ext cx="412714" cy="5804"/>
           </a:xfrm>
           <a:prstGeom prst="straightConnector1">
@@ -5656,7 +5483,7 @@
         </p:nvCxnSpPr>
         <p:spPr>
           <a:xfrm flipV="1">
-            <a:off x="5446435" y="4863583"/>
+            <a:off x="6970435" y="4863583"/>
             <a:ext cx="414050" cy="5804"/>
           </a:xfrm>
           <a:prstGeom prst="straightConnector1">
@@ -5700,7 +5527,7 @@
         </p:nvCxnSpPr>
         <p:spPr>
           <a:xfrm flipV="1">
-            <a:off x="4096076" y="3683635"/>
+            <a:off x="5620076" y="3683635"/>
             <a:ext cx="412714" cy="5804"/>
           </a:xfrm>
           <a:prstGeom prst="straightConnector1">
@@ -5744,7 +5571,7 @@
         </p:nvCxnSpPr>
         <p:spPr>
           <a:xfrm flipV="1">
-            <a:off x="4096076" y="4860681"/>
+            <a:off x="5620076" y="4860681"/>
             <a:ext cx="414050" cy="5804"/>
           </a:xfrm>
           <a:prstGeom prst="straightConnector1">
@@ -5786,7 +5613,7 @@
         </p:nvSpPr>
         <p:spPr>
           <a:xfrm>
-            <a:off x="5865468" y="4663272"/>
+            <a:off x="7389468" y="4663273"/>
             <a:ext cx="914400" cy="412229"/>
           </a:xfrm>
           <a:prstGeom prst="rect">
@@ -5816,14 +5643,14 @@
           <a:p>
             <a:pPr algn="ctr"/>
             <a:r>
-              <a:rPr kumimoji="1" lang="en-US" altLang="ja-JP">
+              <a:rPr lang="en-US" altLang="ja-JP">
                 <a:solidFill>
                   <a:schemeClr val="tx1"/>
                 </a:solidFill>
               </a:rPr>
               <a:t>Emb</a:t>
             </a:r>
-            <a:endParaRPr kumimoji="1" lang="ja-JP" altLang="en-US">
+            <a:endParaRPr lang="ja-JP" altLang="en-US">
               <a:solidFill>
                 <a:schemeClr val="tx1"/>
               </a:solidFill>
@@ -5845,7 +5672,7 @@
         </p:nvSpPr>
         <p:spPr>
           <a:xfrm>
-            <a:off x="5865468" y="3486226"/>
+            <a:off x="7389468" y="3486227"/>
             <a:ext cx="914400" cy="412229"/>
           </a:xfrm>
           <a:prstGeom prst="rect">
@@ -5875,14 +5702,14 @@
           <a:p>
             <a:pPr algn="ctr"/>
             <a:r>
-              <a:rPr kumimoji="1" lang="en-US" altLang="ja-JP">
+              <a:rPr lang="en-US" altLang="ja-JP">
                 <a:solidFill>
                   <a:schemeClr val="tx1"/>
                 </a:solidFill>
               </a:rPr>
               <a:t>LSTM</a:t>
             </a:r>
-            <a:endParaRPr kumimoji="1" lang="ja-JP" altLang="en-US">
+            <a:endParaRPr lang="ja-JP" altLang="en-US">
               <a:solidFill>
                 <a:schemeClr val="tx1"/>
               </a:solidFill>
@@ -5908,7 +5735,7 @@
         </p:nvCxnSpPr>
         <p:spPr>
           <a:xfrm flipV="1">
-            <a:off x="6322668" y="3898455"/>
+            <a:off x="7846668" y="3898456"/>
             <a:ext cx="0" cy="764817"/>
           </a:xfrm>
           <a:prstGeom prst="straightConnector1">
@@ -5953,7 +5780,7 @@
         </p:nvCxnSpPr>
         <p:spPr>
           <a:xfrm flipV="1">
-            <a:off x="6322668" y="2924794"/>
+            <a:off x="7846668" y="2924794"/>
             <a:ext cx="0" cy="561432"/>
           </a:xfrm>
           <a:prstGeom prst="straightConnector1">
@@ -5997,7 +5824,7 @@
         </p:nvCxnSpPr>
         <p:spPr>
           <a:xfrm flipV="1">
-            <a:off x="6322668" y="5075501"/>
+            <a:off x="7846668" y="5075501"/>
             <a:ext cx="0" cy="561432"/>
           </a:xfrm>
           <a:prstGeom prst="straightConnector1">
@@ -6039,7 +5866,7 @@
         </p:nvSpPr>
         <p:spPr>
           <a:xfrm>
-            <a:off x="6196672" y="5744896"/>
+            <a:off x="7720672" y="5744896"/>
             <a:ext cx="396262" cy="369332"/>
           </a:xfrm>
           <a:prstGeom prst="rect">
@@ -6054,10 +5881,10 @@
           <a:lstStyle/>
           <a:p>
             <a:r>
-              <a:rPr kumimoji="1" lang="en-US" altLang="ja-JP"/>
+              <a:rPr lang="en-US" altLang="ja-JP"/>
               <a:t>to</a:t>
             </a:r>
-            <a:endParaRPr kumimoji="1" lang="ja-JP" altLang="en-US"/>
+            <a:endParaRPr lang="ja-JP" altLang="en-US"/>
           </a:p>
         </p:txBody>
       </p:sp>
@@ -6075,7 +5902,7 @@
         </p:nvSpPr>
         <p:spPr>
           <a:xfrm>
-            <a:off x="6150178" y="2543230"/>
+            <a:off x="7674178" y="2543230"/>
             <a:ext cx="352982" cy="369332"/>
           </a:xfrm>
           <a:prstGeom prst="rect">
@@ -6090,10 +5917,10 @@
           <a:lstStyle/>
           <a:p>
             <a:r>
-              <a:rPr kumimoji="1" lang="en-US" altLang="ja-JP"/>
+              <a:rPr lang="en-US" altLang="ja-JP"/>
               <a:t>O</a:t>
             </a:r>
-            <a:endParaRPr kumimoji="1" lang="ja-JP" altLang="en-US"/>
+            <a:endParaRPr lang="ja-JP" altLang="en-US"/>
           </a:p>
         </p:txBody>
       </p:sp>
@@ -6111,7 +5938,7 @@
         </p:nvSpPr>
         <p:spPr>
           <a:xfrm>
-            <a:off x="7193918" y="4657468"/>
+            <a:off x="8717918" y="4657469"/>
             <a:ext cx="914400" cy="412229"/>
           </a:xfrm>
           <a:prstGeom prst="rect">
@@ -6141,14 +5968,14 @@
           <a:p>
             <a:pPr algn="ctr"/>
             <a:r>
-              <a:rPr kumimoji="1" lang="en-US" altLang="ja-JP">
+              <a:rPr lang="en-US" altLang="ja-JP">
                 <a:solidFill>
                   <a:schemeClr val="tx1"/>
                 </a:solidFill>
               </a:rPr>
               <a:t>Emb</a:t>
             </a:r>
-            <a:endParaRPr kumimoji="1" lang="ja-JP" altLang="en-US">
+            <a:endParaRPr lang="ja-JP" altLang="en-US">
               <a:solidFill>
                 <a:schemeClr val="tx1"/>
               </a:solidFill>
@@ -6170,7 +5997,7 @@
         </p:nvSpPr>
         <p:spPr>
           <a:xfrm>
-            <a:off x="7192582" y="3480422"/>
+            <a:off x="8716582" y="3480423"/>
             <a:ext cx="915736" cy="412229"/>
           </a:xfrm>
           <a:prstGeom prst="rect">
@@ -6200,14 +6027,14 @@
           <a:p>
             <a:pPr algn="ctr"/>
             <a:r>
-              <a:rPr kumimoji="1" lang="en-US" altLang="ja-JP">
+              <a:rPr lang="en-US" altLang="ja-JP">
                 <a:solidFill>
                   <a:schemeClr val="tx1"/>
                 </a:solidFill>
               </a:rPr>
               <a:t>LSTM</a:t>
             </a:r>
-            <a:endParaRPr kumimoji="1" lang="ja-JP" altLang="en-US">
+            <a:endParaRPr lang="ja-JP" altLang="en-US">
               <a:solidFill>
                 <a:schemeClr val="tx1"/>
               </a:solidFill>
@@ -6233,7 +6060,7 @@
         </p:nvCxnSpPr>
         <p:spPr>
           <a:xfrm flipH="1" flipV="1">
-            <a:off x="7650450" y="3892651"/>
+            <a:off x="9174450" y="3892652"/>
             <a:ext cx="668" cy="764817"/>
           </a:xfrm>
           <a:prstGeom prst="straightConnector1">
@@ -6278,7 +6105,7 @@
         </p:nvCxnSpPr>
         <p:spPr>
           <a:xfrm flipV="1">
-            <a:off x="7650450" y="2918990"/>
+            <a:off x="9174450" y="2918990"/>
             <a:ext cx="668" cy="561432"/>
           </a:xfrm>
           <a:prstGeom prst="straightConnector1">
@@ -6322,7 +6149,7 @@
         </p:nvCxnSpPr>
         <p:spPr>
           <a:xfrm flipV="1">
-            <a:off x="7651118" y="5069697"/>
+            <a:off x="9175118" y="5069697"/>
             <a:ext cx="0" cy="561432"/>
           </a:xfrm>
           <a:prstGeom prst="straightConnector1">
@@ -6364,7 +6191,7 @@
         </p:nvSpPr>
         <p:spPr>
           <a:xfrm>
-            <a:off x="7129915" y="5739092"/>
+            <a:off x="8653916" y="5739092"/>
             <a:ext cx="938077" cy="369332"/>
           </a:xfrm>
           <a:prstGeom prst="rect">
@@ -6379,10 +6206,10 @@
           <a:lstStyle/>
           <a:p>
             <a:r>
-              <a:rPr kumimoji="1" lang="en-US" altLang="ja-JP"/>
+              <a:rPr lang="en-US" altLang="ja-JP"/>
               <a:t>Seattle</a:t>
             </a:r>
-            <a:endParaRPr kumimoji="1" lang="ja-JP" altLang="en-US"/>
+            <a:endParaRPr lang="ja-JP" altLang="en-US"/>
           </a:p>
         </p:txBody>
       </p:sp>
@@ -6400,7 +6227,7 @@
         </p:nvSpPr>
         <p:spPr>
           <a:xfrm>
-            <a:off x="7192582" y="2539468"/>
+            <a:off x="8716583" y="2539468"/>
             <a:ext cx="1067921" cy="369332"/>
           </a:xfrm>
           <a:prstGeom prst="rect">
@@ -6418,7 +6245,7 @@
               <a:rPr lang="en-US" altLang="ja-JP"/>
               <a:t>B-toCity</a:t>
             </a:r>
-            <a:endParaRPr kumimoji="1" lang="ja-JP" altLang="en-US"/>
+            <a:endParaRPr lang="ja-JP" altLang="en-US"/>
           </a:p>
         </p:txBody>
       </p:sp>
@@ -6438,7 +6265,7 @@
         </p:nvCxnSpPr>
         <p:spPr>
           <a:xfrm flipV="1">
-            <a:off x="6756623" y="3706883"/>
+            <a:off x="8280623" y="3706883"/>
             <a:ext cx="412714" cy="5804"/>
           </a:xfrm>
           <a:prstGeom prst="straightConnector1">
@@ -6482,7 +6309,7 @@
         </p:nvCxnSpPr>
         <p:spPr>
           <a:xfrm flipV="1">
-            <a:off x="6756623" y="4883929"/>
+            <a:off x="8280623" y="4883929"/>
             <a:ext cx="414050" cy="5804"/>
           </a:xfrm>
           <a:prstGeom prst="straightConnector1">
@@ -6558,7 +6385,7 @@
         </p:nvSpPr>
         <p:spPr>
           <a:xfrm>
-            <a:off x="628650" y="365127"/>
+            <a:off x="543306" y="387072"/>
             <a:ext cx="7886700" cy="841582"/>
           </a:xfrm>
         </p:spPr>
@@ -6569,7 +6396,7 @@
           <a:lstStyle/>
           <a:p>
             <a:r>
-              <a:rPr lang="en-US" altLang="ja-JP">
+              <a:rPr lang="en-US" altLang="ja-JP" dirty="0">
                 <a:solidFill>
                   <a:schemeClr val="accent1"/>
                 </a:solidFill>
@@ -6579,7 +6406,7 @@
               <a:t>12.1 </a:t>
             </a:r>
             <a:r>
-              <a:rPr lang="ja-JP" altLang="en-US">
+              <a:rPr lang="ja-JP" altLang="en-US" dirty="0">
                 <a:solidFill>
                   <a:schemeClr val="accent1"/>
                 </a:solidFill>
@@ -6588,7 +6415,7 @@
               </a:rPr>
               <a:t>意味表現とは</a:t>
             </a:r>
-            <a:endParaRPr kumimoji="1" lang="ja-JP" altLang="en-US">
+            <a:endParaRPr kumimoji="1" lang="ja-JP" altLang="en-US" dirty="0">
               <a:solidFill>
                 <a:schemeClr val="accent1"/>
               </a:solidFill>
@@ -6616,8 +6443,8 @@
         </p:nvSpPr>
         <p:spPr>
           <a:xfrm>
-            <a:off x="628650" y="1401580"/>
-            <a:ext cx="7886700" cy="4775383"/>
+            <a:off x="543306" y="1157607"/>
+            <a:ext cx="11105388" cy="4775383"/>
           </a:xfrm>
         </p:spPr>
         <p:txBody>
@@ -6628,15 +6455,21 @@
               <a:lnSpc>
                 <a:spcPct val="100000"/>
               </a:lnSpc>
+              <a:spcBef>
+                <a:spcPts val="600"/>
+              </a:spcBef>
+              <a:spcAft>
+                <a:spcPts val="600"/>
+              </a:spcAft>
             </a:pPr>
             <a:r>
-              <a:rPr kumimoji="1" lang="ja-JP" altLang="en-US">
+              <a:rPr kumimoji="1" lang="ja-JP" altLang="en-US" dirty="0">
                 <a:latin typeface="メイリオ" panose="020B0604030504040204" pitchFamily="50" charset="-128"/>
                 <a:ea typeface="メイリオ" panose="020B0604030504040204" pitchFamily="50" charset="-128"/>
               </a:rPr>
               <a:t>意味表現の必要性</a:t>
             </a:r>
-            <a:endParaRPr kumimoji="1" lang="en-US" altLang="ja-JP">
+            <a:endParaRPr kumimoji="1" lang="en-US" altLang="ja-JP" dirty="0">
               <a:latin typeface="メイリオ" panose="020B0604030504040204" pitchFamily="50" charset="-128"/>
               <a:ea typeface="メイリオ" panose="020B0604030504040204" pitchFamily="50" charset="-128"/>
             </a:endParaRPr>
@@ -6646,15 +6479,21 @@
               <a:lnSpc>
                 <a:spcPct val="100000"/>
               </a:lnSpc>
+              <a:spcBef>
+                <a:spcPts val="600"/>
+              </a:spcBef>
+              <a:spcAft>
+                <a:spcPts val="600"/>
+              </a:spcAft>
             </a:pPr>
             <a:r>
-              <a:rPr kumimoji="1" lang="ja-JP" altLang="en-US">
+              <a:rPr kumimoji="1" lang="ja-JP" altLang="en-US" dirty="0">
                 <a:latin typeface="メイリオ" panose="020B0604030504040204" pitchFamily="50" charset="-128"/>
                 <a:ea typeface="メイリオ" panose="020B0604030504040204" pitchFamily="50" charset="-128"/>
               </a:rPr>
               <a:t>音声対話システムが応答・動作するためには、入力音声を機械可読な表現に変換する必要がある</a:t>
             </a:r>
-            <a:endParaRPr kumimoji="1" lang="en-US" altLang="ja-JP">
+            <a:endParaRPr kumimoji="1" lang="en-US" altLang="ja-JP" dirty="0">
               <a:latin typeface="メイリオ" panose="020B0604030504040204" pitchFamily="50" charset="-128"/>
               <a:ea typeface="メイリオ" panose="020B0604030504040204" pitchFamily="50" charset="-128"/>
             </a:endParaRPr>
@@ -6664,15 +6503,21 @@
               <a:lnSpc>
                 <a:spcPct val="100000"/>
               </a:lnSpc>
+              <a:spcBef>
+                <a:spcPts val="600"/>
+              </a:spcBef>
+              <a:spcAft>
+                <a:spcPts val="600"/>
+              </a:spcAft>
             </a:pPr>
             <a:r>
-              <a:rPr kumimoji="1" lang="ja-JP" altLang="en-US">
+              <a:rPr kumimoji="1" lang="ja-JP" altLang="en-US" dirty="0">
                 <a:latin typeface="メイリオ" panose="020B0604030504040204" pitchFamily="50" charset="-128"/>
                 <a:ea typeface="メイリオ" panose="020B0604030504040204" pitchFamily="50" charset="-128"/>
               </a:rPr>
               <a:t>意味表現の構成</a:t>
             </a:r>
-            <a:endParaRPr kumimoji="1" lang="en-US" altLang="ja-JP">
+            <a:endParaRPr kumimoji="1" lang="en-US" altLang="ja-JP" dirty="0">
               <a:latin typeface="メイリオ" panose="020B0604030504040204" pitchFamily="50" charset="-128"/>
               <a:ea typeface="メイリオ" panose="020B0604030504040204" pitchFamily="50" charset="-128"/>
             </a:endParaRPr>
@@ -6682,15 +6527,21 @@
               <a:lnSpc>
                 <a:spcPct val="100000"/>
               </a:lnSpc>
+              <a:spcBef>
+                <a:spcPts val="600"/>
+              </a:spcBef>
+              <a:spcAft>
+                <a:spcPts val="600"/>
+              </a:spcAft>
             </a:pPr>
             <a:r>
-              <a:rPr kumimoji="1" lang="ja-JP" altLang="en-US">
+              <a:rPr kumimoji="1" lang="ja-JP" altLang="en-US" dirty="0">
                 <a:latin typeface="メイリオ" panose="020B0604030504040204" pitchFamily="50" charset="-128"/>
                 <a:ea typeface="メイリオ" panose="020B0604030504040204" pitchFamily="50" charset="-128"/>
               </a:rPr>
               <a:t>発話タイプ</a:t>
             </a:r>
-            <a:endParaRPr kumimoji="1" lang="en-US" altLang="ja-JP">
+            <a:endParaRPr kumimoji="1" lang="en-US" altLang="ja-JP" dirty="0">
               <a:latin typeface="メイリオ" panose="020B0604030504040204" pitchFamily="50" charset="-128"/>
               <a:ea typeface="メイリオ" panose="020B0604030504040204" pitchFamily="50" charset="-128"/>
             </a:endParaRPr>
@@ -6700,15 +6551,21 @@
               <a:lnSpc>
                 <a:spcPct val="100000"/>
               </a:lnSpc>
+              <a:spcBef>
+                <a:spcPts val="600"/>
+              </a:spcBef>
+              <a:spcAft>
+                <a:spcPts val="600"/>
+              </a:spcAft>
             </a:pPr>
             <a:r>
-              <a:rPr kumimoji="1" lang="ja-JP" altLang="en-US">
+              <a:rPr kumimoji="1" lang="ja-JP" altLang="en-US" dirty="0">
                 <a:latin typeface="メイリオ" panose="020B0604030504040204" pitchFamily="50" charset="-128"/>
                 <a:ea typeface="メイリオ" panose="020B0604030504040204" pitchFamily="50" charset="-128"/>
               </a:rPr>
               <a:t>ユーザの意図に対応</a:t>
             </a:r>
-            <a:endParaRPr kumimoji="1" lang="en-US" altLang="ja-JP">
+            <a:endParaRPr kumimoji="1" lang="en-US" altLang="ja-JP" dirty="0">
               <a:latin typeface="メイリオ" panose="020B0604030504040204" pitchFamily="50" charset="-128"/>
               <a:ea typeface="メイリオ" panose="020B0604030504040204" pitchFamily="50" charset="-128"/>
             </a:endParaRPr>
@@ -6718,28 +6575,34 @@
               <a:lnSpc>
                 <a:spcPct val="100000"/>
               </a:lnSpc>
+              <a:spcBef>
+                <a:spcPts val="600"/>
+              </a:spcBef>
+              <a:spcAft>
+                <a:spcPts val="600"/>
+              </a:spcAft>
             </a:pPr>
             <a:r>
-              <a:rPr kumimoji="1" lang="ja-JP" altLang="en-US">
+              <a:rPr kumimoji="1" lang="ja-JP" altLang="en-US" dirty="0">
                 <a:latin typeface="メイリオ" panose="020B0604030504040204" pitchFamily="50" charset="-128"/>
                 <a:ea typeface="メイリオ" panose="020B0604030504040204" pitchFamily="50" charset="-128"/>
               </a:rPr>
-              <a:t>マルチドメインシステムの場合は、</a:t>
+              <a:t>マルチドメインシステムの場合は、ドメインを</a:t>
             </a:r>
             <a:br>
-              <a:rPr kumimoji="1" lang="en-US" altLang="ja-JP">
+              <a:rPr kumimoji="1" lang="en-US" altLang="ja-JP" dirty="0">
                 <a:latin typeface="メイリオ" panose="020B0604030504040204" pitchFamily="50" charset="-128"/>
                 <a:ea typeface="メイリオ" panose="020B0604030504040204" pitchFamily="50" charset="-128"/>
               </a:rPr>
             </a:br>
             <a:r>
-              <a:rPr kumimoji="1" lang="ja-JP" altLang="en-US">
+              <a:rPr kumimoji="1" lang="ja-JP" altLang="en-US" dirty="0">
                 <a:latin typeface="メイリオ" panose="020B0604030504040204" pitchFamily="50" charset="-128"/>
                 <a:ea typeface="メイリオ" panose="020B0604030504040204" pitchFamily="50" charset="-128"/>
               </a:rPr>
-              <a:t>ドメインを特定する情報も含む</a:t>
-            </a:r>
-            <a:endParaRPr kumimoji="1" lang="en-US" altLang="ja-JP">
+              <a:t>特定する情報も含む</a:t>
+            </a:r>
+            <a:endParaRPr kumimoji="1" lang="en-US" altLang="ja-JP" dirty="0">
               <a:latin typeface="メイリオ" panose="020B0604030504040204" pitchFamily="50" charset="-128"/>
               <a:ea typeface="メイリオ" panose="020B0604030504040204" pitchFamily="50" charset="-128"/>
             </a:endParaRPr>
@@ -6749,15 +6612,21 @@
               <a:lnSpc>
                 <a:spcPct val="100000"/>
               </a:lnSpc>
+              <a:spcBef>
+                <a:spcPts val="600"/>
+              </a:spcBef>
+              <a:spcAft>
+                <a:spcPts val="600"/>
+              </a:spcAft>
             </a:pPr>
             <a:r>
-              <a:rPr kumimoji="1" lang="ja-JP" altLang="en-US">
+              <a:rPr kumimoji="1" lang="ja-JP" altLang="en-US" dirty="0">
                 <a:latin typeface="メイリオ" panose="020B0604030504040204" pitchFamily="50" charset="-128"/>
                 <a:ea typeface="メイリオ" panose="020B0604030504040204" pitchFamily="50" charset="-128"/>
               </a:rPr>
               <a:t>スロット情報</a:t>
             </a:r>
-            <a:endParaRPr kumimoji="1" lang="en-US" altLang="ja-JP">
+            <a:endParaRPr kumimoji="1" lang="en-US" altLang="ja-JP" dirty="0">
               <a:latin typeface="メイリオ" panose="020B0604030504040204" pitchFamily="50" charset="-128"/>
               <a:ea typeface="メイリオ" panose="020B0604030504040204" pitchFamily="50" charset="-128"/>
             </a:endParaRPr>
@@ -6767,26 +6636,19 @@
               <a:lnSpc>
                 <a:spcPct val="100000"/>
               </a:lnSpc>
+              <a:spcBef>
+                <a:spcPts val="600"/>
+              </a:spcBef>
+              <a:spcAft>
+                <a:spcPts val="600"/>
+              </a:spcAft>
             </a:pPr>
             <a:r>
-              <a:rPr kumimoji="1" lang="ja-JP" altLang="en-US">
+              <a:rPr kumimoji="1" lang="ja-JP" altLang="en-US" dirty="0">
                 <a:latin typeface="メイリオ" panose="020B0604030504040204" pitchFamily="50" charset="-128"/>
                 <a:ea typeface="メイリオ" panose="020B0604030504040204" pitchFamily="50" charset="-128"/>
               </a:rPr>
-              <a:t>発話タイプに応じてスロットの</a:t>
-            </a:r>
-            <a:br>
-              <a:rPr kumimoji="1" lang="en-US" altLang="ja-JP">
-                <a:latin typeface="メイリオ" panose="020B0604030504040204" pitchFamily="50" charset="-128"/>
-                <a:ea typeface="メイリオ" panose="020B0604030504040204" pitchFamily="50" charset="-128"/>
-              </a:rPr>
-            </a:br>
-            <a:r>
-              <a:rPr kumimoji="1" lang="ja-JP" altLang="en-US">
-                <a:latin typeface="メイリオ" panose="020B0604030504040204" pitchFamily="50" charset="-128"/>
-                <a:ea typeface="メイリオ" panose="020B0604030504040204" pitchFamily="50" charset="-128"/>
-              </a:rPr>
-              <a:t>組み合わせが決まる</a:t>
+              <a:t>発話タイプに応じてスロットの組み合わせが決まる</a:t>
             </a:r>
           </a:p>
         </p:txBody>
@@ -6805,7 +6667,7 @@
         </p:nvSpPr>
         <p:spPr>
           <a:xfrm>
-            <a:off x="5695627" y="3351571"/>
+            <a:off x="7892626" y="3308540"/>
             <a:ext cx="433953" cy="2413798"/>
           </a:xfrm>
           <a:prstGeom prst="rightBrace">
@@ -6835,7 +6697,7 @@
           <a:lstStyle/>
           <a:p>
             <a:pPr algn="ctr"/>
-            <a:endParaRPr kumimoji="1" lang="ja-JP" altLang="en-US"/>
+            <a:endParaRPr lang="ja-JP" altLang="en-US"/>
           </a:p>
         </p:txBody>
       </p:sp>
@@ -6853,7 +6715,7 @@
         </p:nvSpPr>
         <p:spPr>
           <a:xfrm>
-            <a:off x="6524787" y="3545299"/>
+            <a:off x="8458439" y="3480323"/>
             <a:ext cx="2216257" cy="2220070"/>
           </a:xfrm>
           <a:prstGeom prst="rect">
@@ -6888,7 +6750,7 @@
           <a:p>
             <a:pPr algn="ctr"/>
             <a:r>
-              <a:rPr kumimoji="1" lang="ja-JP" altLang="en-US" sz="1600">
+              <a:rPr lang="ja-JP" altLang="en-US" sz="1600" dirty="0">
                 <a:solidFill>
                   <a:schemeClr val="tx1"/>
                 </a:solidFill>
@@ -6896,14 +6758,14 @@
               <a:t>これらを合わせて</a:t>
             </a:r>
             <a:br>
-              <a:rPr kumimoji="1" lang="en-US" altLang="ja-JP" sz="1600">
+              <a:rPr lang="en-US" altLang="ja-JP" sz="1600" dirty="0">
                 <a:solidFill>
                   <a:schemeClr val="tx1"/>
                 </a:solidFill>
               </a:rPr>
             </a:br>
             <a:r>
-              <a:rPr kumimoji="1" lang="ja-JP" altLang="en-US" sz="1600" b="1">
+              <a:rPr lang="ja-JP" altLang="en-US" sz="1600" b="1" dirty="0">
                 <a:solidFill>
                   <a:schemeClr val="tx1"/>
                 </a:solidFill>
@@ -6911,14 +6773,14 @@
               <a:t>意味フレーム</a:t>
             </a:r>
             <a:r>
-              <a:rPr kumimoji="1" lang="ja-JP" altLang="en-US" sz="1600">
+              <a:rPr lang="ja-JP" altLang="en-US" sz="1600" dirty="0">
                 <a:solidFill>
                   <a:schemeClr val="tx1"/>
                 </a:solidFill>
               </a:rPr>
               <a:t>とよぶ</a:t>
             </a:r>
-            <a:endParaRPr kumimoji="1" lang="en-US" altLang="ja-JP" sz="1600">
+            <a:endParaRPr lang="en-US" altLang="ja-JP" sz="1600" dirty="0">
               <a:solidFill>
                 <a:schemeClr val="tx1"/>
               </a:solidFill>
@@ -6926,7 +6788,7 @@
           </a:p>
           <a:p>
             <a:pPr algn="ctr"/>
-            <a:endParaRPr lang="en-US" altLang="ja-JP" sz="1600">
+            <a:endParaRPr lang="en-US" altLang="ja-JP" sz="1600" dirty="0">
               <a:solidFill>
                 <a:schemeClr val="tx1"/>
               </a:solidFill>
@@ -6934,14 +6796,14 @@
           </a:p>
           <a:p>
             <a:r>
-              <a:rPr kumimoji="1" lang="ja-JP" altLang="en-US" sz="1600">
+              <a:rPr lang="ja-JP" altLang="en-US" sz="1600" dirty="0">
                 <a:solidFill>
                   <a:schemeClr val="tx1"/>
                 </a:solidFill>
               </a:rPr>
               <a:t>例）</a:t>
             </a:r>
-            <a:endParaRPr kumimoji="1" lang="en-US" altLang="ja-JP" sz="1600">
+            <a:endParaRPr lang="en-US" altLang="ja-JP" sz="1600" dirty="0">
               <a:solidFill>
                 <a:schemeClr val="tx1"/>
               </a:solidFill>
@@ -6949,114 +6811,134 @@
           </a:p>
           <a:p>
             <a:r>
-              <a:rPr lang="en-US" altLang="ja-JP" sz="1600">
+              <a:rPr lang="en-US" altLang="ja-JP" sz="1600" dirty="0">
                 <a:solidFill>
                   <a:schemeClr val="tx1"/>
                 </a:solidFill>
                 <a:latin typeface="Courier New" panose="02070309020205020404" pitchFamily="49" charset="0"/>
                 <a:cs typeface="Courier New" panose="02070309020205020404" pitchFamily="49" charset="0"/>
               </a:rPr>
-              <a:t>[ask_weather,</a:t>
-            </a:r>
-            <a:br>
-              <a:rPr lang="en-US" altLang="ja-JP" sz="1600">
+              <a:t>[</a:t>
+            </a:r>
+            <a:r>
+              <a:rPr lang="en-US" altLang="ja-JP" sz="1600" dirty="0" err="1">
                 <a:solidFill>
                   <a:schemeClr val="tx1"/>
                 </a:solidFill>
                 <a:latin typeface="Courier New" panose="02070309020205020404" pitchFamily="49" charset="0"/>
                 <a:cs typeface="Courier New" panose="02070309020205020404" pitchFamily="49" charset="0"/>
               </a:rPr>
-            </a:br>
-            <a:r>
-              <a:rPr lang="ja-JP" altLang="en-US" sz="1600">
+              <a:t>ask_weather</a:t>
+            </a:r>
+            <a:r>
+              <a:rPr lang="en-US" altLang="ja-JP" sz="1600" dirty="0">
                 <a:solidFill>
                   <a:schemeClr val="tx1"/>
                 </a:solidFill>
                 <a:latin typeface="Courier New" panose="02070309020205020404" pitchFamily="49" charset="0"/>
                 <a:cs typeface="Courier New" panose="02070309020205020404" pitchFamily="49" charset="0"/>
               </a:rPr>
-              <a:t>　</a:t>
-            </a:r>
-            <a:r>
-              <a:rPr lang="en-US" altLang="ja-JP" sz="1600">
+              <a:t>,</a:t>
+            </a:r>
+            <a:br>
+              <a:rPr lang="en-US" altLang="ja-JP" sz="1600" dirty="0">
                 <a:solidFill>
                   <a:schemeClr val="tx1"/>
                 </a:solidFill>
                 <a:latin typeface="Courier New" panose="02070309020205020404" pitchFamily="49" charset="0"/>
                 <a:cs typeface="Courier New" panose="02070309020205020404" pitchFamily="49" charset="0"/>
               </a:rPr>
-              <a:t>location =</a:t>
-            </a:r>
-            <a:r>
-              <a:rPr lang="ja-JP" altLang="en-US" sz="1600">
+            </a:br>
+            <a:r>
+              <a:rPr lang="ja-JP" altLang="en-US" sz="1600" dirty="0">
                 <a:solidFill>
                   <a:schemeClr val="tx1"/>
                 </a:solidFill>
                 <a:latin typeface="Courier New" panose="02070309020205020404" pitchFamily="49" charset="0"/>
                 <a:cs typeface="Courier New" panose="02070309020205020404" pitchFamily="49" charset="0"/>
               </a:rPr>
-              <a:t>京都</a:t>
-            </a:r>
-            <a:r>
-              <a:rPr lang="en-US" altLang="ja-JP" sz="1600">
+              <a:t>　</a:t>
+            </a:r>
+            <a:r>
+              <a:rPr lang="en-US" altLang="ja-JP" sz="1600" dirty="0">
                 <a:solidFill>
                   <a:schemeClr val="tx1"/>
                 </a:solidFill>
                 <a:latin typeface="Courier New" panose="02070309020205020404" pitchFamily="49" charset="0"/>
                 <a:cs typeface="Courier New" panose="02070309020205020404" pitchFamily="49" charset="0"/>
               </a:rPr>
-              <a:t>,</a:t>
-            </a:r>
-            <a:br>
-              <a:rPr lang="en-US" altLang="ja-JP" sz="1600">
+              <a:t>location =</a:t>
+            </a:r>
+            <a:r>
+              <a:rPr lang="ja-JP" altLang="en-US" sz="1600" dirty="0">
                 <a:solidFill>
                   <a:schemeClr val="tx1"/>
                 </a:solidFill>
                 <a:latin typeface="Courier New" panose="02070309020205020404" pitchFamily="49" charset="0"/>
                 <a:cs typeface="Courier New" panose="02070309020205020404" pitchFamily="49" charset="0"/>
               </a:rPr>
-            </a:br>
-            <a:r>
-              <a:rPr lang="ja-JP" altLang="en-US" sz="1600">
+              <a:t>京都</a:t>
+            </a:r>
+            <a:r>
+              <a:rPr lang="en-US" altLang="ja-JP" sz="1600" dirty="0">
                 <a:solidFill>
                   <a:schemeClr val="tx1"/>
                 </a:solidFill>
                 <a:latin typeface="Courier New" panose="02070309020205020404" pitchFamily="49" charset="0"/>
                 <a:cs typeface="Courier New" panose="02070309020205020404" pitchFamily="49" charset="0"/>
               </a:rPr>
-              <a:t>  </a:t>
-            </a:r>
-            <a:r>
-              <a:rPr lang="en-US" altLang="ja-JP" sz="1600">
+              <a:t>,</a:t>
+            </a:r>
+            <a:br>
+              <a:rPr lang="en-US" altLang="ja-JP" sz="1600" dirty="0">
                 <a:solidFill>
                   <a:schemeClr val="tx1"/>
                 </a:solidFill>
                 <a:latin typeface="Courier New" panose="02070309020205020404" pitchFamily="49" charset="0"/>
                 <a:cs typeface="Courier New" panose="02070309020205020404" pitchFamily="49" charset="0"/>
               </a:rPr>
-              <a:t>day = </a:t>
-            </a:r>
-            <a:r>
-              <a:rPr lang="ja-JP" altLang="en-US" sz="1600">
+            </a:br>
+            <a:r>
+              <a:rPr lang="ja-JP" altLang="en-US" sz="1600" dirty="0">
                 <a:solidFill>
                   <a:schemeClr val="tx1"/>
                 </a:solidFill>
                 <a:latin typeface="Courier New" panose="02070309020205020404" pitchFamily="49" charset="0"/>
                 <a:cs typeface="Courier New" panose="02070309020205020404" pitchFamily="49" charset="0"/>
               </a:rPr>
-              <a:t>明日</a:t>
-            </a:r>
-            <a:r>
-              <a:rPr lang="en-US" altLang="ja-JP" sz="1600">
+              <a:t>  </a:t>
+            </a:r>
+            <a:r>
+              <a:rPr lang="en-US" altLang="ja-JP" sz="1600" dirty="0">
                 <a:solidFill>
                   <a:schemeClr val="tx1"/>
                 </a:solidFill>
                 <a:latin typeface="Courier New" panose="02070309020205020404" pitchFamily="49" charset="0"/>
                 <a:cs typeface="Courier New" panose="02070309020205020404" pitchFamily="49" charset="0"/>
               </a:rPr>
+              <a:t>day = </a:t>
+            </a:r>
+            <a:r>
+              <a:rPr lang="ja-JP" altLang="en-US" sz="1600" dirty="0">
+                <a:solidFill>
+                  <a:schemeClr val="tx1"/>
+                </a:solidFill>
+                <a:latin typeface="Courier New" panose="02070309020205020404" pitchFamily="49" charset="0"/>
+                <a:cs typeface="Courier New" panose="02070309020205020404" pitchFamily="49" charset="0"/>
+              </a:rPr>
+              <a:t>明日</a:t>
+            </a:r>
+            <a:r>
+              <a:rPr lang="en-US" altLang="ja-JP" sz="1600" dirty="0">
+                <a:solidFill>
+                  <a:schemeClr val="tx1"/>
+                </a:solidFill>
+                <a:latin typeface="Courier New" panose="02070309020205020404" pitchFamily="49" charset="0"/>
+                <a:cs typeface="Courier New" panose="02070309020205020404" pitchFamily="49" charset="0"/>
+              </a:rPr>
               <a:t>]</a:t>
             </a:r>
-            <a:endParaRPr lang="ja-JP" altLang="en-US" sz="1600">
+            <a:endParaRPr lang="ja-JP" altLang="en-US" sz="1600" dirty="0">
               <a:solidFill>
                 <a:schemeClr val="tx1"/>
               </a:solidFill>
@@ -7096,120 +6978,6 @@
           <a:chExt cx="0" cy="0"/>
         </a:xfrm>
       </p:grpSpPr>
-      <p:sp>
-        <p:nvSpPr>
-          <p:cNvPr id="2" name="タイトル 1">
-            <a:extLst>
-              <a:ext uri="{FF2B5EF4-FFF2-40B4-BE49-F238E27FC236}">
-                <a16:creationId xmlns:a16="http://schemas.microsoft.com/office/drawing/2014/main" id="{22E966FF-634D-4DFF-94BD-0B712CA10377}"/>
-              </a:ext>
-            </a:extLst>
-          </p:cNvPr>
-          <p:cNvSpPr>
-            <a:spLocks noGrp="1"/>
-          </p:cNvSpPr>
-          <p:nvPr>
-            <p:ph type="title"/>
-          </p:nvPr>
-        </p:nvSpPr>
-        <p:spPr>
-          <a:xfrm>
-            <a:off x="628650" y="365127"/>
-            <a:ext cx="7886700" cy="841582"/>
-          </a:xfrm>
-        </p:spPr>
-        <p:txBody>
-          <a:bodyPr>
-            <a:normAutofit/>
-          </a:bodyPr>
-          <a:lstStyle/>
-          <a:p>
-            <a:r>
-              <a:rPr lang="en-US" altLang="ja-JP">
-                <a:solidFill>
-                  <a:schemeClr val="accent1"/>
-                </a:solidFill>
-                <a:latin typeface="メイリオ" panose="020B0604030504040204" pitchFamily="50" charset="-128"/>
-                <a:ea typeface="メイリオ" panose="020B0604030504040204" pitchFamily="50" charset="-128"/>
-              </a:rPr>
-              <a:t>12.1 </a:t>
-            </a:r>
-            <a:r>
-              <a:rPr lang="ja-JP" altLang="en-US">
-                <a:solidFill>
-                  <a:schemeClr val="accent1"/>
-                </a:solidFill>
-                <a:latin typeface="メイリオ" panose="020B0604030504040204" pitchFamily="50" charset="-128"/>
-                <a:ea typeface="メイリオ" panose="020B0604030504040204" pitchFamily="50" charset="-128"/>
-              </a:rPr>
-              <a:t>意味表現とは</a:t>
-            </a:r>
-            <a:endParaRPr kumimoji="1" lang="ja-JP" altLang="en-US">
-              <a:solidFill>
-                <a:schemeClr val="accent1"/>
-              </a:solidFill>
-              <a:latin typeface="メイリオ" panose="020B0604030504040204" pitchFamily="50" charset="-128"/>
-              <a:ea typeface="メイリオ" panose="020B0604030504040204" pitchFamily="50" charset="-128"/>
-            </a:endParaRPr>
-          </a:p>
-        </p:txBody>
-      </p:sp>
-      <p:sp>
-        <p:nvSpPr>
-          <p:cNvPr id="3" name="コンテンツ プレースホルダー 2">
-            <a:extLst>
-              <a:ext uri="{FF2B5EF4-FFF2-40B4-BE49-F238E27FC236}">
-                <a16:creationId xmlns:a16="http://schemas.microsoft.com/office/drawing/2014/main" id="{1E36A363-8C0B-46FD-A8B2-A61640A53290}"/>
-              </a:ext>
-            </a:extLst>
-          </p:cNvPr>
-          <p:cNvSpPr>
-            <a:spLocks noGrp="1"/>
-          </p:cNvSpPr>
-          <p:nvPr>
-            <p:ph idx="1"/>
-          </p:nvPr>
-        </p:nvSpPr>
-        <p:spPr>
-          <a:xfrm>
-            <a:off x="555384" y="1131376"/>
-            <a:ext cx="7886700" cy="4898353"/>
-          </a:xfrm>
-        </p:spPr>
-        <p:txBody>
-          <a:bodyPr/>
-          <a:lstStyle/>
-          <a:p>
-            <a:pPr>
-              <a:lnSpc>
-                <a:spcPct val="100000"/>
-              </a:lnSpc>
-            </a:pPr>
-            <a:r>
-              <a:rPr kumimoji="1" lang="ja-JP" altLang="en-US">
-                <a:latin typeface="メイリオ" panose="020B0604030504040204" pitchFamily="50" charset="-128"/>
-                <a:ea typeface="メイリオ" panose="020B0604030504040204" pitchFamily="50" charset="-128"/>
-              </a:rPr>
-              <a:t>検索言語による意味表現と検索実行</a:t>
-            </a:r>
-            <a:endParaRPr kumimoji="1" lang="en-US" altLang="ja-JP">
-              <a:latin typeface="メイリオ" panose="020B0604030504040204" pitchFamily="50" charset="-128"/>
-              <a:ea typeface="メイリオ" panose="020B0604030504040204" pitchFamily="50" charset="-128"/>
-            </a:endParaRPr>
-          </a:p>
-          <a:p>
-            <a:pPr lvl="1">
-              <a:lnSpc>
-                <a:spcPct val="100000"/>
-              </a:lnSpc>
-            </a:pPr>
-            <a:endParaRPr kumimoji="1" lang="ja-JP" altLang="en-US">
-              <a:latin typeface="メイリオ" panose="020B0604030504040204" pitchFamily="50" charset="-128"/>
-              <a:ea typeface="メイリオ" panose="020B0604030504040204" pitchFamily="50" charset="-128"/>
-            </a:endParaRPr>
-          </a:p>
-        </p:txBody>
-      </p:sp>
       <p:pic>
         <p:nvPicPr>
           <p:cNvPr id="7" name="図 6">
@@ -7238,7 +7006,7 @@
         </p:blipFill>
         <p:spPr>
           <a:xfrm>
-            <a:off x="1926942" y="1655644"/>
+            <a:off x="3088305" y="1520295"/>
             <a:ext cx="5210027" cy="5084485"/>
           </a:xfrm>
           <a:prstGeom prst="rect">
@@ -7246,6 +7014,120 @@
           </a:prstGeom>
         </p:spPr>
       </p:pic>
+      <p:sp>
+        <p:nvSpPr>
+          <p:cNvPr id="2" name="タイトル 1">
+            <a:extLst>
+              <a:ext uri="{FF2B5EF4-FFF2-40B4-BE49-F238E27FC236}">
+                <a16:creationId xmlns:a16="http://schemas.microsoft.com/office/drawing/2014/main" id="{22E966FF-634D-4DFF-94BD-0B712CA10377}"/>
+              </a:ext>
+            </a:extLst>
+          </p:cNvPr>
+          <p:cNvSpPr>
+            <a:spLocks noGrp="1"/>
+          </p:cNvSpPr>
+          <p:nvPr>
+            <p:ph type="title"/>
+          </p:nvPr>
+        </p:nvSpPr>
+        <p:spPr>
+          <a:xfrm>
+            <a:off x="411632" y="289795"/>
+            <a:ext cx="7886700" cy="841582"/>
+          </a:xfrm>
+        </p:spPr>
+        <p:txBody>
+          <a:bodyPr>
+            <a:normAutofit/>
+          </a:bodyPr>
+          <a:lstStyle/>
+          <a:p>
+            <a:r>
+              <a:rPr lang="en-US" altLang="ja-JP" dirty="0">
+                <a:solidFill>
+                  <a:schemeClr val="accent1"/>
+                </a:solidFill>
+                <a:latin typeface="メイリオ" panose="020B0604030504040204" pitchFamily="50" charset="-128"/>
+                <a:ea typeface="メイリオ" panose="020B0604030504040204" pitchFamily="50" charset="-128"/>
+              </a:rPr>
+              <a:t>12.1 </a:t>
+            </a:r>
+            <a:r>
+              <a:rPr lang="ja-JP" altLang="en-US" dirty="0">
+                <a:solidFill>
+                  <a:schemeClr val="accent1"/>
+                </a:solidFill>
+                <a:latin typeface="メイリオ" panose="020B0604030504040204" pitchFamily="50" charset="-128"/>
+                <a:ea typeface="メイリオ" panose="020B0604030504040204" pitchFamily="50" charset="-128"/>
+              </a:rPr>
+              <a:t>意味表現とは</a:t>
+            </a:r>
+            <a:endParaRPr kumimoji="1" lang="ja-JP" altLang="en-US" dirty="0">
+              <a:solidFill>
+                <a:schemeClr val="accent1"/>
+              </a:solidFill>
+              <a:latin typeface="メイリオ" panose="020B0604030504040204" pitchFamily="50" charset="-128"/>
+              <a:ea typeface="メイリオ" panose="020B0604030504040204" pitchFamily="50" charset="-128"/>
+            </a:endParaRPr>
+          </a:p>
+        </p:txBody>
+      </p:sp>
+      <p:sp>
+        <p:nvSpPr>
+          <p:cNvPr id="3" name="コンテンツ プレースホルダー 2">
+            <a:extLst>
+              <a:ext uri="{FF2B5EF4-FFF2-40B4-BE49-F238E27FC236}">
+                <a16:creationId xmlns:a16="http://schemas.microsoft.com/office/drawing/2014/main" id="{1E36A363-8C0B-46FD-A8B2-A61640A53290}"/>
+              </a:ext>
+            </a:extLst>
+          </p:cNvPr>
+          <p:cNvSpPr>
+            <a:spLocks noGrp="1"/>
+          </p:cNvSpPr>
+          <p:nvPr>
+            <p:ph idx="1"/>
+          </p:nvPr>
+        </p:nvSpPr>
+        <p:spPr>
+          <a:xfrm>
+            <a:off x="774270" y="1131377"/>
+            <a:ext cx="7886700" cy="4898353"/>
+          </a:xfrm>
+        </p:spPr>
+        <p:txBody>
+          <a:bodyPr/>
+          <a:lstStyle/>
+          <a:p>
+            <a:pPr>
+              <a:lnSpc>
+                <a:spcPct val="100000"/>
+              </a:lnSpc>
+            </a:pPr>
+            <a:r>
+              <a:rPr kumimoji="1" lang="ja-JP" altLang="en-US" dirty="0">
+                <a:latin typeface="メイリオ" panose="020B0604030504040204" pitchFamily="50" charset="-128"/>
+                <a:ea typeface="メイリオ" panose="020B0604030504040204" pitchFamily="50" charset="-128"/>
+              </a:rPr>
+              <a:t>検索言語による意味表現と検索実行</a:t>
+            </a:r>
+            <a:endParaRPr kumimoji="1" lang="en-US" altLang="ja-JP" dirty="0">
+              <a:latin typeface="メイリオ" panose="020B0604030504040204" pitchFamily="50" charset="-128"/>
+              <a:ea typeface="メイリオ" panose="020B0604030504040204" pitchFamily="50" charset="-128"/>
+            </a:endParaRPr>
+          </a:p>
+          <a:p>
+            <a:pPr lvl="1">
+              <a:lnSpc>
+                <a:spcPct val="100000"/>
+              </a:lnSpc>
+            </a:pPr>
+            <a:endParaRPr kumimoji="1" lang="ja-JP" altLang="en-US" dirty="0">
+              <a:latin typeface="メイリオ" panose="020B0604030504040204" pitchFamily="50" charset="-128"/>
+              <a:ea typeface="メイリオ" panose="020B0604030504040204" pitchFamily="50" charset="-128"/>
+            </a:endParaRPr>
+          </a:p>
+        </p:txBody>
+      </p:sp>
     </p:spTree>
     <p:extLst>
       <p:ext uri="{BB962C8B-B14F-4D97-AF65-F5344CB8AC3E}">
@@ -7294,7 +7176,7 @@
         </p:nvSpPr>
         <p:spPr>
           <a:xfrm>
-            <a:off x="628650" y="365127"/>
+            <a:off x="528676" y="332146"/>
             <a:ext cx="7886700" cy="841582"/>
           </a:xfrm>
         </p:spPr>
@@ -7305,7 +7187,7 @@
           <a:lstStyle/>
           <a:p>
             <a:r>
-              <a:rPr lang="en-US" altLang="ja-JP">
+              <a:rPr lang="en-US" altLang="ja-JP" dirty="0">
                 <a:solidFill>
                   <a:schemeClr val="accent1"/>
                 </a:solidFill>
@@ -7315,7 +7197,7 @@
               <a:t>12.2 </a:t>
             </a:r>
             <a:r>
-              <a:rPr lang="ja-JP" altLang="en-US">
+              <a:rPr lang="ja-JP" altLang="en-US" dirty="0">
                 <a:solidFill>
                   <a:schemeClr val="accent1"/>
                 </a:solidFill>
@@ -7324,7 +7206,7 @@
               </a:rPr>
               <a:t>規則による意味解析処理</a:t>
             </a:r>
-            <a:endParaRPr kumimoji="1" lang="ja-JP" altLang="en-US">
+            <a:endParaRPr kumimoji="1" lang="ja-JP" altLang="en-US" dirty="0">
               <a:solidFill>
                 <a:schemeClr val="accent1"/>
               </a:solidFill>
@@ -7352,8 +7234,8 @@
         </p:nvSpPr>
         <p:spPr>
           <a:xfrm>
-            <a:off x="465433" y="1206709"/>
-            <a:ext cx="8213133" cy="4898353"/>
+            <a:off x="775412" y="1206710"/>
+            <a:ext cx="10548518" cy="4898353"/>
           </a:xfrm>
         </p:spPr>
         <p:txBody>
@@ -7364,15 +7246,21 @@
               <a:lnSpc>
                 <a:spcPct val="100000"/>
               </a:lnSpc>
+              <a:spcBef>
+                <a:spcPts val="600"/>
+              </a:spcBef>
+              <a:spcAft>
+                <a:spcPts val="600"/>
+              </a:spcAft>
             </a:pPr>
             <a:r>
-              <a:rPr kumimoji="1" lang="ja-JP" altLang="en-US">
+              <a:rPr kumimoji="1" lang="ja-JP" altLang="en-US" dirty="0">
                 <a:latin typeface="メイリオ" panose="020B0604030504040204" pitchFamily="50" charset="-128"/>
                 <a:ea typeface="メイリオ" panose="020B0604030504040204" pitchFamily="50" charset="-128"/>
               </a:rPr>
               <a:t>規則による意味解析の適用範囲</a:t>
             </a:r>
-            <a:endParaRPr kumimoji="1" lang="en-US" altLang="ja-JP">
+            <a:endParaRPr kumimoji="1" lang="en-US" altLang="ja-JP" dirty="0">
               <a:latin typeface="メイリオ" panose="020B0604030504040204" pitchFamily="50" charset="-128"/>
               <a:ea typeface="メイリオ" panose="020B0604030504040204" pitchFamily="50" charset="-128"/>
             </a:endParaRPr>
@@ -7382,15 +7270,21 @@
               <a:lnSpc>
                 <a:spcPct val="100000"/>
               </a:lnSpc>
+              <a:spcBef>
+                <a:spcPts val="600"/>
+              </a:spcBef>
+              <a:spcAft>
+                <a:spcPts val="600"/>
+              </a:spcAft>
             </a:pPr>
             <a:r>
-              <a:rPr kumimoji="1" lang="ja-JP" altLang="en-US">
+              <a:rPr kumimoji="1" lang="ja-JP" altLang="en-US" dirty="0">
                 <a:latin typeface="メイリオ" panose="020B0604030504040204" pitchFamily="50" charset="-128"/>
                 <a:ea typeface="メイリオ" panose="020B0604030504040204" pitchFamily="50" charset="-128"/>
               </a:rPr>
               <a:t>小語彙の音声対話システム</a:t>
             </a:r>
-            <a:endParaRPr kumimoji="1" lang="en-US" altLang="ja-JP">
+            <a:endParaRPr kumimoji="1" lang="en-US" altLang="ja-JP" dirty="0">
               <a:latin typeface="メイリオ" panose="020B0604030504040204" pitchFamily="50" charset="-128"/>
               <a:ea typeface="メイリオ" panose="020B0604030504040204" pitchFamily="50" charset="-128"/>
             </a:endParaRPr>
@@ -7400,15 +7294,21 @@
               <a:lnSpc>
                 <a:spcPct val="100000"/>
               </a:lnSpc>
+              <a:spcBef>
+                <a:spcPts val="600"/>
+              </a:spcBef>
+              <a:spcAft>
+                <a:spcPts val="600"/>
+              </a:spcAft>
             </a:pPr>
             <a:r>
-              <a:rPr kumimoji="1" lang="ja-JP" altLang="en-US">
+              <a:rPr kumimoji="1" lang="ja-JP" altLang="en-US" dirty="0">
                 <a:latin typeface="メイリオ" panose="020B0604030504040204" pitchFamily="50" charset="-128"/>
                 <a:ea typeface="メイリオ" panose="020B0604030504040204" pitchFamily="50" charset="-128"/>
               </a:rPr>
               <a:t>ユーザの入力発話が比較的定型的である場合</a:t>
             </a:r>
-            <a:endParaRPr kumimoji="1" lang="en-US" altLang="ja-JP">
+            <a:endParaRPr kumimoji="1" lang="en-US" altLang="ja-JP" dirty="0">
               <a:latin typeface="メイリオ" panose="020B0604030504040204" pitchFamily="50" charset="-128"/>
               <a:ea typeface="メイリオ" panose="020B0604030504040204" pitchFamily="50" charset="-128"/>
             </a:endParaRPr>
@@ -7418,15 +7318,21 @@
               <a:lnSpc>
                 <a:spcPct val="100000"/>
               </a:lnSpc>
+              <a:spcBef>
+                <a:spcPts val="600"/>
+              </a:spcBef>
+              <a:spcAft>
+                <a:spcPts val="600"/>
+              </a:spcAft>
             </a:pPr>
             <a:r>
-              <a:rPr kumimoji="1" lang="ja-JP" altLang="en-US">
+              <a:rPr kumimoji="1" lang="ja-JP" altLang="en-US" dirty="0">
                 <a:latin typeface="メイリオ" panose="020B0604030504040204" pitchFamily="50" charset="-128"/>
                 <a:ea typeface="メイリオ" panose="020B0604030504040204" pitchFamily="50" charset="-128"/>
               </a:rPr>
               <a:t>文法規則への意味表現生成規則の組み込み</a:t>
             </a:r>
-            <a:endParaRPr kumimoji="1" lang="en-US" altLang="ja-JP">
+            <a:endParaRPr kumimoji="1" lang="en-US" altLang="ja-JP" dirty="0">
               <a:latin typeface="メイリオ" panose="020B0604030504040204" pitchFamily="50" charset="-128"/>
               <a:ea typeface="メイリオ" panose="020B0604030504040204" pitchFamily="50" charset="-128"/>
             </a:endParaRPr>
@@ -7436,175 +7342,195 @@
               <a:lnSpc>
                 <a:spcPts val="3200"/>
               </a:lnSpc>
+              <a:spcBef>
+                <a:spcPts val="600"/>
+              </a:spcBef>
+              <a:spcAft>
+                <a:spcPts val="600"/>
+              </a:spcAft>
             </a:pPr>
             <a:r>
-              <a:rPr kumimoji="1" lang="ja-JP" altLang="en-US">
+              <a:rPr kumimoji="1" lang="ja-JP" altLang="en-US" dirty="0">
                 <a:latin typeface="メイリオ" panose="020B0604030504040204" pitchFamily="50" charset="-128"/>
                 <a:ea typeface="メイリオ" panose="020B0604030504040204" pitchFamily="50" charset="-128"/>
               </a:rPr>
               <a:t>例）</a:t>
             </a:r>
             <a:r>
-              <a:rPr lang="en-US" altLang="zh-TW" sz="2000">
+              <a:rPr lang="en-US" altLang="zh-TW" sz="2000" dirty="0">
                 <a:latin typeface="游ゴシック" panose="020B0400000000000000" pitchFamily="50" charset="-128"/>
                 <a:ea typeface="游ゴシック" panose="020B0400000000000000" pitchFamily="50" charset="-128"/>
               </a:rPr>
               <a:t>$</a:t>
             </a:r>
             <a:r>
-              <a:rPr lang="zh-TW" altLang="en-US" sz="2000">
+              <a:rPr lang="zh-TW" altLang="en-US" sz="2000" dirty="0">
                 <a:latin typeface="游ゴシック" panose="020B0400000000000000" pitchFamily="50" charset="-128"/>
                 <a:ea typeface="游ゴシック" panose="020B0400000000000000" pitchFamily="50" charset="-128"/>
               </a:rPr>
               <a:t>文 → </a:t>
             </a:r>
             <a:r>
-              <a:rPr lang="en-US" altLang="zh-TW" sz="2000">
+              <a:rPr lang="en-US" altLang="zh-TW" sz="2000" dirty="0">
                 <a:latin typeface="游ゴシック" panose="020B0400000000000000" pitchFamily="50" charset="-128"/>
                 <a:ea typeface="游ゴシック" panose="020B0400000000000000" pitchFamily="50" charset="-128"/>
               </a:rPr>
               <a:t>$</a:t>
             </a:r>
             <a:r>
-              <a:rPr lang="zh-TW" altLang="en-US" sz="2000">
+              <a:rPr lang="zh-TW" altLang="en-US" sz="2000" dirty="0">
                 <a:latin typeface="游ゴシック" panose="020B0400000000000000" pitchFamily="50" charset="-128"/>
                 <a:ea typeface="游ゴシック" panose="020B0400000000000000" pitchFamily="50" charset="-128"/>
               </a:rPr>
               <a:t>表示 </a:t>
             </a:r>
             <a:r>
-              <a:rPr lang="en-US" altLang="zh-TW" sz="2000">
+              <a:rPr lang="en-US" altLang="zh-TW" sz="2000" dirty="0">
                 <a:latin typeface="游ゴシック" panose="020B0400000000000000" pitchFamily="50" charset="-128"/>
                 <a:ea typeface="游ゴシック" panose="020B0400000000000000" pitchFamily="50" charset="-128"/>
               </a:rPr>
               <a:t>| $</a:t>
             </a:r>
             <a:r>
-              <a:rPr lang="zh-TW" altLang="en-US" sz="2000">
+              <a:rPr lang="zh-TW" altLang="en-US" sz="2000" dirty="0">
                 <a:latin typeface="游ゴシック" panose="020B0400000000000000" pitchFamily="50" charset="-128"/>
                 <a:ea typeface="游ゴシック" panose="020B0400000000000000" pitchFamily="50" charset="-128"/>
               </a:rPr>
               <a:t>設定 </a:t>
             </a:r>
             <a:r>
-              <a:rPr lang="en-US" altLang="zh-TW" sz="2000">
+              <a:rPr lang="en-US" altLang="zh-TW" sz="2000" dirty="0">
                 <a:latin typeface="游ゴシック" panose="020B0400000000000000" pitchFamily="50" charset="-128"/>
                 <a:ea typeface="游ゴシック" panose="020B0400000000000000" pitchFamily="50" charset="-128"/>
               </a:rPr>
               <a:t>| $</a:t>
             </a:r>
             <a:r>
-              <a:rPr lang="zh-TW" altLang="en-US" sz="2000">
+              <a:rPr lang="zh-TW" altLang="en-US" sz="2000" dirty="0">
                 <a:latin typeface="游ゴシック" panose="020B0400000000000000" pitchFamily="50" charset="-128"/>
                 <a:ea typeface="游ゴシック" panose="020B0400000000000000" pitchFamily="50" charset="-128"/>
               </a:rPr>
               <a:t>検索</a:t>
             </a:r>
             <a:br>
-              <a:rPr lang="en-US" altLang="zh-TW" sz="2000">
+              <a:rPr lang="en-US" altLang="zh-TW" sz="2000" dirty="0">
                 <a:latin typeface="游ゴシック" panose="020B0400000000000000" pitchFamily="50" charset="-128"/>
                 <a:ea typeface="游ゴシック" panose="020B0400000000000000" pitchFamily="50" charset="-128"/>
               </a:rPr>
             </a:br>
             <a:r>
-              <a:rPr lang="ja-JP" altLang="en-US" sz="2000">
+              <a:rPr lang="ja-JP" altLang="en-US" sz="2000" dirty="0">
                 <a:latin typeface="游ゴシック" panose="020B0400000000000000" pitchFamily="50" charset="-128"/>
                 <a:ea typeface="游ゴシック" panose="020B0400000000000000" pitchFamily="50" charset="-128"/>
               </a:rPr>
               <a:t>        </a:t>
             </a:r>
             <a:r>
-              <a:rPr lang="en-US" altLang="ja-JP" sz="2000">
+              <a:rPr lang="en-US" altLang="ja-JP" sz="2000" dirty="0">
                 <a:latin typeface="游ゴシック" panose="020B0400000000000000" pitchFamily="50" charset="-128"/>
                 <a:ea typeface="游ゴシック" panose="020B0400000000000000" pitchFamily="50" charset="-128"/>
               </a:rPr>
               <a:t>$</a:t>
             </a:r>
             <a:r>
-              <a:rPr lang="ja-JP" altLang="en-US" sz="2000">
+              <a:rPr lang="ja-JP" altLang="en-US" sz="2000" dirty="0">
                 <a:latin typeface="游ゴシック" panose="020B0400000000000000" pitchFamily="50" charset="-128"/>
                 <a:ea typeface="游ゴシック" panose="020B0400000000000000" pitchFamily="50" charset="-128"/>
               </a:rPr>
               <a:t>検索 → </a:t>
             </a:r>
             <a:r>
-              <a:rPr lang="en-US" altLang="ja-JP" sz="2000">
+              <a:rPr lang="en-US" altLang="ja-JP" sz="2000" dirty="0">
                 <a:latin typeface="游ゴシック" panose="020B0400000000000000" pitchFamily="50" charset="-128"/>
                 <a:ea typeface="游ゴシック" panose="020B0400000000000000" pitchFamily="50" charset="-128"/>
               </a:rPr>
               <a:t>$</a:t>
             </a:r>
             <a:r>
-              <a:rPr lang="ja-JP" altLang="en-US" sz="2000">
+              <a:rPr lang="ja-JP" altLang="en-US" sz="2000" dirty="0">
                 <a:latin typeface="游ゴシック" panose="020B0400000000000000" pitchFamily="50" charset="-128"/>
                 <a:ea typeface="游ゴシック" panose="020B0400000000000000" pitchFamily="50" charset="-128"/>
               </a:rPr>
               <a:t>手段  で  検索 </a:t>
             </a:r>
             <a:r>
-              <a:rPr lang="en-US" altLang="ja-JP" sz="2000">
+              <a:rPr lang="en-US" altLang="ja-JP" sz="2000" dirty="0">
                 <a:latin typeface="游ゴシック" panose="020B0400000000000000" pitchFamily="50" charset="-128"/>
                 <a:ea typeface="游ゴシック" panose="020B0400000000000000" pitchFamily="50" charset="-128"/>
               </a:rPr>
-              <a:t>{[search, method=rules.latest()]}</a:t>
-            </a:r>
-            <a:br>
-              <a:rPr lang="en-US" altLang="ja-JP" sz="2000">
+              <a:t>{[search, method=</a:t>
+            </a:r>
+            <a:r>
+              <a:rPr lang="en-US" altLang="ja-JP" sz="2000" dirty="0" err="1">
                 <a:latin typeface="游ゴシック" panose="020B0400000000000000" pitchFamily="50" charset="-128"/>
                 <a:ea typeface="游ゴシック" panose="020B0400000000000000" pitchFamily="50" charset="-128"/>
               </a:rPr>
-            </a:br>
-            <a:r>
-              <a:rPr lang="ja-JP" altLang="en-US" sz="2000">
+              <a:t>rules.latest</a:t>
+            </a:r>
+            <a:r>
+              <a:rPr lang="en-US" altLang="ja-JP" sz="2000" dirty="0">
                 <a:latin typeface="游ゴシック" panose="020B0400000000000000" pitchFamily="50" charset="-128"/>
                 <a:ea typeface="游ゴシック" panose="020B0400000000000000" pitchFamily="50" charset="-128"/>
               </a:rPr>
-              <a:t>        </a:t>
-            </a:r>
-            <a:r>
-              <a:rPr lang="en-US" altLang="ja-JP" sz="2000">
+              <a:t>()]}</a:t>
+            </a:r>
+            <a:br>
+              <a:rPr lang="en-US" altLang="ja-JP" sz="2000" dirty="0">
                 <a:latin typeface="游ゴシック" panose="020B0400000000000000" pitchFamily="50" charset="-128"/>
                 <a:ea typeface="游ゴシック" panose="020B0400000000000000" pitchFamily="50" charset="-128"/>
               </a:rPr>
-              <a:t>$</a:t>
-            </a:r>
-            <a:r>
-              <a:rPr lang="ja-JP" altLang="en-US" sz="2000">
+            </a:br>
+            <a:r>
+              <a:rPr lang="ja-JP" altLang="en-US" sz="2000" dirty="0">
                 <a:latin typeface="游ゴシック" panose="020B0400000000000000" pitchFamily="50" charset="-128"/>
                 <a:ea typeface="游ゴシック" panose="020B0400000000000000" pitchFamily="50" charset="-128"/>
               </a:rPr>
-              <a:t>手段 → 住所 </a:t>
-            </a:r>
-            <a:r>
-              <a:rPr lang="en-US" altLang="ja-JP" sz="2000">
+              <a:t>        </a:t>
+            </a:r>
+            <a:r>
+              <a:rPr lang="en-US" altLang="ja-JP" sz="2000" dirty="0">
                 <a:latin typeface="游ゴシック" panose="020B0400000000000000" pitchFamily="50" charset="-128"/>
                 <a:ea typeface="游ゴシック" panose="020B0400000000000000" pitchFamily="50" charset="-128"/>
               </a:rPr>
-              <a:t>{address} | </a:t>
-            </a:r>
-            <a:r>
-              <a:rPr lang="ja-JP" altLang="en-US" sz="2000">
+              <a:t>$</a:t>
+            </a:r>
+            <a:r>
+              <a:rPr lang="ja-JP" altLang="en-US" sz="2000" dirty="0">
                 <a:latin typeface="游ゴシック" panose="020B0400000000000000" pitchFamily="50" charset="-128"/>
                 <a:ea typeface="游ゴシック" panose="020B0400000000000000" pitchFamily="50" charset="-128"/>
               </a:rPr>
-              <a:t>名称 </a:t>
-            </a:r>
-            <a:r>
-              <a:rPr lang="en-US" altLang="ja-JP" sz="2000">
+              <a:t>手段 → 住所 </a:t>
+            </a:r>
+            <a:r>
+              <a:rPr lang="en-US" altLang="ja-JP" sz="2000" dirty="0">
                 <a:latin typeface="游ゴシック" panose="020B0400000000000000" pitchFamily="50" charset="-128"/>
                 <a:ea typeface="游ゴシック" panose="020B0400000000000000" pitchFamily="50" charset="-128"/>
               </a:rPr>
-              <a:t>{name} | </a:t>
-            </a:r>
-            <a:r>
-              <a:rPr lang="ja-JP" altLang="en-US" sz="2000">
+              <a:t>{address} | </a:t>
+            </a:r>
+            <a:r>
+              <a:rPr lang="ja-JP" altLang="en-US" sz="2000" dirty="0">
                 <a:latin typeface="游ゴシック" panose="020B0400000000000000" pitchFamily="50" charset="-128"/>
                 <a:ea typeface="游ゴシック" panose="020B0400000000000000" pitchFamily="50" charset="-128"/>
               </a:rPr>
+              <a:t>名称 </a:t>
+            </a:r>
+            <a:r>
+              <a:rPr lang="en-US" altLang="ja-JP" sz="2000" dirty="0">
+                <a:latin typeface="游ゴシック" panose="020B0400000000000000" pitchFamily="50" charset="-128"/>
+                <a:ea typeface="游ゴシック" panose="020B0400000000000000" pitchFamily="50" charset="-128"/>
+              </a:rPr>
+              <a:t>{name} | </a:t>
+            </a:r>
+            <a:r>
+              <a:rPr lang="ja-JP" altLang="en-US" sz="2000" dirty="0">
+                <a:latin typeface="游ゴシック" panose="020B0400000000000000" pitchFamily="50" charset="-128"/>
+                <a:ea typeface="游ゴシック" panose="020B0400000000000000" pitchFamily="50" charset="-128"/>
+              </a:rPr>
               <a:t>履歴 </a:t>
             </a:r>
             <a:r>
-              <a:rPr lang="en-US" altLang="ja-JP" sz="2000">
+              <a:rPr lang="en-US" altLang="ja-JP" sz="2000" dirty="0">
                 <a:latin typeface="游ゴシック" panose="020B0400000000000000" pitchFamily="50" charset="-128"/>
                 <a:ea typeface="游ゴシック" panose="020B0400000000000000" pitchFamily="50" charset="-128"/>
               </a:rPr>
@@ -7616,29 +7542,35 @@
               <a:lnSpc>
                 <a:spcPct val="100000"/>
               </a:lnSpc>
+              <a:spcBef>
+                <a:spcPts val="600"/>
+              </a:spcBef>
+              <a:spcAft>
+                <a:spcPts val="600"/>
+              </a:spcAft>
             </a:pPr>
             <a:r>
-              <a:rPr lang="ja-JP" altLang="en-US">
+              <a:rPr lang="ja-JP" altLang="en-US" dirty="0">
                 <a:latin typeface="メイリオ" panose="020B0604030504040204" pitchFamily="50" charset="-128"/>
                 <a:ea typeface="メイリオ" panose="020B0604030504040204" pitchFamily="50" charset="-128"/>
               </a:rPr>
               <a:t>構文木の葉から順に意味表現を組み上げてゆき、</a:t>
             </a:r>
             <a:r>
-              <a:rPr lang="en-US" altLang="ja-JP">
+              <a:rPr lang="en-US" altLang="ja-JP" dirty="0">
                 <a:latin typeface="メイリオ" panose="020B0604030504040204" pitchFamily="50" charset="-128"/>
                 <a:ea typeface="メイリオ" panose="020B0604030504040204" pitchFamily="50" charset="-128"/>
               </a:rPr>
               <a:t>$</a:t>
             </a:r>
             <a:r>
-              <a:rPr lang="ja-JP" altLang="en-US">
+              <a:rPr lang="ja-JP" altLang="en-US" dirty="0">
                 <a:latin typeface="メイリオ" panose="020B0604030504040204" pitchFamily="50" charset="-128"/>
                 <a:ea typeface="メイリオ" panose="020B0604030504040204" pitchFamily="50" charset="-128"/>
               </a:rPr>
               <a:t>文 に対応する意味表現が出力となる</a:t>
             </a:r>
-            <a:endParaRPr lang="en-US" altLang="ja-JP">
+            <a:endParaRPr lang="en-US" altLang="ja-JP" dirty="0">
               <a:latin typeface="メイリオ" panose="020B0604030504040204" pitchFamily="50" charset="-128"/>
               <a:ea typeface="メイリオ" panose="020B0604030504040204" pitchFamily="50" charset="-128"/>
             </a:endParaRPr>
@@ -7693,7 +7625,7 @@
         </p:nvSpPr>
         <p:spPr>
           <a:xfrm>
-            <a:off x="628650" y="365127"/>
+            <a:off x="455523" y="335866"/>
             <a:ext cx="7886700" cy="841582"/>
           </a:xfrm>
         </p:spPr>
@@ -7704,7 +7636,7 @@
           <a:lstStyle/>
           <a:p>
             <a:r>
-              <a:rPr lang="en-US" altLang="ja-JP">
+              <a:rPr lang="en-US" altLang="ja-JP" dirty="0">
                 <a:solidFill>
                   <a:schemeClr val="accent1"/>
                 </a:solidFill>
@@ -7714,7 +7646,7 @@
               <a:t>12.2 </a:t>
             </a:r>
             <a:r>
-              <a:rPr lang="ja-JP" altLang="en-US">
+              <a:rPr lang="ja-JP" altLang="en-US" dirty="0">
                 <a:solidFill>
                   <a:schemeClr val="accent1"/>
                 </a:solidFill>
@@ -7723,7 +7655,7 @@
               </a:rPr>
               <a:t>規則による意味解析処理</a:t>
             </a:r>
-            <a:endParaRPr kumimoji="1" lang="ja-JP" altLang="en-US">
+            <a:endParaRPr kumimoji="1" lang="ja-JP" altLang="en-US" dirty="0">
               <a:solidFill>
                 <a:schemeClr val="accent1"/>
               </a:solidFill>
@@ -7761,7 +7693,7 @@
         </p:blipFill>
         <p:spPr>
           <a:xfrm>
-            <a:off x="1813766" y="1034471"/>
+            <a:off x="3337767" y="1034471"/>
             <a:ext cx="5695163" cy="5604162"/>
           </a:xfrm>
           <a:prstGeom prst="rect">
@@ -7817,7 +7749,7 @@
         </p:nvSpPr>
         <p:spPr>
           <a:xfrm>
-            <a:off x="628650" y="365127"/>
+            <a:off x="528676" y="288258"/>
             <a:ext cx="7886700" cy="841582"/>
           </a:xfrm>
         </p:spPr>
@@ -7828,7 +7760,7 @@
           <a:lstStyle/>
           <a:p>
             <a:r>
-              <a:rPr lang="en-US" altLang="ja-JP">
+              <a:rPr lang="en-US" altLang="ja-JP" dirty="0">
                 <a:solidFill>
                   <a:schemeClr val="accent1"/>
                 </a:solidFill>
@@ -7838,7 +7770,7 @@
               <a:t>12.3 </a:t>
             </a:r>
             <a:r>
-              <a:rPr lang="ja-JP" altLang="en-US">
+              <a:rPr lang="ja-JP" altLang="en-US" dirty="0">
                 <a:solidFill>
                   <a:schemeClr val="accent1"/>
                 </a:solidFill>
@@ -7847,7 +7779,7 @@
               </a:rPr>
               <a:t>統計的な意味解析処理</a:t>
             </a:r>
-            <a:endParaRPr kumimoji="1" lang="ja-JP" altLang="en-US">
+            <a:endParaRPr kumimoji="1" lang="ja-JP" altLang="en-US" dirty="0">
               <a:solidFill>
                 <a:schemeClr val="accent1"/>
               </a:solidFill>
@@ -7875,8 +7807,8 @@
         </p:nvSpPr>
         <p:spPr>
           <a:xfrm>
-            <a:off x="628650" y="1108129"/>
-            <a:ext cx="8120143" cy="4898353"/>
+            <a:off x="994867" y="1049610"/>
+            <a:ext cx="9277927" cy="4898353"/>
           </a:xfrm>
         </p:spPr>
         <p:txBody>
@@ -7889,15 +7821,21 @@
               <a:lnSpc>
                 <a:spcPct val="150000"/>
               </a:lnSpc>
+              <a:spcBef>
+                <a:spcPts val="600"/>
+              </a:spcBef>
+              <a:spcAft>
+                <a:spcPts val="600"/>
+              </a:spcAft>
             </a:pPr>
             <a:r>
-              <a:rPr kumimoji="1" lang="ja-JP" altLang="en-US">
+              <a:rPr kumimoji="1" lang="ja-JP" altLang="en-US" dirty="0">
                 <a:latin typeface="メイリオ" panose="020B0604030504040204" pitchFamily="50" charset="-128"/>
                 <a:ea typeface="メイリオ" panose="020B0604030504040204" pitchFamily="50" charset="-128"/>
               </a:rPr>
               <a:t>統計的意味解析</a:t>
             </a:r>
-            <a:endParaRPr kumimoji="1" lang="en-US" altLang="ja-JP">
+            <a:endParaRPr kumimoji="1" lang="en-US" altLang="ja-JP" dirty="0">
               <a:latin typeface="メイリオ" panose="020B0604030504040204" pitchFamily="50" charset="-128"/>
               <a:ea typeface="メイリオ" panose="020B0604030504040204" pitchFamily="50" charset="-128"/>
             </a:endParaRPr>
@@ -7907,8 +7845,14 @@
               <a:lnSpc>
                 <a:spcPct val="150000"/>
               </a:lnSpc>
+              <a:spcBef>
+                <a:spcPts val="600"/>
+              </a:spcBef>
+              <a:spcAft>
+                <a:spcPts val="600"/>
+              </a:spcAft>
             </a:pPr>
-            <a:endParaRPr lang="en-US" altLang="ja-JP">
+            <a:endParaRPr lang="en-US" altLang="ja-JP" dirty="0">
               <a:latin typeface="メイリオ" panose="020B0604030504040204" pitchFamily="50" charset="-128"/>
               <a:ea typeface="メイリオ" panose="020B0604030504040204" pitchFamily="50" charset="-128"/>
             </a:endParaRPr>
@@ -7918,15 +7862,21 @@
               <a:lnSpc>
                 <a:spcPct val="150000"/>
               </a:lnSpc>
+              <a:spcBef>
+                <a:spcPts val="600"/>
+              </a:spcBef>
+              <a:spcAft>
+                <a:spcPts val="600"/>
+              </a:spcAft>
             </a:pPr>
             <a:r>
-              <a:rPr kumimoji="1" lang="ja-JP" altLang="en-US">
+              <a:rPr kumimoji="1" lang="ja-JP" altLang="en-US" dirty="0">
                 <a:latin typeface="メイリオ" panose="020B0604030504040204" pitchFamily="50" charset="-128"/>
                 <a:ea typeface="メイリオ" panose="020B0604030504040204" pitchFamily="50" charset="-128"/>
               </a:rPr>
               <a:t>生成モデルによる解法</a:t>
             </a:r>
-            <a:endParaRPr kumimoji="1" lang="en-US" altLang="ja-JP">
+            <a:endParaRPr kumimoji="1" lang="en-US" altLang="ja-JP" dirty="0">
               <a:latin typeface="メイリオ" panose="020B0604030504040204" pitchFamily="50" charset="-128"/>
               <a:ea typeface="メイリオ" panose="020B0604030504040204" pitchFamily="50" charset="-128"/>
             </a:endParaRPr>
@@ -7936,15 +7886,21 @@
               <a:lnSpc>
                 <a:spcPct val="100000"/>
               </a:lnSpc>
+              <a:spcBef>
+                <a:spcPts val="600"/>
+              </a:spcBef>
+              <a:spcAft>
+                <a:spcPts val="600"/>
+              </a:spcAft>
             </a:pPr>
             <a:r>
-              <a:rPr kumimoji="1" lang="ja-JP" altLang="en-US">
+              <a:rPr kumimoji="1" lang="ja-JP" altLang="en-US" dirty="0">
                 <a:latin typeface="メイリオ" panose="020B0604030504040204" pitchFamily="50" charset="-128"/>
                 <a:ea typeface="メイリオ" panose="020B0604030504040204" pitchFamily="50" charset="-128"/>
               </a:rPr>
               <a:t>意味表現をフラット化（コンセプト列による表現）</a:t>
             </a:r>
-            <a:endParaRPr kumimoji="1" lang="en-US" altLang="ja-JP">
+            <a:endParaRPr kumimoji="1" lang="en-US" altLang="ja-JP" dirty="0">
               <a:latin typeface="メイリオ" panose="020B0604030504040204" pitchFamily="50" charset="-128"/>
               <a:ea typeface="メイリオ" panose="020B0604030504040204" pitchFamily="50" charset="-128"/>
             </a:endParaRPr>
@@ -7954,15 +7910,21 @@
               <a:lnSpc>
                 <a:spcPct val="100000"/>
               </a:lnSpc>
+              <a:spcBef>
+                <a:spcPts val="600"/>
+              </a:spcBef>
+              <a:spcAft>
+                <a:spcPts val="600"/>
+              </a:spcAft>
             </a:pPr>
             <a:r>
-              <a:rPr kumimoji="1" lang="ja-JP" altLang="en-US">
+              <a:rPr kumimoji="1" lang="ja-JP" altLang="en-US" dirty="0">
                 <a:latin typeface="メイリオ" panose="020B0604030504040204" pitchFamily="50" charset="-128"/>
                 <a:ea typeface="メイリオ" panose="020B0604030504040204" pitchFamily="50" charset="-128"/>
               </a:rPr>
               <a:t>発話タイプとスロット名を出現順に並べる</a:t>
             </a:r>
-            <a:endParaRPr kumimoji="1" lang="en-US" altLang="ja-JP">
+            <a:endParaRPr kumimoji="1" lang="en-US" altLang="ja-JP" dirty="0">
               <a:latin typeface="メイリオ" panose="020B0604030504040204" pitchFamily="50" charset="-128"/>
               <a:ea typeface="メイリオ" panose="020B0604030504040204" pitchFamily="50" charset="-128"/>
             </a:endParaRPr>
@@ -7972,23 +7934,45 @@
               <a:lnSpc>
                 <a:spcPct val="100000"/>
               </a:lnSpc>
+              <a:spcBef>
+                <a:spcPts val="600"/>
+              </a:spcBef>
+              <a:spcAft>
+                <a:spcPts val="600"/>
+              </a:spcAft>
             </a:pPr>
             <a:r>
-              <a:rPr kumimoji="1" lang="ja-JP" altLang="en-US">
+              <a:rPr kumimoji="1" lang="ja-JP" altLang="en-US" dirty="0">
                 <a:latin typeface="メイリオ" panose="020B0604030504040204" pitchFamily="50" charset="-128"/>
                 <a:ea typeface="メイリオ" panose="020B0604030504040204" pitchFamily="50" charset="-128"/>
               </a:rPr>
               <a:t>例）「自宅に設定」→ </a:t>
             </a:r>
             <a:r>
-              <a:rPr kumimoji="1" lang="en-US" altLang="ja-JP">
+              <a:rPr kumimoji="1" lang="en-US" altLang="ja-JP" dirty="0">
                 <a:latin typeface="Courier New" panose="02070309020205020404" pitchFamily="49" charset="0"/>
                 <a:ea typeface="メイリオ" panose="020B0604030504040204" pitchFamily="50" charset="-128"/>
                 <a:cs typeface="Courier New" panose="02070309020205020404" pitchFamily="49" charset="0"/>
               </a:rPr>
-              <a:t>M=[location, set_direction]</a:t>
-            </a:r>
-            <a:endParaRPr kumimoji="1" lang="ja-JP" altLang="en-US">
+              <a:t>M=[location, </a:t>
+            </a:r>
+            <a:r>
+              <a:rPr kumimoji="1" lang="en-US" altLang="ja-JP" dirty="0" err="1">
+                <a:latin typeface="Courier New" panose="02070309020205020404" pitchFamily="49" charset="0"/>
+                <a:ea typeface="メイリオ" panose="020B0604030504040204" pitchFamily="50" charset="-128"/>
+                <a:cs typeface="Courier New" panose="02070309020205020404" pitchFamily="49" charset="0"/>
+              </a:rPr>
+              <a:t>set_direction</a:t>
+            </a:r>
+            <a:r>
+              <a:rPr kumimoji="1" lang="en-US" altLang="ja-JP" dirty="0">
+                <a:latin typeface="Courier New" panose="02070309020205020404" pitchFamily="49" charset="0"/>
+                <a:ea typeface="メイリオ" panose="020B0604030504040204" pitchFamily="50" charset="-128"/>
+                <a:cs typeface="Courier New" panose="02070309020205020404" pitchFamily="49" charset="0"/>
+              </a:rPr>
+              <a:t>]</a:t>
+            </a:r>
+            <a:endParaRPr kumimoji="1" lang="ja-JP" altLang="en-US" dirty="0">
               <a:latin typeface="Courier New" panose="02070309020205020404" pitchFamily="49" charset="0"/>
               <a:ea typeface="メイリオ" panose="020B0604030504040204" pitchFamily="50" charset="-128"/>
               <a:cs typeface="Courier New" panose="02070309020205020404" pitchFamily="49" charset="0"/>
@@ -8018,7 +8002,7 @@
         </p:blipFill>
         <p:spPr>
           <a:xfrm>
-            <a:off x="1488729" y="1856680"/>
+            <a:off x="3005414" y="1891192"/>
             <a:ext cx="3547330" cy="633914"/>
           </a:xfrm>
           <a:prstGeom prst="rect">
@@ -8048,7 +8032,7 @@
         </p:blipFill>
         <p:spPr>
           <a:xfrm>
-            <a:off x="1310499" y="4839276"/>
+            <a:off x="2834500" y="4839276"/>
             <a:ext cx="4481749" cy="633914"/>
           </a:xfrm>
           <a:prstGeom prst="rect">
@@ -8070,7 +8054,7 @@
         </p:nvSpPr>
         <p:spPr>
           <a:xfrm>
-            <a:off x="5587140" y="5607400"/>
+            <a:off x="7111140" y="5607401"/>
             <a:ext cx="1867546" cy="798163"/>
           </a:xfrm>
           <a:prstGeom prst="wedgeRectCallout">
@@ -8108,14 +8092,14 @@
           <a:p>
             <a:pPr algn="ctr"/>
             <a:r>
-              <a:rPr kumimoji="1" lang="ja-JP" altLang="en-US">
+              <a:rPr lang="ja-JP" altLang="en-US">
                 <a:solidFill>
                   <a:schemeClr val="tx1"/>
                 </a:solidFill>
               </a:rPr>
               <a:t>コンセプト列の</a:t>
             </a:r>
-            <a:endParaRPr kumimoji="1" lang="en-US" altLang="ja-JP">
+            <a:endParaRPr lang="en-US" altLang="ja-JP">
               <a:solidFill>
                 <a:schemeClr val="tx1"/>
               </a:solidFill>
@@ -8139,7 +8123,7 @@
               </a:rPr>
               <a:t>グラム</a:t>
             </a:r>
-            <a:endParaRPr kumimoji="1" lang="en-US" altLang="ja-JP">
+            <a:endParaRPr lang="en-US" altLang="ja-JP">
               <a:solidFill>
                 <a:schemeClr val="tx1"/>
               </a:solidFill>
@@ -8161,7 +8145,7 @@
         </p:nvSpPr>
         <p:spPr>
           <a:xfrm>
-            <a:off x="2425487" y="5658496"/>
+            <a:off x="3949487" y="5658497"/>
             <a:ext cx="2084520" cy="798163"/>
           </a:xfrm>
           <a:prstGeom prst="wedgeRectCallout">
@@ -8199,14 +8183,14 @@
           <a:p>
             <a:pPr algn="ctr"/>
             <a:r>
-              <a:rPr kumimoji="1" lang="ja-JP" altLang="en-US">
+              <a:rPr lang="ja-JP" altLang="en-US">
                 <a:solidFill>
                   <a:schemeClr val="tx1"/>
                 </a:solidFill>
               </a:rPr>
               <a:t>コンセプトと単語列の対応の確率</a:t>
             </a:r>
-            <a:endParaRPr kumimoji="1" lang="en-US" altLang="ja-JP">
+            <a:endParaRPr lang="en-US" altLang="ja-JP">
               <a:solidFill>
                 <a:schemeClr val="tx1"/>
               </a:solidFill>
@@ -8262,7 +8246,7 @@
         </p:nvSpPr>
         <p:spPr>
           <a:xfrm>
-            <a:off x="628650" y="365127"/>
+            <a:off x="616458" y="352603"/>
             <a:ext cx="7886700" cy="841582"/>
           </a:xfrm>
         </p:spPr>
@@ -8320,8 +8304,8 @@
         </p:nvSpPr>
         <p:spPr>
           <a:xfrm>
-            <a:off x="628650" y="1278610"/>
-            <a:ext cx="8244130" cy="4898353"/>
+            <a:off x="694944" y="1278611"/>
+            <a:ext cx="10753344" cy="4898353"/>
           </a:xfrm>
         </p:spPr>
         <p:txBody>
@@ -8334,13 +8318,13 @@
               </a:lnSpc>
             </a:pPr>
             <a:r>
-              <a:rPr kumimoji="1" lang="ja-JP" altLang="en-US">
+              <a:rPr kumimoji="1" lang="ja-JP" altLang="en-US" dirty="0">
                 <a:latin typeface="メイリオ" panose="020B0604030504040204" pitchFamily="50" charset="-128"/>
                 <a:ea typeface="メイリオ" panose="020B0604030504040204" pitchFamily="50" charset="-128"/>
               </a:rPr>
               <a:t>識別モデルによる解法</a:t>
             </a:r>
-            <a:endParaRPr kumimoji="1" lang="en-US" altLang="ja-JP">
+            <a:endParaRPr kumimoji="1" lang="en-US" altLang="ja-JP" dirty="0">
               <a:latin typeface="メイリオ" panose="020B0604030504040204" pitchFamily="50" charset="-128"/>
               <a:ea typeface="メイリオ" panose="020B0604030504040204" pitchFamily="50" charset="-128"/>
             </a:endParaRPr>
@@ -8352,13 +8336,13 @@
               </a:lnSpc>
             </a:pPr>
             <a:r>
-              <a:rPr kumimoji="1" lang="ja-JP" altLang="en-US">
+              <a:rPr kumimoji="1" lang="ja-JP" altLang="en-US" dirty="0">
                 <a:latin typeface="メイリオ" panose="020B0604030504040204" pitchFamily="50" charset="-128"/>
                 <a:ea typeface="メイリオ" panose="020B0604030504040204" pitchFamily="50" charset="-128"/>
               </a:rPr>
               <a:t>系列ラベリングによるコンセプトの抽出</a:t>
             </a:r>
-            <a:endParaRPr kumimoji="1" lang="en-US" altLang="ja-JP">
+            <a:endParaRPr kumimoji="1" lang="en-US" altLang="ja-JP" dirty="0">
               <a:latin typeface="メイリオ" panose="020B0604030504040204" pitchFamily="50" charset="-128"/>
               <a:ea typeface="メイリオ" panose="020B0604030504040204" pitchFamily="50" charset="-128"/>
             </a:endParaRPr>
@@ -8370,25 +8354,25 @@
               </a:lnSpc>
             </a:pPr>
             <a:r>
-              <a:rPr kumimoji="1" lang="ja-JP" altLang="en-US">
+              <a:rPr kumimoji="1" lang="ja-JP" altLang="en-US" dirty="0">
                 <a:latin typeface="メイリオ" panose="020B0604030504040204" pitchFamily="50" charset="-128"/>
                 <a:ea typeface="メイリオ" panose="020B0604030504040204" pitchFamily="50" charset="-128"/>
               </a:rPr>
               <a:t>例）</a:t>
             </a:r>
             <a:r>
-              <a:rPr lang="en-US" altLang="ja-JP" sz="1600"/>
-              <a:t>O   B-Loc B-Loc  I-Loc  B-Loc  I-Loc  O           O   B-Tic   B-Num  O</a:t>
+              <a:rPr lang="en-US" altLang="ja-JP" sz="1600" dirty="0"/>
+              <a:t>O           B-Loc B-Loc  I-Loc  O         B-Loc  I-Loc  O        O                O   B-Tic       B-Num  O</a:t>
             </a:r>
             <a:br>
-              <a:rPr lang="en-US" altLang="ja-JP" sz="1600"/>
+              <a:rPr lang="en-US" altLang="ja-JP" sz="1600" dirty="0"/>
             </a:br>
             <a:r>
-              <a:rPr lang="ja-JP" altLang="en-US" sz="1600"/>
-              <a:t>      えっと 京都 京都駅  から   東京駅  まで  ください あ  自由席 ２枚　   です</a:t>
-            </a:r>
-            <a:r>
-              <a:rPr lang="ja-JP" altLang="en-US"/>
+              <a:rPr lang="ja-JP" altLang="en-US" sz="1600" dirty="0"/>
+              <a:t>             えっと 京都  京都   駅      から   東京   駅      まで  ください あ  自由席 ２枚　   です</a:t>
+            </a:r>
+            <a:r>
+              <a:rPr lang="ja-JP" altLang="en-US" dirty="0"/>
               <a:t>　</a:t>
             </a:r>
           </a:p>
@@ -8399,13 +8383,13 @@
               </a:lnSpc>
             </a:pPr>
             <a:r>
-              <a:rPr kumimoji="1" lang="ja-JP" altLang="en-US">
+              <a:rPr kumimoji="1" lang="ja-JP" altLang="en-US" dirty="0">
                 <a:latin typeface="メイリオ" panose="020B0604030504040204" pitchFamily="50" charset="-128"/>
                 <a:ea typeface="メイリオ" panose="020B0604030504040204" pitchFamily="50" charset="-128"/>
               </a:rPr>
               <a:t>単語列から、事後確率最大のラベル列を求める</a:t>
             </a:r>
-            <a:endParaRPr kumimoji="1" lang="en-US" altLang="ja-JP">
+            <a:endParaRPr kumimoji="1" lang="en-US" altLang="ja-JP" dirty="0">
               <a:latin typeface="メイリオ" panose="020B0604030504040204" pitchFamily="50" charset="-128"/>
               <a:ea typeface="メイリオ" panose="020B0604030504040204" pitchFamily="50" charset="-128"/>
             </a:endParaRPr>
@@ -8416,7 +8400,7 @@
                 <a:spcPct val="100000"/>
               </a:lnSpc>
             </a:pPr>
-            <a:endParaRPr kumimoji="1" lang="ja-JP" altLang="en-US">
+            <a:endParaRPr kumimoji="1" lang="ja-JP" altLang="en-US" dirty="0">
               <a:latin typeface="メイリオ" panose="020B0604030504040204" pitchFamily="50" charset="-128"/>
               <a:ea typeface="メイリオ" panose="020B0604030504040204" pitchFamily="50" charset="-128"/>
             </a:endParaRPr>
@@ -8445,7 +8429,7 @@
         </p:blipFill>
         <p:spPr>
           <a:xfrm>
-            <a:off x="1518446" y="3695890"/>
+            <a:off x="3042446" y="3695890"/>
             <a:ext cx="3340272" cy="639016"/>
           </a:xfrm>
           <a:prstGeom prst="rect">
@@ -8475,7 +8459,7 @@
         </p:blipFill>
         <p:spPr>
           <a:xfrm>
-            <a:off x="1454943" y="4419331"/>
+            <a:off x="2978943" y="4419332"/>
             <a:ext cx="6807550" cy="1034191"/>
           </a:xfrm>
           <a:prstGeom prst="rect">
@@ -8531,7 +8515,7 @@
         </p:nvSpPr>
         <p:spPr>
           <a:xfrm>
-            <a:off x="628650" y="365127"/>
+            <a:off x="557937" y="372442"/>
             <a:ext cx="7886700" cy="841582"/>
           </a:xfrm>
         </p:spPr>
@@ -8542,7 +8526,7 @@
           <a:lstStyle/>
           <a:p>
             <a:r>
-              <a:rPr lang="en-US" altLang="ja-JP">
+              <a:rPr lang="en-US" altLang="ja-JP" dirty="0">
                 <a:solidFill>
                   <a:schemeClr val="accent1"/>
                 </a:solidFill>
@@ -8552,7 +8536,7 @@
               <a:t>12.3 </a:t>
             </a:r>
             <a:r>
-              <a:rPr lang="ja-JP" altLang="en-US">
+              <a:rPr lang="ja-JP" altLang="en-US" dirty="0">
                 <a:solidFill>
                   <a:schemeClr val="accent1"/>
                 </a:solidFill>
@@ -8561,7 +8545,7 @@
               </a:rPr>
               <a:t>統計的な意味解析処理</a:t>
             </a:r>
-            <a:endParaRPr kumimoji="1" lang="ja-JP" altLang="en-US">
+            <a:endParaRPr kumimoji="1" lang="ja-JP" altLang="en-US" dirty="0">
               <a:solidFill>
                 <a:schemeClr val="accent1"/>
               </a:solidFill>
@@ -8599,7 +8583,7 @@
         </p:blipFill>
         <p:spPr>
           <a:xfrm>
-            <a:off x="1933792" y="979802"/>
+            <a:off x="3457792" y="979803"/>
             <a:ext cx="5276416" cy="5746461"/>
           </a:xfrm>
           <a:prstGeom prst="rect">
@@ -8655,7 +8639,7 @@
         </p:nvSpPr>
         <p:spPr>
           <a:xfrm>
-            <a:off x="628650" y="365127"/>
+            <a:off x="550621" y="332146"/>
             <a:ext cx="7886700" cy="841582"/>
           </a:xfrm>
         </p:spPr>
@@ -8666,7 +8650,7 @@
           <a:lstStyle/>
           <a:p>
             <a:r>
-              <a:rPr lang="en-US" altLang="ja-JP" sz="3200">
+              <a:rPr lang="en-US" altLang="ja-JP" sz="3200" dirty="0">
                 <a:solidFill>
                   <a:schemeClr val="accent1"/>
                 </a:solidFill>
@@ -8676,7 +8660,7 @@
               <a:t>12.4 </a:t>
             </a:r>
             <a:r>
-              <a:rPr lang="ja-JP" altLang="en-US" sz="3200">
+              <a:rPr lang="ja-JP" altLang="en-US" sz="3200" dirty="0">
                 <a:solidFill>
                   <a:schemeClr val="accent1"/>
                 </a:solidFill>
@@ -8685,13 +8669,6 @@
               </a:rPr>
               <a:t>スマートフォンでの音声サービス</a:t>
             </a:r>
-            <a:endParaRPr kumimoji="1" lang="ja-JP" altLang="en-US" sz="3200">
-              <a:solidFill>
-                <a:schemeClr val="accent1"/>
-              </a:solidFill>
-              <a:latin typeface="メイリオ" panose="020B0604030504040204" pitchFamily="50" charset="-128"/>
-              <a:ea typeface="メイリオ" panose="020B0604030504040204" pitchFamily="50" charset="-128"/>
-            </a:endParaRPr>
           </a:p>
         </p:txBody>
       </p:sp>
@@ -8713,8 +8690,8 @@
         </p:nvSpPr>
         <p:spPr>
           <a:xfrm>
-            <a:off x="422813" y="1206709"/>
-            <a:ext cx="8298374" cy="4898353"/>
+            <a:off x="731520" y="1206710"/>
+            <a:ext cx="10841126" cy="4898353"/>
           </a:xfrm>
         </p:spPr>
         <p:txBody>
@@ -8725,15 +8702,21 @@
               <a:lnSpc>
                 <a:spcPct val="100000"/>
               </a:lnSpc>
+              <a:spcBef>
+                <a:spcPts val="600"/>
+              </a:spcBef>
+              <a:spcAft>
+                <a:spcPts val="600"/>
+              </a:spcAft>
             </a:pPr>
             <a:r>
-              <a:rPr kumimoji="1" lang="ja-JP" altLang="en-US">
+              <a:rPr kumimoji="1" lang="ja-JP" altLang="en-US" dirty="0">
                 <a:latin typeface="メイリオ" panose="020B0604030504040204" pitchFamily="50" charset="-128"/>
                 <a:ea typeface="メイリオ" panose="020B0604030504040204" pitchFamily="50" charset="-128"/>
               </a:rPr>
               <a:t>スマートフォンでの音声インタフェースの実現例</a:t>
             </a:r>
-            <a:endParaRPr kumimoji="1" lang="en-US" altLang="ja-JP">
+            <a:endParaRPr kumimoji="1" lang="en-US" altLang="ja-JP" dirty="0">
               <a:latin typeface="メイリオ" panose="020B0604030504040204" pitchFamily="50" charset="-128"/>
               <a:ea typeface="メイリオ" panose="020B0604030504040204" pitchFamily="50" charset="-128"/>
             </a:endParaRPr>
@@ -8743,15 +8726,21 @@
               <a:lnSpc>
                 <a:spcPct val="100000"/>
               </a:lnSpc>
+              <a:spcBef>
+                <a:spcPts val="600"/>
+              </a:spcBef>
+              <a:spcAft>
+                <a:spcPts val="600"/>
+              </a:spcAft>
             </a:pPr>
             <a:r>
-              <a:rPr kumimoji="1" lang="ja-JP" altLang="en-US">
+              <a:rPr kumimoji="1" lang="ja-JP" altLang="en-US" dirty="0">
                 <a:latin typeface="メイリオ" panose="020B0604030504040204" pitchFamily="50" charset="-128"/>
                 <a:ea typeface="メイリオ" panose="020B0604030504040204" pitchFamily="50" charset="-128"/>
               </a:rPr>
               <a:t>入力音声を端末側で特徴ベクトル系列に変換</a:t>
             </a:r>
-            <a:endParaRPr kumimoji="1" lang="en-US" altLang="ja-JP">
+            <a:endParaRPr kumimoji="1" lang="en-US" altLang="ja-JP" dirty="0">
               <a:latin typeface="メイリオ" panose="020B0604030504040204" pitchFamily="50" charset="-128"/>
               <a:ea typeface="メイリオ" panose="020B0604030504040204" pitchFamily="50" charset="-128"/>
             </a:endParaRPr>
@@ -8761,15 +8750,21 @@
               <a:lnSpc>
                 <a:spcPct val="100000"/>
               </a:lnSpc>
+              <a:spcBef>
+                <a:spcPts val="600"/>
+              </a:spcBef>
+              <a:spcAft>
+                <a:spcPts val="600"/>
+              </a:spcAft>
             </a:pPr>
             <a:r>
-              <a:rPr kumimoji="1" lang="ja-JP" altLang="en-US">
+              <a:rPr kumimoji="1" lang="ja-JP" altLang="en-US" dirty="0">
                 <a:latin typeface="メイリオ" panose="020B0604030504040204" pitchFamily="50" charset="-128"/>
                 <a:ea typeface="メイリオ" panose="020B0604030504040204" pitchFamily="50" charset="-128"/>
               </a:rPr>
               <a:t>特徴ベクトル系列をクラウド上の音声認識サーバに送信し、認識結果を得る</a:t>
             </a:r>
-            <a:endParaRPr kumimoji="1" lang="en-US" altLang="ja-JP">
+            <a:endParaRPr kumimoji="1" lang="en-US" altLang="ja-JP" dirty="0">
               <a:latin typeface="メイリオ" panose="020B0604030504040204" pitchFamily="50" charset="-128"/>
               <a:ea typeface="メイリオ" panose="020B0604030504040204" pitchFamily="50" charset="-128"/>
             </a:endParaRPr>
@@ -8779,15 +8774,21 @@
               <a:lnSpc>
                 <a:spcPct val="100000"/>
               </a:lnSpc>
+              <a:spcBef>
+                <a:spcPts val="600"/>
+              </a:spcBef>
+              <a:spcAft>
+                <a:spcPts val="600"/>
+              </a:spcAft>
             </a:pPr>
             <a:r>
-              <a:rPr kumimoji="1" lang="ja-JP" altLang="en-US">
+              <a:rPr kumimoji="1" lang="ja-JP" altLang="en-US" dirty="0">
                 <a:latin typeface="メイリオ" panose="020B0604030504040204" pitchFamily="50" charset="-128"/>
                 <a:ea typeface="メイリオ" panose="020B0604030504040204" pitchFamily="50" charset="-128"/>
               </a:rPr>
               <a:t>認識結果をクラウド上の意味解析サーバに送信し、意味表現を得る</a:t>
             </a:r>
-            <a:endParaRPr kumimoji="1" lang="en-US" altLang="ja-JP">
+            <a:endParaRPr kumimoji="1" lang="en-US" altLang="ja-JP" dirty="0">
               <a:latin typeface="メイリオ" panose="020B0604030504040204" pitchFamily="50" charset="-128"/>
               <a:ea typeface="メイリオ" panose="020B0604030504040204" pitchFamily="50" charset="-128"/>
             </a:endParaRPr>
@@ -8797,15 +8798,21 @@
               <a:lnSpc>
                 <a:spcPct val="100000"/>
               </a:lnSpc>
+              <a:spcBef>
+                <a:spcPts val="600"/>
+              </a:spcBef>
+              <a:spcAft>
+                <a:spcPts val="600"/>
+              </a:spcAft>
             </a:pPr>
             <a:r>
-              <a:rPr kumimoji="1" lang="ja-JP" altLang="en-US">
+              <a:rPr kumimoji="1" lang="ja-JP" altLang="en-US" dirty="0">
                 <a:latin typeface="メイリオ" panose="020B0604030504040204" pitchFamily="50" charset="-128"/>
                 <a:ea typeface="メイリオ" panose="020B0604030504040204" pitchFamily="50" charset="-128"/>
               </a:rPr>
               <a:t>アプリへのコマンドであれば、アプリを起動し、操作を実行</a:t>
             </a:r>
-            <a:endParaRPr kumimoji="1" lang="en-US" altLang="ja-JP">
+            <a:endParaRPr kumimoji="1" lang="en-US" altLang="ja-JP" dirty="0">
               <a:latin typeface="メイリオ" panose="020B0604030504040204" pitchFamily="50" charset="-128"/>
               <a:ea typeface="メイリオ" panose="020B0604030504040204" pitchFamily="50" charset="-128"/>
             </a:endParaRPr>
@@ -8815,26 +8822,21 @@
               <a:lnSpc>
                 <a:spcPct val="100000"/>
               </a:lnSpc>
+              <a:spcBef>
+                <a:spcPts val="600"/>
+              </a:spcBef>
+              <a:spcAft>
+                <a:spcPts val="600"/>
+              </a:spcAft>
             </a:pPr>
             <a:r>
-              <a:rPr kumimoji="1" lang="ja-JP" altLang="en-US">
+              <a:rPr kumimoji="1" lang="ja-JP" altLang="en-US" dirty="0">
                 <a:latin typeface="メイリオ" panose="020B0604030504040204" pitchFamily="50" charset="-128"/>
                 <a:ea typeface="メイリオ" panose="020B0604030504040204" pitchFamily="50" charset="-128"/>
               </a:rPr>
               <a:t>検索等、専門エンジンへの入力であれば、各エンジンの対話インタフェースを呼び出す</a:t>
             </a:r>
-            <a:endParaRPr kumimoji="1" lang="en-US" altLang="ja-JP">
-              <a:latin typeface="メイリオ" panose="020B0604030504040204" pitchFamily="50" charset="-128"/>
-              <a:ea typeface="メイリオ" panose="020B0604030504040204" pitchFamily="50" charset="-128"/>
-            </a:endParaRPr>
-          </a:p>
-          <a:p>
-            <a:pPr lvl="1">
-              <a:lnSpc>
-                <a:spcPct val="100000"/>
-              </a:lnSpc>
-            </a:pPr>
-            <a:endParaRPr kumimoji="1" lang="ja-JP" altLang="en-US">
+            <a:endParaRPr kumimoji="1" lang="en-US" altLang="ja-JP" dirty="0">
               <a:latin typeface="メイリオ" panose="020B0604030504040204" pitchFamily="50" charset="-128"/>
               <a:ea typeface="メイリオ" panose="020B0604030504040204" pitchFamily="50" charset="-128"/>
             </a:endParaRPr>
@@ -8857,7 +8859,7 @@
 <file path=ppt/theme/theme1.xml><?xml version="1.0" encoding="utf-8"?>
 <a:theme xmlns:a="http://schemas.openxmlformats.org/drawingml/2006/main" name="Office テーマ">
   <a:themeElements>
-    <a:clrScheme name="Office">
+    <a:clrScheme name="Office テーマ">
       <a:dk1>
         <a:sysClr val="windowText" lastClr="000000"/>
       </a:dk1>
@@ -8895,9 +8897,9 @@
         <a:srgbClr val="954F72"/>
       </a:folHlink>
     </a:clrScheme>
-    <a:fontScheme name="Office">
+    <a:fontScheme name="Office テーマ">
       <a:majorFont>
-        <a:latin typeface="游ゴシック Light" panose="020F0302020204030204"/>
+        <a:latin typeface="Calibri Light" panose="020F0302020204030204"/>
         <a:ea typeface=""/>
         <a:cs typeface=""/>
         <a:font script="Jpan" typeface="游ゴシック Light"/>
@@ -8930,26 +8932,9 @@
         <a:font script="Viet" typeface="Times New Roman"/>
         <a:font script="Uigh" typeface="Microsoft Uighur"/>
         <a:font script="Geor" typeface="Sylfaen"/>
-        <a:font script="Armn" typeface="Arial"/>
-        <a:font script="Bugi" typeface="Leelawadee UI"/>
-        <a:font script="Bopo" typeface="Microsoft JhengHei"/>
-        <a:font script="Java" typeface="Javanese Text"/>
-        <a:font script="Lisu" typeface="Segoe UI"/>
-        <a:font script="Mymr" typeface="Myanmar Text"/>
-        <a:font script="Nkoo" typeface="Ebrima"/>
-        <a:font script="Olck" typeface="Nirmala UI"/>
-        <a:font script="Osma" typeface="Ebrima"/>
-        <a:font script="Phag" typeface="Phagspa"/>
-        <a:font script="Syrn" typeface="Estrangelo Edessa"/>
-        <a:font script="Syrj" typeface="Estrangelo Edessa"/>
-        <a:font script="Syre" typeface="Estrangelo Edessa"/>
-        <a:font script="Sora" typeface="Nirmala UI"/>
-        <a:font script="Tale" typeface="Microsoft Tai Le"/>
-        <a:font script="Talu" typeface="Microsoft New Tai Lue"/>
-        <a:font script="Tfng" typeface="Ebrima"/>
       </a:majorFont>
       <a:minorFont>
-        <a:latin typeface="游ゴシック" panose="020F0502020204030204"/>
+        <a:latin typeface="Calibri" panose="020F0502020204030204"/>
         <a:ea typeface=""/>
         <a:cs typeface=""/>
         <a:font script="Jpan" typeface="游ゴシック"/>
@@ -8982,26 +8967,9 @@
         <a:font script="Viet" typeface="Arial"/>
         <a:font script="Uigh" typeface="Microsoft Uighur"/>
         <a:font script="Geor" typeface="Sylfaen"/>
-        <a:font script="Armn" typeface="Arial"/>
-        <a:font script="Bugi" typeface="Leelawadee UI"/>
-        <a:font script="Bopo" typeface="Microsoft JhengHei"/>
-        <a:font script="Java" typeface="Javanese Text"/>
-        <a:font script="Lisu" typeface="Segoe UI"/>
-        <a:font script="Mymr" typeface="Myanmar Text"/>
-        <a:font script="Nkoo" typeface="Ebrima"/>
-        <a:font script="Olck" typeface="Nirmala UI"/>
-        <a:font script="Osma" typeface="Ebrima"/>
-        <a:font script="Phag" typeface="Phagspa"/>
-        <a:font script="Syrn" typeface="Estrangelo Edessa"/>
-        <a:font script="Syrj" typeface="Estrangelo Edessa"/>
-        <a:font script="Syre" typeface="Estrangelo Edessa"/>
-        <a:font script="Sora" typeface="Nirmala UI"/>
-        <a:font script="Tale" typeface="Microsoft Tai Le"/>
-        <a:font script="Talu" typeface="Microsoft New Tai Lue"/>
-        <a:font script="Tfng" typeface="Ebrima"/>
       </a:minorFont>
     </a:fontScheme>
-    <a:fmtScheme name="Office">
+    <a:fmtScheme name="Office テーマ">
       <a:fillStyleLst>
         <a:solidFill>
           <a:schemeClr val="phClr"/>
@@ -9143,7 +9111,7 @@
   <a:extraClrSchemeLst/>
   <a:extLst>
     <a:ext uri="{05A4C25C-085E-4340-85A3-A5531E510DB2}">
-      <thm15:themeFamily xmlns:thm15="http://schemas.microsoft.com/office/thememl/2012/main" name="Office Theme" id="{62F939B6-93AF-4DB8-9C6B-D6C7DFDC589F}" vid="{4A3C46E8-61CC-4603-A589-7422A47A8E4A}"/>
+      <thm15:themeFamily xmlns:thm15="http://schemas.microsoft.com/office/thememl/2012/main" name="Office Theme 2013 - 2022" id="{62F939B6-93AF-4DB8-9C6B-D6C7DFDC589F}" vid="{4A3C46E8-61CC-4603-A589-7422A47A8E4A}"/>
     </a:ext>
   </a:extLst>
 </a:theme>
